--- a/Alternate Charging VVSF2.pptx
+++ b/Alternate Charging VVSF2.pptx
@@ -4,6 +4,9 @@
   <p:sldMasterIdLst>
     <p:sldMasterId id="2147483648" r:id="rId1"/>
   </p:sldMasterIdLst>
+  <p:notesMasterIdLst>
+    <p:notesMasterId r:id="rId24"/>
+  </p:notesMasterIdLst>
   <p:sldIdLst>
     <p:sldId id="256" r:id="rId2"/>
     <p:sldId id="257" r:id="rId3"/>
@@ -22,8 +25,11 @@
     <p:sldId id="275" r:id="rId16"/>
     <p:sldId id="276" r:id="rId17"/>
     <p:sldId id="277" r:id="rId18"/>
-    <p:sldId id="270" r:id="rId19"/>
-    <p:sldId id="271" r:id="rId20"/>
+    <p:sldId id="278" r:id="rId19"/>
+    <p:sldId id="279" r:id="rId20"/>
+    <p:sldId id="280" r:id="rId21"/>
+    <p:sldId id="270" r:id="rId22"/>
+    <p:sldId id="271" r:id="rId23"/>
   </p:sldIdLst>
   <p:sldSz cx="12192000" cy="6858000"/>
   <p:notesSz cx="6858000" cy="9144000"/>
@@ -122,7 +128,362 @@
       </a:defRPr>
     </a:lvl9pPr>
   </p:defaultTextStyle>
+  <p:extLst>
+    <p:ext uri="{EFAFB233-063F-42B5-8137-9DF3F51BA10A}">
+      <p15:sldGuideLst xmlns:p15="http://schemas.microsoft.com/office/powerpoint/2012/main"/>
+    </p:ext>
+  </p:extLst>
 </p:presentation>
+</file>
+
+<file path=ppt/notesMasters/notesMaster1.xml><?xml version="1.0" encoding="utf-8"?>
+<p:notesMaster xmlns:a="http://schemas.openxmlformats.org/drawingml/2006/main" xmlns:r="http://schemas.openxmlformats.org/officeDocument/2006/relationships" xmlns:p="http://schemas.openxmlformats.org/presentationml/2006/main">
+  <p:cSld>
+    <p:bg>
+      <p:bgRef idx="1001">
+        <a:schemeClr val="bg1"/>
+      </p:bgRef>
+    </p:bg>
+    <p:spTree>
+      <p:nvGrpSpPr>
+        <p:cNvPr id="1" name=""/>
+        <p:cNvGrpSpPr/>
+        <p:nvPr/>
+      </p:nvGrpSpPr>
+      <p:grpSpPr>
+        <a:xfrm>
+          <a:off x="0" y="0"/>
+          <a:ext cx="0" cy="0"/>
+          <a:chOff x="0" y="0"/>
+          <a:chExt cx="0" cy="0"/>
+        </a:xfrm>
+      </p:grpSpPr>
+      <p:sp>
+        <p:nvSpPr>
+          <p:cNvPr id="2" name="Header Placeholder 1"/>
+          <p:cNvSpPr>
+            <a:spLocks noGrp="1"/>
+          </p:cNvSpPr>
+          <p:nvPr>
+            <p:ph type="hdr" sz="quarter"/>
+          </p:nvPr>
+        </p:nvSpPr>
+        <p:spPr>
+          <a:xfrm>
+            <a:off x="0" y="0"/>
+            <a:ext cx="2971800" cy="458788"/>
+          </a:xfrm>
+          <a:prstGeom prst="rect">
+            <a:avLst/>
+          </a:prstGeom>
+        </p:spPr>
+        <p:txBody>
+          <a:bodyPr vert="horz" lIns="91440" tIns="45720" rIns="91440" bIns="45720" rtlCol="0"/>
+          <a:lstStyle>
+            <a:lvl1pPr algn="l">
+              <a:defRPr sz="1200"/>
+            </a:lvl1pPr>
+          </a:lstStyle>
+          <a:p>
+            <a:endParaRPr lang="en-US"/>
+          </a:p>
+        </p:txBody>
+      </p:sp>
+      <p:sp>
+        <p:nvSpPr>
+          <p:cNvPr id="3" name="Date Placeholder 2"/>
+          <p:cNvSpPr>
+            <a:spLocks noGrp="1"/>
+          </p:cNvSpPr>
+          <p:nvPr>
+            <p:ph type="dt" idx="1"/>
+          </p:nvPr>
+        </p:nvSpPr>
+        <p:spPr>
+          <a:xfrm>
+            <a:off x="3884613" y="0"/>
+            <a:ext cx="2971800" cy="458788"/>
+          </a:xfrm>
+          <a:prstGeom prst="rect">
+            <a:avLst/>
+          </a:prstGeom>
+        </p:spPr>
+        <p:txBody>
+          <a:bodyPr vert="horz" lIns="91440" tIns="45720" rIns="91440" bIns="45720" rtlCol="0"/>
+          <a:lstStyle>
+            <a:lvl1pPr algn="r">
+              <a:defRPr sz="1200"/>
+            </a:lvl1pPr>
+          </a:lstStyle>
+          <a:p>
+            <a:fld id="{4A198D88-191F-8042-9486-9B1453006BBF}" type="datetimeFigureOut">
+              <a:rPr lang="en-US" smtClean="0"/>
+              <a:t>4/26/18</a:t>
+            </a:fld>
+            <a:endParaRPr lang="en-US"/>
+          </a:p>
+        </p:txBody>
+      </p:sp>
+      <p:sp>
+        <p:nvSpPr>
+          <p:cNvPr id="4" name="Slide Image Placeholder 3"/>
+          <p:cNvSpPr>
+            <a:spLocks noGrp="1" noRot="1" noChangeAspect="1"/>
+          </p:cNvSpPr>
+          <p:nvPr>
+            <p:ph type="sldImg" idx="2"/>
+          </p:nvPr>
+        </p:nvSpPr>
+        <p:spPr>
+          <a:xfrm>
+            <a:off x="685800" y="1143000"/>
+            <a:ext cx="5486400" cy="3086100"/>
+          </a:xfrm>
+          <a:prstGeom prst="rect">
+            <a:avLst/>
+          </a:prstGeom>
+          <a:noFill/>
+          <a:ln w="12700">
+            <a:solidFill>
+              <a:prstClr val="black"/>
+            </a:solidFill>
+          </a:ln>
+        </p:spPr>
+        <p:txBody>
+          <a:bodyPr vert="horz" lIns="91440" tIns="45720" rIns="91440" bIns="45720" rtlCol="0" anchor="ctr"/>
+          <a:lstStyle/>
+          <a:p>
+            <a:endParaRPr lang="en-US"/>
+          </a:p>
+        </p:txBody>
+      </p:sp>
+      <p:sp>
+        <p:nvSpPr>
+          <p:cNvPr id="5" name="Notes Placeholder 4"/>
+          <p:cNvSpPr>
+            <a:spLocks noGrp="1"/>
+          </p:cNvSpPr>
+          <p:nvPr>
+            <p:ph type="body" sz="quarter" idx="3"/>
+          </p:nvPr>
+        </p:nvSpPr>
+        <p:spPr>
+          <a:xfrm>
+            <a:off x="685800" y="4400550"/>
+            <a:ext cx="5486400" cy="3600450"/>
+          </a:xfrm>
+          <a:prstGeom prst="rect">
+            <a:avLst/>
+          </a:prstGeom>
+        </p:spPr>
+        <p:txBody>
+          <a:bodyPr vert="horz" lIns="91440" tIns="45720" rIns="91440" bIns="45720" rtlCol="0"/>
+          <a:lstStyle/>
+          <a:p>
+            <a:pPr lvl="0"/>
+            <a:r>
+              <a:rPr lang="en-US" smtClean="0"/>
+              <a:t>Click to edit Master text styles</a:t>
+            </a:r>
+          </a:p>
+          <a:p>
+            <a:pPr lvl="1"/>
+            <a:r>
+              <a:rPr lang="en-US" smtClean="0"/>
+              <a:t>Second level</a:t>
+            </a:r>
+          </a:p>
+          <a:p>
+            <a:pPr lvl="2"/>
+            <a:r>
+              <a:rPr lang="en-US" smtClean="0"/>
+              <a:t>Third level</a:t>
+            </a:r>
+          </a:p>
+          <a:p>
+            <a:pPr lvl="3"/>
+            <a:r>
+              <a:rPr lang="en-US" smtClean="0"/>
+              <a:t>Fourth level</a:t>
+            </a:r>
+          </a:p>
+          <a:p>
+            <a:pPr lvl="4"/>
+            <a:r>
+              <a:rPr lang="en-US" smtClean="0"/>
+              <a:t>Fifth level</a:t>
+            </a:r>
+            <a:endParaRPr lang="en-US"/>
+          </a:p>
+        </p:txBody>
+      </p:sp>
+      <p:sp>
+        <p:nvSpPr>
+          <p:cNvPr id="6" name="Footer Placeholder 5"/>
+          <p:cNvSpPr>
+            <a:spLocks noGrp="1"/>
+          </p:cNvSpPr>
+          <p:nvPr>
+            <p:ph type="ftr" sz="quarter" idx="4"/>
+          </p:nvPr>
+        </p:nvSpPr>
+        <p:spPr>
+          <a:xfrm>
+            <a:off x="0" y="8685213"/>
+            <a:ext cx="2971800" cy="458787"/>
+          </a:xfrm>
+          <a:prstGeom prst="rect">
+            <a:avLst/>
+          </a:prstGeom>
+        </p:spPr>
+        <p:txBody>
+          <a:bodyPr vert="horz" lIns="91440" tIns="45720" rIns="91440" bIns="45720" rtlCol="0" anchor="b"/>
+          <a:lstStyle>
+            <a:lvl1pPr algn="l">
+              <a:defRPr sz="1200"/>
+            </a:lvl1pPr>
+          </a:lstStyle>
+          <a:p>
+            <a:endParaRPr lang="en-US"/>
+          </a:p>
+        </p:txBody>
+      </p:sp>
+      <p:sp>
+        <p:nvSpPr>
+          <p:cNvPr id="7" name="Slide Number Placeholder 6"/>
+          <p:cNvSpPr>
+            <a:spLocks noGrp="1"/>
+          </p:cNvSpPr>
+          <p:nvPr>
+            <p:ph type="sldNum" sz="quarter" idx="5"/>
+          </p:nvPr>
+        </p:nvSpPr>
+        <p:spPr>
+          <a:xfrm>
+            <a:off x="3884613" y="8685213"/>
+            <a:ext cx="2971800" cy="458787"/>
+          </a:xfrm>
+          <a:prstGeom prst="rect">
+            <a:avLst/>
+          </a:prstGeom>
+        </p:spPr>
+        <p:txBody>
+          <a:bodyPr vert="horz" lIns="91440" tIns="45720" rIns="91440" bIns="45720" rtlCol="0" anchor="b"/>
+          <a:lstStyle>
+            <a:lvl1pPr algn="r">
+              <a:defRPr sz="1200"/>
+            </a:lvl1pPr>
+          </a:lstStyle>
+          <a:p>
+            <a:fld id="{2D5BB7D8-61E9-8840-9136-8241BA9451D2}" type="slidenum">
+              <a:rPr lang="en-US" smtClean="0"/>
+              <a:t>‹#›</a:t>
+            </a:fld>
+            <a:endParaRPr lang="en-US"/>
+          </a:p>
+        </p:txBody>
+      </p:sp>
+    </p:spTree>
+    <p:extLst>
+      <p:ext uri="{BB962C8B-B14F-4D97-AF65-F5344CB8AC3E}">
+        <p14:creationId xmlns:p14="http://schemas.microsoft.com/office/powerpoint/2010/main" val="474124690"/>
+      </p:ext>
+    </p:extLst>
+  </p:cSld>
+  <p:clrMap bg1="lt1" tx1="dk1" bg2="lt2" tx2="dk2" accent1="accent1" accent2="accent2" accent3="accent3" accent4="accent4" accent5="accent5" accent6="accent6" hlink="hlink" folHlink="folHlink"/>
+  <p:notesStyle>
+    <a:lvl1pPr marL="0" algn="l" defTabSz="914400" rtl="0" eaLnBrk="1" latinLnBrk="0" hangingPunct="1">
+      <a:defRPr sz="1200" kern="1200">
+        <a:solidFill>
+          <a:schemeClr val="tx1"/>
+        </a:solidFill>
+        <a:latin typeface="+mn-lt"/>
+        <a:ea typeface="+mn-ea"/>
+        <a:cs typeface="+mn-cs"/>
+      </a:defRPr>
+    </a:lvl1pPr>
+    <a:lvl2pPr marL="457200" algn="l" defTabSz="914400" rtl="0" eaLnBrk="1" latinLnBrk="0" hangingPunct="1">
+      <a:defRPr sz="1200" kern="1200">
+        <a:solidFill>
+          <a:schemeClr val="tx1"/>
+        </a:solidFill>
+        <a:latin typeface="+mn-lt"/>
+        <a:ea typeface="+mn-ea"/>
+        <a:cs typeface="+mn-cs"/>
+      </a:defRPr>
+    </a:lvl2pPr>
+    <a:lvl3pPr marL="914400" algn="l" defTabSz="914400" rtl="0" eaLnBrk="1" latinLnBrk="0" hangingPunct="1">
+      <a:defRPr sz="1200" kern="1200">
+        <a:solidFill>
+          <a:schemeClr val="tx1"/>
+        </a:solidFill>
+        <a:latin typeface="+mn-lt"/>
+        <a:ea typeface="+mn-ea"/>
+        <a:cs typeface="+mn-cs"/>
+      </a:defRPr>
+    </a:lvl3pPr>
+    <a:lvl4pPr marL="1371600" algn="l" defTabSz="914400" rtl="0" eaLnBrk="1" latinLnBrk="0" hangingPunct="1">
+      <a:defRPr sz="1200" kern="1200">
+        <a:solidFill>
+          <a:schemeClr val="tx1"/>
+        </a:solidFill>
+        <a:latin typeface="+mn-lt"/>
+        <a:ea typeface="+mn-ea"/>
+        <a:cs typeface="+mn-cs"/>
+      </a:defRPr>
+    </a:lvl4pPr>
+    <a:lvl5pPr marL="1828800" algn="l" defTabSz="914400" rtl="0" eaLnBrk="1" latinLnBrk="0" hangingPunct="1">
+      <a:defRPr sz="1200" kern="1200">
+        <a:solidFill>
+          <a:schemeClr val="tx1"/>
+        </a:solidFill>
+        <a:latin typeface="+mn-lt"/>
+        <a:ea typeface="+mn-ea"/>
+        <a:cs typeface="+mn-cs"/>
+      </a:defRPr>
+    </a:lvl5pPr>
+    <a:lvl6pPr marL="2286000" algn="l" defTabSz="914400" rtl="0" eaLnBrk="1" latinLnBrk="0" hangingPunct="1">
+      <a:defRPr sz="1200" kern="1200">
+        <a:solidFill>
+          <a:schemeClr val="tx1"/>
+        </a:solidFill>
+        <a:latin typeface="+mn-lt"/>
+        <a:ea typeface="+mn-ea"/>
+        <a:cs typeface="+mn-cs"/>
+      </a:defRPr>
+    </a:lvl6pPr>
+    <a:lvl7pPr marL="2743200" algn="l" defTabSz="914400" rtl="0" eaLnBrk="1" latinLnBrk="0" hangingPunct="1">
+      <a:defRPr sz="1200" kern="1200">
+        <a:solidFill>
+          <a:schemeClr val="tx1"/>
+        </a:solidFill>
+        <a:latin typeface="+mn-lt"/>
+        <a:ea typeface="+mn-ea"/>
+        <a:cs typeface="+mn-cs"/>
+      </a:defRPr>
+    </a:lvl7pPr>
+    <a:lvl8pPr marL="3200400" algn="l" defTabSz="914400" rtl="0" eaLnBrk="1" latinLnBrk="0" hangingPunct="1">
+      <a:defRPr sz="1200" kern="1200">
+        <a:solidFill>
+          <a:schemeClr val="tx1"/>
+        </a:solidFill>
+        <a:latin typeface="+mn-lt"/>
+        <a:ea typeface="+mn-ea"/>
+        <a:cs typeface="+mn-cs"/>
+      </a:defRPr>
+    </a:lvl8pPr>
+    <a:lvl9pPr marL="3657600" algn="l" defTabSz="914400" rtl="0" eaLnBrk="1" latinLnBrk="0" hangingPunct="1">
+      <a:defRPr sz="1200" kern="1200">
+        <a:solidFill>
+          <a:schemeClr val="tx1"/>
+        </a:solidFill>
+        <a:latin typeface="+mn-lt"/>
+        <a:ea typeface="+mn-ea"/>
+        <a:cs typeface="+mn-cs"/>
+      </a:defRPr>
+    </a:lvl9pPr>
+  </p:notesStyle>
+</p:notesMaster>
 </file>
 
 <file path=ppt/slideLayouts/slideLayout1.xml><?xml version="1.0" encoding="utf-8"?>
@@ -256,7 +617,7 @@
           <a:p>
             <a:fld id="{FBAA2CEE-671C-49FB-8187-B6D927D7F5E1}" type="datetimeFigureOut">
               <a:rPr lang="en-US" smtClean="0"/>
-              <a:t>4/26/2018</a:t>
+              <a:t>4/26/18</a:t>
             </a:fld>
             <a:endParaRPr lang="en-US"/>
           </a:p>
@@ -426,7 +787,7 @@
           <a:p>
             <a:fld id="{FBAA2CEE-671C-49FB-8187-B6D927D7F5E1}" type="datetimeFigureOut">
               <a:rPr lang="en-US" smtClean="0"/>
-              <a:t>4/26/2018</a:t>
+              <a:t>4/26/18</a:t>
             </a:fld>
             <a:endParaRPr lang="en-US"/>
           </a:p>
@@ -606,7 +967,7 @@
           <a:p>
             <a:fld id="{FBAA2CEE-671C-49FB-8187-B6D927D7F5E1}" type="datetimeFigureOut">
               <a:rPr lang="en-US" smtClean="0"/>
-              <a:t>4/26/2018</a:t>
+              <a:t>4/26/18</a:t>
             </a:fld>
             <a:endParaRPr lang="en-US"/>
           </a:p>
@@ -776,7 +1137,7 @@
           <a:p>
             <a:fld id="{FBAA2CEE-671C-49FB-8187-B6D927D7F5E1}" type="datetimeFigureOut">
               <a:rPr lang="en-US" smtClean="0"/>
-              <a:t>4/26/2018</a:t>
+              <a:t>4/26/18</a:t>
             </a:fld>
             <a:endParaRPr lang="en-US"/>
           </a:p>
@@ -1022,7 +1383,7 @@
           <a:p>
             <a:fld id="{FBAA2CEE-671C-49FB-8187-B6D927D7F5E1}" type="datetimeFigureOut">
               <a:rPr lang="en-US" smtClean="0"/>
-              <a:t>4/26/2018</a:t>
+              <a:t>4/26/18</a:t>
             </a:fld>
             <a:endParaRPr lang="en-US"/>
           </a:p>
@@ -1254,7 +1615,7 @@
           <a:p>
             <a:fld id="{FBAA2CEE-671C-49FB-8187-B6D927D7F5E1}" type="datetimeFigureOut">
               <a:rPr lang="en-US" smtClean="0"/>
-              <a:t>4/26/2018</a:t>
+              <a:t>4/26/18</a:t>
             </a:fld>
             <a:endParaRPr lang="en-US"/>
           </a:p>
@@ -1621,7 +1982,7 @@
           <a:p>
             <a:fld id="{FBAA2CEE-671C-49FB-8187-B6D927D7F5E1}" type="datetimeFigureOut">
               <a:rPr lang="en-US" smtClean="0"/>
-              <a:t>4/26/2018</a:t>
+              <a:t>4/26/18</a:t>
             </a:fld>
             <a:endParaRPr lang="en-US"/>
           </a:p>
@@ -1739,7 +2100,7 @@
           <a:p>
             <a:fld id="{FBAA2CEE-671C-49FB-8187-B6D927D7F5E1}" type="datetimeFigureOut">
               <a:rPr lang="en-US" smtClean="0"/>
-              <a:t>4/26/2018</a:t>
+              <a:t>4/26/18</a:t>
             </a:fld>
             <a:endParaRPr lang="en-US"/>
           </a:p>
@@ -1834,7 +2195,7 @@
           <a:p>
             <a:fld id="{FBAA2CEE-671C-49FB-8187-B6D927D7F5E1}" type="datetimeFigureOut">
               <a:rPr lang="en-US" smtClean="0"/>
-              <a:t>4/26/2018</a:t>
+              <a:t>4/26/18</a:t>
             </a:fld>
             <a:endParaRPr lang="en-US"/>
           </a:p>
@@ -2111,7 +2472,7 @@
           <a:p>
             <a:fld id="{FBAA2CEE-671C-49FB-8187-B6D927D7F5E1}" type="datetimeFigureOut">
               <a:rPr lang="en-US" smtClean="0"/>
-              <a:t>4/26/2018</a:t>
+              <a:t>4/26/18</a:t>
             </a:fld>
             <a:endParaRPr lang="en-US"/>
           </a:p>
@@ -2364,7 +2725,7 @@
           <a:p>
             <a:fld id="{FBAA2CEE-671C-49FB-8187-B6D927D7F5E1}" type="datetimeFigureOut">
               <a:rPr lang="en-US" smtClean="0"/>
-              <a:t>4/26/2018</a:t>
+              <a:t>4/26/18</a:t>
             </a:fld>
             <a:endParaRPr lang="en-US"/>
           </a:p>
@@ -2577,7 +2938,7 @@
           <a:p>
             <a:fld id="{FBAA2CEE-671C-49FB-8187-B6D927D7F5E1}" type="datetimeFigureOut">
               <a:rPr lang="en-US" smtClean="0"/>
-              <a:t>4/26/2018</a:t>
+              <a:t>4/26/18</a:t>
             </a:fld>
             <a:endParaRPr lang="en-US"/>
           </a:p>
@@ -4615,25 +4976,35 @@
           </a:p>
         </p:txBody>
       </p:sp>
-      <p:sp>
-        <p:nvSpPr>
-          <p:cNvPr id="3" name="Content Placeholder 2"/>
-          <p:cNvSpPr>
-            <a:spLocks noGrp="1"/>
-          </p:cNvSpPr>
+      <p:pic>
+        <p:nvPicPr>
+          <p:cNvPr id="4" name="Content Placeholder 3"/>
+          <p:cNvPicPr>
+            <a:picLocks noGrp="1" noChangeAspect="1"/>
+          </p:cNvPicPr>
           <p:nvPr>
             <p:ph idx="1"/>
           </p:nvPr>
-        </p:nvSpPr>
-        <p:spPr/>
-        <p:txBody>
-          <a:bodyPr/>
-          <a:lstStyle/>
-          <a:p>
-            <a:endParaRPr lang="en-US"/>
-          </a:p>
-        </p:txBody>
-      </p:sp>
+        </p:nvPicPr>
+        <p:blipFill>
+          <a:blip r:embed="rId2">
+            <a:extLst>
+              <a:ext uri="{28A0092B-C50C-407E-A947-70E740481C1C}">
+                <a14:useLocalDpi xmlns:a14="http://schemas.microsoft.com/office/drawing/2010/main" val="0"/>
+              </a:ext>
+            </a:extLst>
+          </a:blip>
+          <a:stretch>
+            <a:fillRect/>
+          </a:stretch>
+        </p:blipFill>
+        <p:spPr>
+          <a:xfrm>
+            <a:off x="-284943" y="-90152"/>
+            <a:ext cx="12476943" cy="7271630"/>
+          </a:xfrm>
+        </p:spPr>
+      </p:pic>
     </p:spTree>
     <p:extLst>
       <p:ext uri="{BB962C8B-B14F-4D97-AF65-F5344CB8AC3E}">
@@ -4686,1623 +5057,43 @@
           <a:bodyPr/>
           <a:lstStyle/>
           <a:p>
-            <a:r>
-              <a:rPr lang="en-US" dirty="0" smtClean="0"/>
-              <a:t>Alternative to VSF Mode: VSF2</a:t>
-            </a:r>
-            <a:endParaRPr lang="en-US" dirty="0"/>
+            <a:endParaRPr lang="en-US"/>
           </a:p>
         </p:txBody>
       </p:sp>
-      <p:sp>
-        <p:nvSpPr>
-          <p:cNvPr id="3" name="Content Placeholder 2"/>
-          <p:cNvSpPr>
-            <a:spLocks noGrp="1"/>
-          </p:cNvSpPr>
+      <p:pic>
+        <p:nvPicPr>
+          <p:cNvPr id="4" name="Content Placeholder 3"/>
+          <p:cNvPicPr>
+            <a:picLocks noGrp="1" noChangeAspect="1"/>
+          </p:cNvPicPr>
           <p:nvPr>
             <p:ph idx="1"/>
           </p:nvPr>
-        </p:nvSpPr>
+        </p:nvPicPr>
+        <p:blipFill>
+          <a:blip r:embed="rId2">
+            <a:extLst>
+              <a:ext uri="{28A0092B-C50C-407E-A947-70E740481C1C}">
+                <a14:useLocalDpi xmlns:a14="http://schemas.microsoft.com/office/drawing/2010/main" val="0"/>
+              </a:ext>
+            </a:extLst>
+          </a:blip>
+          <a:stretch>
+            <a:fillRect/>
+          </a:stretch>
+        </p:blipFill>
         <p:spPr>
           <a:xfrm>
-            <a:off x="838200" y="1825625"/>
-            <a:ext cx="10515600" cy="4924310"/>
+            <a:off x="-284943" y="-90152"/>
+            <a:ext cx="12476942" cy="7271630"/>
           </a:xfrm>
         </p:spPr>
-        <p:txBody>
-          <a:bodyPr>
-            <a:normAutofit/>
-          </a:bodyPr>
-          <a:lstStyle/>
-          <a:p>
-            <a:r>
-              <a:rPr lang="en-US" dirty="0" smtClean="0"/>
-              <a:t>BUT!</a:t>
-            </a:r>
-          </a:p>
-          <a:p>
-            <a:pPr lvl="1"/>
-            <a:r>
-              <a:rPr lang="en-US" dirty="0" smtClean="0"/>
-              <a:t>Running VVSF/VVSF2 puts full voltage across adjacent pin pairs.</a:t>
-            </a:r>
-          </a:p>
-          <a:p>
-            <a:pPr lvl="1"/>
-            <a:endParaRPr lang="en-US" dirty="0"/>
-          </a:p>
-          <a:p>
-            <a:pPr lvl="1"/>
-            <a:endParaRPr lang="en-US" dirty="0" smtClean="0"/>
-          </a:p>
-          <a:p>
-            <a:pPr lvl="1"/>
-            <a:endParaRPr lang="en-US" dirty="0"/>
-          </a:p>
-          <a:p>
-            <a:pPr lvl="1"/>
-            <a:endParaRPr lang="en-US" dirty="0" smtClean="0"/>
-          </a:p>
-          <a:p>
-            <a:pPr lvl="1"/>
-            <a:endParaRPr lang="en-US" dirty="0"/>
-          </a:p>
-          <a:p>
-            <a:pPr lvl="1"/>
-            <a:endParaRPr lang="en-US" dirty="0" smtClean="0"/>
-          </a:p>
-          <a:p>
-            <a:pPr lvl="1"/>
-            <a:endParaRPr lang="en-US" dirty="0"/>
-          </a:p>
-          <a:p>
-            <a:pPr lvl="1"/>
-            <a:endParaRPr lang="en-US" dirty="0" smtClean="0"/>
-          </a:p>
-          <a:p>
-            <a:r>
-              <a:rPr lang="en-US" dirty="0" smtClean="0"/>
-              <a:t>Maybe we can condition for this configuration…</a:t>
-            </a:r>
-            <a:endParaRPr lang="en-US" dirty="0"/>
-          </a:p>
-        </p:txBody>
-      </p:sp>
-      <p:grpSp>
-        <p:nvGrpSpPr>
-          <p:cNvPr id="4" name="Group 3"/>
-          <p:cNvGrpSpPr/>
-          <p:nvPr/>
-        </p:nvGrpSpPr>
-        <p:grpSpPr>
-          <a:xfrm>
-            <a:off x="1742543" y="3061265"/>
-            <a:ext cx="4353457" cy="2308151"/>
-            <a:chOff x="67232" y="-43223"/>
-            <a:chExt cx="4353457" cy="2308151"/>
-          </a:xfrm>
-        </p:grpSpPr>
-        <p:sp>
-          <p:nvSpPr>
-            <p:cNvPr id="5" name="Arc 4"/>
-            <p:cNvSpPr/>
-            <p:nvPr/>
-          </p:nvSpPr>
-          <p:spPr>
-            <a:xfrm flipH="1">
-              <a:off x="3222854" y="789974"/>
-              <a:ext cx="1197835" cy="1199187"/>
-            </a:xfrm>
-            <a:prstGeom prst="arc">
-              <a:avLst>
-                <a:gd name="adj1" fmla="val 19484426"/>
-                <a:gd name="adj2" fmla="val 2089572"/>
-              </a:avLst>
-            </a:prstGeom>
-            <a:ln>
-              <a:solidFill>
-                <a:schemeClr val="tx1"/>
-              </a:solidFill>
-            </a:ln>
-          </p:spPr>
-          <p:style>
-            <a:lnRef idx="1">
-              <a:schemeClr val="accent1"/>
-            </a:lnRef>
-            <a:fillRef idx="0">
-              <a:schemeClr val="accent1"/>
-            </a:fillRef>
-            <a:effectRef idx="0">
-              <a:schemeClr val="accent1"/>
-            </a:effectRef>
-            <a:fontRef idx="minor">
-              <a:schemeClr val="tx1"/>
-            </a:fontRef>
-          </p:style>
-          <p:txBody>
-            <a:bodyPr rtlCol="0" anchor="ctr"/>
-            <a:lstStyle/>
-            <a:p>
-              <a:pPr algn="ctr"/>
-              <a:endParaRPr lang="en-US" sz="2000">
-                <a:latin typeface="Century" charset="0"/>
-                <a:ea typeface="Century" charset="0"/>
-                <a:cs typeface="Century" charset="0"/>
-              </a:endParaRPr>
-            </a:p>
-          </p:txBody>
-        </p:sp>
-        <p:sp>
-          <p:nvSpPr>
-            <p:cNvPr id="6" name="Oval 5"/>
-            <p:cNvSpPr/>
-            <p:nvPr/>
-          </p:nvSpPr>
-          <p:spPr>
-            <a:xfrm>
-              <a:off x="67232" y="614482"/>
-              <a:ext cx="475488" cy="471054"/>
-            </a:xfrm>
-            <a:prstGeom prst="ellipse">
-              <a:avLst/>
-            </a:prstGeom>
-            <a:noFill/>
-            <a:ln w="28575">
-              <a:solidFill>
-                <a:schemeClr val="tx1"/>
-              </a:solidFill>
-            </a:ln>
-          </p:spPr>
-          <p:style>
-            <a:lnRef idx="2">
-              <a:schemeClr val="accent1">
-                <a:shade val="50000"/>
-              </a:schemeClr>
-            </a:lnRef>
-            <a:fillRef idx="1">
-              <a:schemeClr val="accent1"/>
-            </a:fillRef>
-            <a:effectRef idx="0">
-              <a:schemeClr val="accent1"/>
-            </a:effectRef>
-            <a:fontRef idx="minor">
-              <a:schemeClr val="lt1"/>
-            </a:fontRef>
-          </p:style>
-          <p:txBody>
-            <a:bodyPr rtlCol="0" anchor="ctr"/>
-            <a:lstStyle/>
-            <a:p>
-              <a:pPr algn="ctr"/>
-              <a:r>
-                <a:rPr lang="en-US" sz="3000" dirty="0" smtClean="0">
-                  <a:solidFill>
-                    <a:schemeClr val="tx1"/>
-                  </a:solidFill>
-                  <a:latin typeface="Century" charset="0"/>
-                  <a:ea typeface="Century" charset="0"/>
-                  <a:cs typeface="Century" charset="0"/>
-                </a:rPr>
-                <a:t>-</a:t>
-              </a:r>
-              <a:endParaRPr lang="en-US" sz="3000" dirty="0">
-                <a:solidFill>
-                  <a:schemeClr val="tx1"/>
-                </a:solidFill>
-                <a:latin typeface="Century" charset="0"/>
-                <a:ea typeface="Century" charset="0"/>
-                <a:cs typeface="Century" charset="0"/>
-              </a:endParaRPr>
-            </a:p>
-          </p:txBody>
-        </p:sp>
-        <p:sp>
-          <p:nvSpPr>
-            <p:cNvPr id="7" name="Oval 6"/>
-            <p:cNvSpPr/>
-            <p:nvPr/>
-          </p:nvSpPr>
-          <p:spPr>
-            <a:xfrm>
-              <a:off x="67232" y="1693598"/>
-              <a:ext cx="475488" cy="471054"/>
-            </a:xfrm>
-            <a:prstGeom prst="ellipse">
-              <a:avLst/>
-            </a:prstGeom>
-            <a:noFill/>
-            <a:ln w="28575">
-              <a:solidFill>
-                <a:schemeClr val="tx1"/>
-              </a:solidFill>
-            </a:ln>
-          </p:spPr>
-          <p:style>
-            <a:lnRef idx="2">
-              <a:schemeClr val="accent1">
-                <a:shade val="50000"/>
-              </a:schemeClr>
-            </a:lnRef>
-            <a:fillRef idx="1">
-              <a:schemeClr val="accent1"/>
-            </a:fillRef>
-            <a:effectRef idx="0">
-              <a:schemeClr val="accent1"/>
-            </a:effectRef>
-            <a:fontRef idx="minor">
-              <a:schemeClr val="lt1"/>
-            </a:fontRef>
-          </p:style>
-          <p:txBody>
-            <a:bodyPr rtlCol="0" anchor="ctr"/>
-            <a:lstStyle/>
-            <a:p>
-              <a:pPr algn="ctr"/>
-              <a:r>
-                <a:rPr lang="en-US" sz="2000" dirty="0" smtClean="0">
-                  <a:solidFill>
-                    <a:schemeClr val="tx1"/>
-                  </a:solidFill>
-                  <a:latin typeface="Century" charset="0"/>
-                  <a:ea typeface="Century" charset="0"/>
-                  <a:cs typeface="Century" charset="0"/>
-                </a:rPr>
-                <a:t>+</a:t>
-              </a:r>
-              <a:endParaRPr lang="en-US" sz="2000" dirty="0">
-                <a:solidFill>
-                  <a:schemeClr val="tx1"/>
-                </a:solidFill>
-                <a:latin typeface="Century" charset="0"/>
-                <a:ea typeface="Century" charset="0"/>
-                <a:cs typeface="Century" charset="0"/>
-              </a:endParaRPr>
-            </a:p>
-          </p:txBody>
-        </p:sp>
-        <p:sp>
-          <p:nvSpPr>
-            <p:cNvPr id="8" name="Oval 7"/>
-            <p:cNvSpPr/>
-            <p:nvPr/>
-          </p:nvSpPr>
-          <p:spPr>
-            <a:xfrm>
-              <a:off x="1115568" y="514207"/>
-              <a:ext cx="475488" cy="571329"/>
-            </a:xfrm>
-            <a:prstGeom prst="ellipse">
-              <a:avLst/>
-            </a:prstGeom>
-            <a:noFill/>
-            <a:ln w="28575">
-              <a:solidFill>
-                <a:schemeClr val="tx1"/>
-              </a:solidFill>
-            </a:ln>
-          </p:spPr>
-          <p:style>
-            <a:lnRef idx="2">
-              <a:schemeClr val="accent1">
-                <a:shade val="50000"/>
-              </a:schemeClr>
-            </a:lnRef>
-            <a:fillRef idx="1">
-              <a:schemeClr val="accent1"/>
-            </a:fillRef>
-            <a:effectRef idx="0">
-              <a:schemeClr val="accent1"/>
-            </a:effectRef>
-            <a:fontRef idx="minor">
-              <a:schemeClr val="lt1"/>
-            </a:fontRef>
-          </p:style>
-          <p:txBody>
-            <a:bodyPr rtlCol="0" anchor="ctr"/>
-            <a:lstStyle/>
-            <a:p>
-              <a:pPr algn="ctr"/>
-              <a:r>
-                <a:rPr lang="en-US" sz="2000" dirty="0">
-                  <a:solidFill>
-                    <a:sysClr val="windowText" lastClr="000000"/>
-                  </a:solidFill>
-                  <a:latin typeface="Century" charset="0"/>
-                  <a:ea typeface="Century" charset="0"/>
-                  <a:cs typeface="Century" charset="0"/>
-                </a:rPr>
-                <a:t>+</a:t>
-              </a:r>
-            </a:p>
-          </p:txBody>
-        </p:sp>
-        <p:sp>
-          <p:nvSpPr>
-            <p:cNvPr id="9" name="Oval 8"/>
-            <p:cNvSpPr/>
-            <p:nvPr/>
-          </p:nvSpPr>
-          <p:spPr>
-            <a:xfrm>
-              <a:off x="1115568" y="1693598"/>
-              <a:ext cx="475488" cy="571330"/>
-            </a:xfrm>
-            <a:prstGeom prst="ellipse">
-              <a:avLst/>
-            </a:prstGeom>
-            <a:noFill/>
-            <a:ln w="28575">
-              <a:solidFill>
-                <a:schemeClr val="tx1"/>
-              </a:solidFill>
-            </a:ln>
-          </p:spPr>
-          <p:style>
-            <a:lnRef idx="2">
-              <a:schemeClr val="accent1">
-                <a:shade val="50000"/>
-              </a:schemeClr>
-            </a:lnRef>
-            <a:fillRef idx="1">
-              <a:schemeClr val="accent1"/>
-            </a:fillRef>
-            <a:effectRef idx="0">
-              <a:schemeClr val="accent1"/>
-            </a:effectRef>
-            <a:fontRef idx="minor">
-              <a:schemeClr val="lt1"/>
-            </a:fontRef>
-          </p:style>
-          <p:txBody>
-            <a:bodyPr rtlCol="0" anchor="ctr"/>
-            <a:lstStyle/>
-            <a:p>
-              <a:pPr algn="ctr"/>
-              <a:r>
-                <a:rPr lang="en-US" sz="3000" dirty="0">
-                  <a:solidFill>
-                    <a:schemeClr val="tx1"/>
-                  </a:solidFill>
-                  <a:latin typeface="Century" charset="0"/>
-                  <a:ea typeface="Century" charset="0"/>
-                  <a:cs typeface="Century" charset="0"/>
-                </a:rPr>
-                <a:t>-</a:t>
-              </a:r>
-            </a:p>
-          </p:txBody>
-        </p:sp>
-        <p:sp>
-          <p:nvSpPr>
-            <p:cNvPr id="10" name="Oval 9"/>
-            <p:cNvSpPr/>
-            <p:nvPr/>
-          </p:nvSpPr>
-          <p:spPr>
-            <a:xfrm>
-              <a:off x="2163888" y="614482"/>
-              <a:ext cx="475488" cy="471054"/>
-            </a:xfrm>
-            <a:prstGeom prst="ellipse">
-              <a:avLst/>
-            </a:prstGeom>
-            <a:noFill/>
-            <a:ln w="28575">
-              <a:solidFill>
-                <a:schemeClr val="tx1"/>
-              </a:solidFill>
-            </a:ln>
-          </p:spPr>
-          <p:style>
-            <a:lnRef idx="2">
-              <a:schemeClr val="accent1">
-                <a:shade val="50000"/>
-              </a:schemeClr>
-            </a:lnRef>
-            <a:fillRef idx="1">
-              <a:schemeClr val="accent1"/>
-            </a:fillRef>
-            <a:effectRef idx="0">
-              <a:schemeClr val="accent1"/>
-            </a:effectRef>
-            <a:fontRef idx="minor">
-              <a:schemeClr val="lt1"/>
-            </a:fontRef>
-          </p:style>
-          <p:txBody>
-            <a:bodyPr rtlCol="0" anchor="ctr"/>
-            <a:lstStyle/>
-            <a:p>
-              <a:pPr algn="ctr"/>
-              <a:r>
-                <a:rPr lang="en-US" sz="3000" dirty="0" smtClean="0">
-                  <a:solidFill>
-                    <a:schemeClr val="tx1"/>
-                  </a:solidFill>
-                  <a:latin typeface="Century" charset="0"/>
-                  <a:ea typeface="Century" charset="0"/>
-                  <a:cs typeface="Century" charset="0"/>
-                </a:rPr>
-                <a:t>-</a:t>
-              </a:r>
-              <a:endParaRPr lang="en-US" sz="3000" dirty="0">
-                <a:solidFill>
-                  <a:schemeClr val="tx1"/>
-                </a:solidFill>
-                <a:latin typeface="Century" charset="0"/>
-                <a:ea typeface="Century" charset="0"/>
-                <a:cs typeface="Century" charset="0"/>
-              </a:endParaRPr>
-            </a:p>
-          </p:txBody>
-        </p:sp>
-        <p:sp>
-          <p:nvSpPr>
-            <p:cNvPr id="11" name="Oval 10"/>
-            <p:cNvSpPr/>
-            <p:nvPr/>
-          </p:nvSpPr>
-          <p:spPr>
-            <a:xfrm>
-              <a:off x="2163888" y="1693598"/>
-              <a:ext cx="475488" cy="471054"/>
-            </a:xfrm>
-            <a:prstGeom prst="ellipse">
-              <a:avLst/>
-            </a:prstGeom>
-            <a:noFill/>
-            <a:ln w="28575">
-              <a:solidFill>
-                <a:schemeClr val="tx1"/>
-              </a:solidFill>
-            </a:ln>
-          </p:spPr>
-          <p:style>
-            <a:lnRef idx="2">
-              <a:schemeClr val="accent1">
-                <a:shade val="50000"/>
-              </a:schemeClr>
-            </a:lnRef>
-            <a:fillRef idx="1">
-              <a:schemeClr val="accent1"/>
-            </a:fillRef>
-            <a:effectRef idx="0">
-              <a:schemeClr val="accent1"/>
-            </a:effectRef>
-            <a:fontRef idx="minor">
-              <a:schemeClr val="lt1"/>
-            </a:fontRef>
-          </p:style>
-          <p:txBody>
-            <a:bodyPr rtlCol="0" anchor="ctr"/>
-            <a:lstStyle/>
-            <a:p>
-              <a:pPr algn="ctr"/>
-              <a:r>
-                <a:rPr lang="en-US" sz="2000" dirty="0" smtClean="0">
-                  <a:solidFill>
-                    <a:schemeClr val="tx1"/>
-                  </a:solidFill>
-                  <a:latin typeface="Century" charset="0"/>
-                  <a:ea typeface="Century" charset="0"/>
-                  <a:cs typeface="Century" charset="0"/>
-                </a:rPr>
-                <a:t>+</a:t>
-              </a:r>
-              <a:endParaRPr lang="en-US" sz="2000" dirty="0">
-                <a:solidFill>
-                  <a:schemeClr val="tx1"/>
-                </a:solidFill>
-                <a:latin typeface="Century" charset="0"/>
-                <a:ea typeface="Century" charset="0"/>
-                <a:cs typeface="Century" charset="0"/>
-              </a:endParaRPr>
-            </a:p>
-          </p:txBody>
-        </p:sp>
-        <p:sp>
-          <p:nvSpPr>
-            <p:cNvPr id="12" name="Oval 11"/>
-            <p:cNvSpPr/>
-            <p:nvPr/>
-          </p:nvSpPr>
-          <p:spPr>
-            <a:xfrm>
-              <a:off x="3218688" y="514207"/>
-              <a:ext cx="475488" cy="571329"/>
-            </a:xfrm>
-            <a:prstGeom prst="ellipse">
-              <a:avLst/>
-            </a:prstGeom>
-            <a:noFill/>
-            <a:ln w="28575">
-              <a:solidFill>
-                <a:schemeClr val="tx1"/>
-              </a:solidFill>
-            </a:ln>
-          </p:spPr>
-          <p:style>
-            <a:lnRef idx="2">
-              <a:schemeClr val="accent1">
-                <a:shade val="50000"/>
-              </a:schemeClr>
-            </a:lnRef>
-            <a:fillRef idx="1">
-              <a:schemeClr val="accent1"/>
-            </a:fillRef>
-            <a:effectRef idx="0">
-              <a:schemeClr val="accent1"/>
-            </a:effectRef>
-            <a:fontRef idx="minor">
-              <a:schemeClr val="lt1"/>
-            </a:fontRef>
-          </p:style>
-          <p:txBody>
-            <a:bodyPr rtlCol="0" anchor="ctr"/>
-            <a:lstStyle/>
-            <a:p>
-              <a:pPr algn="ctr"/>
-              <a:r>
-                <a:rPr lang="en-US" sz="2000" dirty="0">
-                  <a:solidFill>
-                    <a:schemeClr val="tx1"/>
-                  </a:solidFill>
-                  <a:latin typeface="Century" charset="0"/>
-                  <a:ea typeface="Century" charset="0"/>
-                  <a:cs typeface="Century" charset="0"/>
-                </a:rPr>
-                <a:t>+</a:t>
-              </a:r>
-            </a:p>
-          </p:txBody>
-        </p:sp>
-        <p:sp>
-          <p:nvSpPr>
-            <p:cNvPr id="13" name="Oval 12"/>
-            <p:cNvSpPr/>
-            <p:nvPr/>
-          </p:nvSpPr>
-          <p:spPr>
-            <a:xfrm>
-              <a:off x="3218688" y="1693598"/>
-              <a:ext cx="475488" cy="571330"/>
-            </a:xfrm>
-            <a:prstGeom prst="ellipse">
-              <a:avLst/>
-            </a:prstGeom>
-            <a:noFill/>
-            <a:ln w="28575">
-              <a:solidFill>
-                <a:schemeClr val="tx1"/>
-              </a:solidFill>
-            </a:ln>
-          </p:spPr>
-          <p:style>
-            <a:lnRef idx="2">
-              <a:schemeClr val="accent1">
-                <a:shade val="50000"/>
-              </a:schemeClr>
-            </a:lnRef>
-            <a:fillRef idx="1">
-              <a:schemeClr val="accent1"/>
-            </a:fillRef>
-            <a:effectRef idx="0">
-              <a:schemeClr val="accent1"/>
-            </a:effectRef>
-            <a:fontRef idx="minor">
-              <a:schemeClr val="lt1"/>
-            </a:fontRef>
-          </p:style>
-          <p:txBody>
-            <a:bodyPr rtlCol="0" anchor="ctr"/>
-            <a:lstStyle/>
-            <a:p>
-              <a:pPr algn="ctr"/>
-              <a:r>
-                <a:rPr lang="en-US" sz="3000" dirty="0">
-                  <a:solidFill>
-                    <a:schemeClr val="tx1"/>
-                  </a:solidFill>
-                  <a:latin typeface="Century" charset="0"/>
-                  <a:ea typeface="Century" charset="0"/>
-                  <a:cs typeface="Century" charset="0"/>
-                </a:rPr>
-                <a:t>-</a:t>
-              </a:r>
-            </a:p>
-          </p:txBody>
-        </p:sp>
-        <p:cxnSp>
-          <p:nvCxnSpPr>
-            <p:cNvPr id="14" name="Straight Connector 13"/>
-            <p:cNvCxnSpPr/>
-            <p:nvPr/>
-          </p:nvCxnSpPr>
-          <p:spPr>
-            <a:xfrm>
-              <a:off x="1343201" y="1085536"/>
-              <a:ext cx="0" cy="608062"/>
-            </a:xfrm>
-            <a:prstGeom prst="line">
-              <a:avLst/>
-            </a:prstGeom>
-            <a:ln>
-              <a:solidFill>
-                <a:schemeClr val="tx1"/>
-              </a:solidFill>
-            </a:ln>
-          </p:spPr>
-          <p:style>
-            <a:lnRef idx="1">
-              <a:schemeClr val="accent1"/>
-            </a:lnRef>
-            <a:fillRef idx="0">
-              <a:schemeClr val="accent1"/>
-            </a:fillRef>
-            <a:effectRef idx="0">
-              <a:schemeClr val="accent1"/>
-            </a:effectRef>
-            <a:fontRef idx="minor">
-              <a:schemeClr val="tx1"/>
-            </a:fontRef>
-          </p:style>
-        </p:cxnSp>
-        <p:sp>
-          <p:nvSpPr>
-            <p:cNvPr id="15" name="Arc 14"/>
-            <p:cNvSpPr/>
-            <p:nvPr/>
-          </p:nvSpPr>
-          <p:spPr>
-            <a:xfrm>
-              <a:off x="395612" y="789974"/>
-              <a:ext cx="1194569" cy="1199187"/>
-            </a:xfrm>
-            <a:prstGeom prst="arc">
-              <a:avLst>
-                <a:gd name="adj1" fmla="val 19484426"/>
-                <a:gd name="adj2" fmla="val 2089572"/>
-              </a:avLst>
-            </a:prstGeom>
-            <a:ln>
-              <a:solidFill>
-                <a:schemeClr val="tx1"/>
-              </a:solidFill>
-            </a:ln>
-          </p:spPr>
-          <p:style>
-            <a:lnRef idx="1">
-              <a:schemeClr val="accent1"/>
-            </a:lnRef>
-            <a:fillRef idx="0">
-              <a:schemeClr val="accent1"/>
-            </a:fillRef>
-            <a:effectRef idx="0">
-              <a:schemeClr val="accent1"/>
-            </a:effectRef>
-            <a:fontRef idx="minor">
-              <a:schemeClr val="tx1"/>
-            </a:fontRef>
-          </p:style>
-          <p:txBody>
-            <a:bodyPr rtlCol="0" anchor="ctr"/>
-            <a:lstStyle/>
-            <a:p>
-              <a:pPr algn="ctr"/>
-              <a:endParaRPr lang="en-US" sz="2000">
-                <a:latin typeface="Century" charset="0"/>
-                <a:ea typeface="Century" charset="0"/>
-                <a:cs typeface="Century" charset="0"/>
-              </a:endParaRPr>
-            </a:p>
-          </p:txBody>
-        </p:sp>
-        <p:sp>
-          <p:nvSpPr>
-            <p:cNvPr id="16" name="Arc 15"/>
-            <p:cNvSpPr/>
-            <p:nvPr/>
-          </p:nvSpPr>
-          <p:spPr>
-            <a:xfrm flipH="1">
-              <a:off x="1117586" y="789974"/>
-              <a:ext cx="1197835" cy="1199187"/>
-            </a:xfrm>
-            <a:prstGeom prst="arc">
-              <a:avLst>
-                <a:gd name="adj1" fmla="val 19484426"/>
-                <a:gd name="adj2" fmla="val 2089572"/>
-              </a:avLst>
-            </a:prstGeom>
-            <a:ln>
-              <a:solidFill>
-                <a:schemeClr val="tx1"/>
-              </a:solidFill>
-            </a:ln>
-          </p:spPr>
-          <p:style>
-            <a:lnRef idx="1">
-              <a:schemeClr val="accent1"/>
-            </a:lnRef>
-            <a:fillRef idx="0">
-              <a:schemeClr val="accent1"/>
-            </a:fillRef>
-            <a:effectRef idx="0">
-              <a:schemeClr val="accent1"/>
-            </a:effectRef>
-            <a:fontRef idx="minor">
-              <a:schemeClr val="tx1"/>
-            </a:fontRef>
-          </p:style>
-          <p:txBody>
-            <a:bodyPr rtlCol="0" anchor="ctr"/>
-            <a:lstStyle/>
-            <a:p>
-              <a:pPr algn="ctr"/>
-              <a:endParaRPr lang="en-US" sz="2000">
-                <a:latin typeface="Century" charset="0"/>
-                <a:ea typeface="Century" charset="0"/>
-                <a:cs typeface="Century" charset="0"/>
-              </a:endParaRPr>
-            </a:p>
-          </p:txBody>
-        </p:sp>
-        <p:sp>
-          <p:nvSpPr>
-            <p:cNvPr id="17" name="Arc 16"/>
-            <p:cNvSpPr/>
-            <p:nvPr/>
-          </p:nvSpPr>
-          <p:spPr>
-            <a:xfrm>
-              <a:off x="867086" y="816143"/>
-              <a:ext cx="1127070" cy="1092971"/>
-            </a:xfrm>
-            <a:prstGeom prst="arc">
-              <a:avLst>
-                <a:gd name="adj1" fmla="val 17262820"/>
-                <a:gd name="adj2" fmla="val 4346483"/>
-              </a:avLst>
-            </a:prstGeom>
-            <a:ln>
-              <a:solidFill>
-                <a:schemeClr val="tx1"/>
-              </a:solidFill>
-            </a:ln>
-          </p:spPr>
-          <p:style>
-            <a:lnRef idx="1">
-              <a:schemeClr val="accent1"/>
-            </a:lnRef>
-            <a:fillRef idx="0">
-              <a:schemeClr val="accent1"/>
-            </a:fillRef>
-            <a:effectRef idx="0">
-              <a:schemeClr val="accent1"/>
-            </a:effectRef>
-            <a:fontRef idx="minor">
-              <a:schemeClr val="tx1"/>
-            </a:fontRef>
-          </p:style>
-          <p:txBody>
-            <a:bodyPr rtlCol="0" anchor="ctr"/>
-            <a:lstStyle/>
-            <a:p>
-              <a:pPr algn="ctr"/>
-              <a:endParaRPr lang="en-US" sz="2000">
-                <a:latin typeface="Century" charset="0"/>
-                <a:ea typeface="Century" charset="0"/>
-                <a:cs typeface="Century" charset="0"/>
-              </a:endParaRPr>
-            </a:p>
-          </p:txBody>
-        </p:sp>
-        <p:sp>
-          <p:nvSpPr>
-            <p:cNvPr id="18" name="Arc 17"/>
-            <p:cNvSpPr/>
-            <p:nvPr/>
-          </p:nvSpPr>
-          <p:spPr>
-            <a:xfrm rot="10800000">
-              <a:off x="676268" y="816143"/>
-              <a:ext cx="1127070" cy="1092971"/>
-            </a:xfrm>
-            <a:prstGeom prst="arc">
-              <a:avLst>
-                <a:gd name="adj1" fmla="val 17262820"/>
-                <a:gd name="adj2" fmla="val 4346483"/>
-              </a:avLst>
-            </a:prstGeom>
-            <a:ln>
-              <a:solidFill>
-                <a:schemeClr val="tx1"/>
-              </a:solidFill>
-            </a:ln>
-          </p:spPr>
-          <p:style>
-            <a:lnRef idx="1">
-              <a:schemeClr val="accent1"/>
-            </a:lnRef>
-            <a:fillRef idx="0">
-              <a:schemeClr val="accent1"/>
-            </a:fillRef>
-            <a:effectRef idx="0">
-              <a:schemeClr val="accent1"/>
-            </a:effectRef>
-            <a:fontRef idx="minor">
-              <a:schemeClr val="tx1"/>
-            </a:fontRef>
-          </p:style>
-          <p:txBody>
-            <a:bodyPr rtlCol="0" anchor="ctr"/>
-            <a:lstStyle/>
-            <a:p>
-              <a:pPr algn="ctr"/>
-              <a:endParaRPr lang="en-US" sz="2000">
-                <a:latin typeface="Century" charset="0"/>
-                <a:ea typeface="Century" charset="0"/>
-                <a:cs typeface="Century" charset="0"/>
-              </a:endParaRPr>
-            </a:p>
-          </p:txBody>
-        </p:sp>
-        <p:cxnSp>
-          <p:nvCxnSpPr>
-            <p:cNvPr id="19" name="Straight Connector 18"/>
-            <p:cNvCxnSpPr>
-              <a:stCxn id="5" idx="4"/>
-              <a:endCxn id="21" idx="0"/>
-            </p:cNvCxnSpPr>
-            <p:nvPr/>
-          </p:nvCxnSpPr>
-          <p:spPr>
-            <a:xfrm>
-              <a:off x="3448469" y="1085536"/>
-              <a:ext cx="0" cy="608062"/>
-            </a:xfrm>
-            <a:prstGeom prst="line">
-              <a:avLst/>
-            </a:prstGeom>
-            <a:ln>
-              <a:solidFill>
-                <a:schemeClr val="tx1"/>
-              </a:solidFill>
-            </a:ln>
-          </p:spPr>
-          <p:style>
-            <a:lnRef idx="1">
-              <a:schemeClr val="accent1"/>
-            </a:lnRef>
-            <a:fillRef idx="0">
-              <a:schemeClr val="accent1"/>
-            </a:fillRef>
-            <a:effectRef idx="0">
-              <a:schemeClr val="accent1"/>
-            </a:effectRef>
-            <a:fontRef idx="minor">
-              <a:schemeClr val="tx1"/>
-            </a:fontRef>
-          </p:style>
-        </p:cxnSp>
-        <p:sp>
-          <p:nvSpPr>
-            <p:cNvPr id="20" name="Arc 19"/>
-            <p:cNvSpPr/>
-            <p:nvPr/>
-          </p:nvSpPr>
-          <p:spPr>
-            <a:xfrm>
-              <a:off x="2500880" y="789974"/>
-              <a:ext cx="1194569" cy="1199187"/>
-            </a:xfrm>
-            <a:prstGeom prst="arc">
-              <a:avLst>
-                <a:gd name="adj1" fmla="val 19484426"/>
-                <a:gd name="adj2" fmla="val 2089572"/>
-              </a:avLst>
-            </a:prstGeom>
-            <a:ln>
-              <a:solidFill>
-                <a:schemeClr val="tx1"/>
-              </a:solidFill>
-            </a:ln>
-          </p:spPr>
-          <p:style>
-            <a:lnRef idx="1">
-              <a:schemeClr val="accent1"/>
-            </a:lnRef>
-            <a:fillRef idx="0">
-              <a:schemeClr val="accent1"/>
-            </a:fillRef>
-            <a:effectRef idx="0">
-              <a:schemeClr val="accent1"/>
-            </a:effectRef>
-            <a:fontRef idx="minor">
-              <a:schemeClr val="tx1"/>
-            </a:fontRef>
-          </p:style>
-          <p:txBody>
-            <a:bodyPr rtlCol="0" anchor="ctr"/>
-            <a:lstStyle/>
-            <a:p>
-              <a:pPr algn="ctr"/>
-              <a:endParaRPr lang="en-US" sz="2000">
-                <a:latin typeface="Century" charset="0"/>
-                <a:ea typeface="Century" charset="0"/>
-                <a:cs typeface="Century" charset="0"/>
-              </a:endParaRPr>
-            </a:p>
-          </p:txBody>
-        </p:sp>
-        <p:sp>
-          <p:nvSpPr>
-            <p:cNvPr id="21" name="Arc 20"/>
-            <p:cNvSpPr/>
-            <p:nvPr/>
-          </p:nvSpPr>
-          <p:spPr>
-            <a:xfrm>
-              <a:off x="2972354" y="816143"/>
-              <a:ext cx="1127070" cy="1092971"/>
-            </a:xfrm>
-            <a:prstGeom prst="arc">
-              <a:avLst>
-                <a:gd name="adj1" fmla="val 17262820"/>
-                <a:gd name="adj2" fmla="val 4346483"/>
-              </a:avLst>
-            </a:prstGeom>
-            <a:ln>
-              <a:solidFill>
-                <a:schemeClr val="tx1"/>
-              </a:solidFill>
-            </a:ln>
-          </p:spPr>
-          <p:style>
-            <a:lnRef idx="1">
-              <a:schemeClr val="accent1"/>
-            </a:lnRef>
-            <a:fillRef idx="0">
-              <a:schemeClr val="accent1"/>
-            </a:fillRef>
-            <a:effectRef idx="0">
-              <a:schemeClr val="accent1"/>
-            </a:effectRef>
-            <a:fontRef idx="minor">
-              <a:schemeClr val="tx1"/>
-            </a:fontRef>
-          </p:style>
-          <p:txBody>
-            <a:bodyPr rtlCol="0" anchor="ctr"/>
-            <a:lstStyle/>
-            <a:p>
-              <a:pPr algn="ctr"/>
-              <a:endParaRPr lang="en-US" sz="2000">
-                <a:latin typeface="Century" charset="0"/>
-                <a:ea typeface="Century" charset="0"/>
-                <a:cs typeface="Century" charset="0"/>
-              </a:endParaRPr>
-            </a:p>
-          </p:txBody>
-        </p:sp>
-        <p:sp>
-          <p:nvSpPr>
-            <p:cNvPr id="22" name="Arc 21"/>
-            <p:cNvSpPr/>
-            <p:nvPr/>
-          </p:nvSpPr>
-          <p:spPr>
-            <a:xfrm rot="10800000">
-              <a:off x="2799465" y="816143"/>
-              <a:ext cx="1127070" cy="1092971"/>
-            </a:xfrm>
-            <a:prstGeom prst="arc">
-              <a:avLst>
-                <a:gd name="adj1" fmla="val 17262820"/>
-                <a:gd name="adj2" fmla="val 4346483"/>
-              </a:avLst>
-            </a:prstGeom>
-            <a:ln>
-              <a:solidFill>
-                <a:schemeClr val="tx1"/>
-              </a:solidFill>
-            </a:ln>
-          </p:spPr>
-          <p:style>
-            <a:lnRef idx="1">
-              <a:schemeClr val="accent1"/>
-            </a:lnRef>
-            <a:fillRef idx="0">
-              <a:schemeClr val="accent1"/>
-            </a:fillRef>
-            <a:effectRef idx="0">
-              <a:schemeClr val="accent1"/>
-            </a:effectRef>
-            <a:fontRef idx="minor">
-              <a:schemeClr val="tx1"/>
-            </a:fontRef>
-          </p:style>
-          <p:txBody>
-            <a:bodyPr rtlCol="0" anchor="ctr"/>
-            <a:lstStyle/>
-            <a:p>
-              <a:pPr algn="ctr"/>
-              <a:endParaRPr lang="en-US" sz="2000">
-                <a:latin typeface="Century" charset="0"/>
-                <a:ea typeface="Century" charset="0"/>
-                <a:cs typeface="Century" charset="0"/>
-              </a:endParaRPr>
-            </a:p>
-          </p:txBody>
-        </p:sp>
-        <p:sp>
-          <p:nvSpPr>
-            <p:cNvPr id="23" name="TextBox 22"/>
-            <p:cNvSpPr txBox="1"/>
-            <p:nvPr/>
-          </p:nvSpPr>
-          <p:spPr>
-            <a:xfrm>
-              <a:off x="376694" y="-43223"/>
-              <a:ext cx="3568958" cy="553998"/>
-            </a:xfrm>
-            <a:prstGeom prst="rect">
-              <a:avLst/>
-            </a:prstGeom>
-            <a:noFill/>
-          </p:spPr>
-          <p:txBody>
-            <a:bodyPr wrap="square" rtlCol="0">
-              <a:spAutoFit/>
-            </a:bodyPr>
-            <a:lstStyle/>
-            <a:p>
-              <a:r>
-                <a:rPr lang="en-US" sz="3000" dirty="0">
-                  <a:latin typeface="Century" charset="0"/>
-                  <a:ea typeface="Century" charset="0"/>
-                  <a:cs typeface="Century" charset="0"/>
-                </a:rPr>
-                <a:t>Configuration </a:t>
-              </a:r>
-              <a:r>
-                <a:rPr lang="en-US" sz="3000" dirty="0" smtClean="0">
-                  <a:latin typeface="Century" charset="0"/>
-                  <a:ea typeface="Century" charset="0"/>
-                  <a:cs typeface="Century" charset="0"/>
-                </a:rPr>
-                <a:t>+-+-</a:t>
-              </a:r>
-              <a:endParaRPr lang="en-US" sz="3000" dirty="0">
-                <a:latin typeface="Century" charset="0"/>
-                <a:ea typeface="Century" charset="0"/>
-                <a:cs typeface="Century" charset="0"/>
-              </a:endParaRPr>
-            </a:p>
-          </p:txBody>
-        </p:sp>
-      </p:grpSp>
-      <p:cxnSp>
-        <p:nvCxnSpPr>
-          <p:cNvPr id="24" name="Straight Connector 23"/>
-          <p:cNvCxnSpPr/>
-          <p:nvPr/>
-        </p:nvCxnSpPr>
-        <p:spPr>
-          <a:xfrm>
-            <a:off x="1980787" y="4188279"/>
-            <a:ext cx="0" cy="608062"/>
-          </a:xfrm>
-          <a:prstGeom prst="line">
-            <a:avLst/>
-          </a:prstGeom>
-          <a:ln>
-            <a:solidFill>
-              <a:schemeClr val="tx1"/>
-            </a:solidFill>
-          </a:ln>
-        </p:spPr>
-        <p:style>
-          <a:lnRef idx="1">
-            <a:schemeClr val="accent1"/>
-          </a:lnRef>
-          <a:fillRef idx="0">
-            <a:schemeClr val="accent1"/>
-          </a:fillRef>
-          <a:effectRef idx="0">
-            <a:schemeClr val="accent1"/>
-          </a:effectRef>
-          <a:fontRef idx="minor">
-            <a:schemeClr val="tx1"/>
-          </a:fontRef>
-        </p:style>
-      </p:cxnSp>
-      <p:sp>
-        <p:nvSpPr>
-          <p:cNvPr id="25" name="Arc 24"/>
-          <p:cNvSpPr/>
-          <p:nvPr/>
-        </p:nvSpPr>
-        <p:spPr>
-          <a:xfrm>
-            <a:off x="1033198" y="3892717"/>
-            <a:ext cx="1194569" cy="1199187"/>
-          </a:xfrm>
-          <a:prstGeom prst="arc">
-            <a:avLst>
-              <a:gd name="adj1" fmla="val 19484426"/>
-              <a:gd name="adj2" fmla="val 2089572"/>
-            </a:avLst>
-          </a:prstGeom>
-          <a:ln>
-            <a:solidFill>
-              <a:schemeClr val="tx1"/>
-            </a:solidFill>
-          </a:ln>
-        </p:spPr>
-        <p:style>
-          <a:lnRef idx="1">
-            <a:schemeClr val="accent1"/>
-          </a:lnRef>
-          <a:fillRef idx="0">
-            <a:schemeClr val="accent1"/>
-          </a:fillRef>
-          <a:effectRef idx="0">
-            <a:schemeClr val="accent1"/>
-          </a:effectRef>
-          <a:fontRef idx="minor">
-            <a:schemeClr val="tx1"/>
-          </a:fontRef>
-        </p:style>
-        <p:txBody>
-          <a:bodyPr rtlCol="0" anchor="ctr"/>
-          <a:lstStyle/>
-          <a:p>
-            <a:pPr algn="ctr"/>
-            <a:endParaRPr lang="en-US" sz="2000">
-              <a:latin typeface="Century" charset="0"/>
-              <a:ea typeface="Century" charset="0"/>
-              <a:cs typeface="Century" charset="0"/>
-            </a:endParaRPr>
-          </a:p>
-        </p:txBody>
-      </p:sp>
-      <p:sp>
-        <p:nvSpPr>
-          <p:cNvPr id="26" name="Arc 25"/>
-          <p:cNvSpPr/>
-          <p:nvPr/>
-        </p:nvSpPr>
-        <p:spPr>
-          <a:xfrm flipH="1">
-            <a:off x="1755172" y="3892717"/>
-            <a:ext cx="1197835" cy="1199187"/>
-          </a:xfrm>
-          <a:prstGeom prst="arc">
-            <a:avLst>
-              <a:gd name="adj1" fmla="val 19484426"/>
-              <a:gd name="adj2" fmla="val 2089572"/>
-            </a:avLst>
-          </a:prstGeom>
-          <a:ln>
-            <a:solidFill>
-              <a:schemeClr val="tx1"/>
-            </a:solidFill>
-          </a:ln>
-        </p:spPr>
-        <p:style>
-          <a:lnRef idx="1">
-            <a:schemeClr val="accent1"/>
-          </a:lnRef>
-          <a:fillRef idx="0">
-            <a:schemeClr val="accent1"/>
-          </a:fillRef>
-          <a:effectRef idx="0">
-            <a:schemeClr val="accent1"/>
-          </a:effectRef>
-          <a:fontRef idx="minor">
-            <a:schemeClr val="tx1"/>
-          </a:fontRef>
-        </p:style>
-        <p:txBody>
-          <a:bodyPr rtlCol="0" anchor="ctr"/>
-          <a:lstStyle/>
-          <a:p>
-            <a:pPr algn="ctr"/>
-            <a:endParaRPr lang="en-US" sz="2000">
-              <a:latin typeface="Century" charset="0"/>
-              <a:ea typeface="Century" charset="0"/>
-              <a:cs typeface="Century" charset="0"/>
-            </a:endParaRPr>
-          </a:p>
-        </p:txBody>
-      </p:sp>
-      <p:sp>
-        <p:nvSpPr>
-          <p:cNvPr id="27" name="Arc 26"/>
-          <p:cNvSpPr/>
-          <p:nvPr/>
-        </p:nvSpPr>
-        <p:spPr>
-          <a:xfrm>
-            <a:off x="1504672" y="3918886"/>
-            <a:ext cx="1127070" cy="1092971"/>
-          </a:xfrm>
-          <a:prstGeom prst="arc">
-            <a:avLst>
-              <a:gd name="adj1" fmla="val 17262820"/>
-              <a:gd name="adj2" fmla="val 4346483"/>
-            </a:avLst>
-          </a:prstGeom>
-          <a:ln>
-            <a:solidFill>
-              <a:schemeClr val="tx1"/>
-            </a:solidFill>
-          </a:ln>
-        </p:spPr>
-        <p:style>
-          <a:lnRef idx="1">
-            <a:schemeClr val="accent1"/>
-          </a:lnRef>
-          <a:fillRef idx="0">
-            <a:schemeClr val="accent1"/>
-          </a:fillRef>
-          <a:effectRef idx="0">
-            <a:schemeClr val="accent1"/>
-          </a:effectRef>
-          <a:fontRef idx="minor">
-            <a:schemeClr val="tx1"/>
-          </a:fontRef>
-        </p:style>
-        <p:txBody>
-          <a:bodyPr rtlCol="0" anchor="ctr"/>
-          <a:lstStyle/>
-          <a:p>
-            <a:pPr algn="ctr"/>
-            <a:endParaRPr lang="en-US" sz="2000">
-              <a:latin typeface="Century" charset="0"/>
-              <a:ea typeface="Century" charset="0"/>
-              <a:cs typeface="Century" charset="0"/>
-            </a:endParaRPr>
-          </a:p>
-        </p:txBody>
-      </p:sp>
-      <p:sp>
-        <p:nvSpPr>
-          <p:cNvPr id="28" name="Arc 27"/>
-          <p:cNvSpPr/>
-          <p:nvPr/>
-        </p:nvSpPr>
-        <p:spPr>
-          <a:xfrm rot="10800000">
-            <a:off x="1313854" y="3918886"/>
-            <a:ext cx="1127070" cy="1092971"/>
-          </a:xfrm>
-          <a:prstGeom prst="arc">
-            <a:avLst>
-              <a:gd name="adj1" fmla="val 17262820"/>
-              <a:gd name="adj2" fmla="val 4346483"/>
-            </a:avLst>
-          </a:prstGeom>
-          <a:ln>
-            <a:solidFill>
-              <a:schemeClr val="tx1"/>
-            </a:solidFill>
-          </a:ln>
-        </p:spPr>
-        <p:style>
-          <a:lnRef idx="1">
-            <a:schemeClr val="accent1"/>
-          </a:lnRef>
-          <a:fillRef idx="0">
-            <a:schemeClr val="accent1"/>
-          </a:fillRef>
-          <a:effectRef idx="0">
-            <a:schemeClr val="accent1"/>
-          </a:effectRef>
-          <a:fontRef idx="minor">
-            <a:schemeClr val="tx1"/>
-          </a:fontRef>
-        </p:style>
-        <p:txBody>
-          <a:bodyPr rtlCol="0" anchor="ctr"/>
-          <a:lstStyle/>
-          <a:p>
-            <a:pPr algn="ctr"/>
-            <a:endParaRPr lang="en-US" sz="2000">
-              <a:latin typeface="Century" charset="0"/>
-              <a:ea typeface="Century" charset="0"/>
-              <a:cs typeface="Century" charset="0"/>
-            </a:endParaRPr>
-          </a:p>
-        </p:txBody>
-      </p:sp>
-      <p:cxnSp>
-        <p:nvCxnSpPr>
-          <p:cNvPr id="34" name="Straight Connector 33"/>
-          <p:cNvCxnSpPr/>
-          <p:nvPr/>
-        </p:nvCxnSpPr>
-        <p:spPr>
-          <a:xfrm>
-            <a:off x="4077530" y="4169695"/>
-            <a:ext cx="0" cy="608062"/>
-          </a:xfrm>
-          <a:prstGeom prst="line">
-            <a:avLst/>
-          </a:prstGeom>
-          <a:ln>
-            <a:solidFill>
-              <a:schemeClr val="tx1"/>
-            </a:solidFill>
-          </a:ln>
-        </p:spPr>
-        <p:style>
-          <a:lnRef idx="1">
-            <a:schemeClr val="accent1"/>
-          </a:lnRef>
-          <a:fillRef idx="0">
-            <a:schemeClr val="accent1"/>
-          </a:fillRef>
-          <a:effectRef idx="0">
-            <a:schemeClr val="accent1"/>
-          </a:effectRef>
-          <a:fontRef idx="minor">
-            <a:schemeClr val="tx1"/>
-          </a:fontRef>
-        </p:style>
-      </p:cxnSp>
-      <p:sp>
-        <p:nvSpPr>
-          <p:cNvPr id="35" name="Arc 34"/>
-          <p:cNvSpPr/>
-          <p:nvPr/>
-        </p:nvSpPr>
-        <p:spPr>
-          <a:xfrm>
-            <a:off x="3129941" y="3874133"/>
-            <a:ext cx="1194569" cy="1199187"/>
-          </a:xfrm>
-          <a:prstGeom prst="arc">
-            <a:avLst>
-              <a:gd name="adj1" fmla="val 19484426"/>
-              <a:gd name="adj2" fmla="val 2089572"/>
-            </a:avLst>
-          </a:prstGeom>
-          <a:ln>
-            <a:solidFill>
-              <a:schemeClr val="tx1"/>
-            </a:solidFill>
-          </a:ln>
-        </p:spPr>
-        <p:style>
-          <a:lnRef idx="1">
-            <a:schemeClr val="accent1"/>
-          </a:lnRef>
-          <a:fillRef idx="0">
-            <a:schemeClr val="accent1"/>
-          </a:fillRef>
-          <a:effectRef idx="0">
-            <a:schemeClr val="accent1"/>
-          </a:effectRef>
-          <a:fontRef idx="minor">
-            <a:schemeClr val="tx1"/>
-          </a:fontRef>
-        </p:style>
-        <p:txBody>
-          <a:bodyPr rtlCol="0" anchor="ctr"/>
-          <a:lstStyle/>
-          <a:p>
-            <a:pPr algn="ctr"/>
-            <a:endParaRPr lang="en-US" sz="2000">
-              <a:latin typeface="Century" charset="0"/>
-              <a:ea typeface="Century" charset="0"/>
-              <a:cs typeface="Century" charset="0"/>
-            </a:endParaRPr>
-          </a:p>
-        </p:txBody>
-      </p:sp>
-      <p:sp>
-        <p:nvSpPr>
-          <p:cNvPr id="36" name="Arc 35"/>
-          <p:cNvSpPr/>
-          <p:nvPr/>
-        </p:nvSpPr>
-        <p:spPr>
-          <a:xfrm flipH="1">
-            <a:off x="3851915" y="3874133"/>
-            <a:ext cx="1197835" cy="1199187"/>
-          </a:xfrm>
-          <a:prstGeom prst="arc">
-            <a:avLst>
-              <a:gd name="adj1" fmla="val 19484426"/>
-              <a:gd name="adj2" fmla="val 2089572"/>
-            </a:avLst>
-          </a:prstGeom>
-          <a:ln>
-            <a:solidFill>
-              <a:schemeClr val="tx1"/>
-            </a:solidFill>
-          </a:ln>
-        </p:spPr>
-        <p:style>
-          <a:lnRef idx="1">
-            <a:schemeClr val="accent1"/>
-          </a:lnRef>
-          <a:fillRef idx="0">
-            <a:schemeClr val="accent1"/>
-          </a:fillRef>
-          <a:effectRef idx="0">
-            <a:schemeClr val="accent1"/>
-          </a:effectRef>
-          <a:fontRef idx="minor">
-            <a:schemeClr val="tx1"/>
-          </a:fontRef>
-        </p:style>
-        <p:txBody>
-          <a:bodyPr rtlCol="0" anchor="ctr"/>
-          <a:lstStyle/>
-          <a:p>
-            <a:pPr algn="ctr"/>
-            <a:endParaRPr lang="en-US" sz="2000">
-              <a:latin typeface="Century" charset="0"/>
-              <a:ea typeface="Century" charset="0"/>
-              <a:cs typeface="Century" charset="0"/>
-            </a:endParaRPr>
-          </a:p>
-        </p:txBody>
-      </p:sp>
-      <p:sp>
-        <p:nvSpPr>
-          <p:cNvPr id="37" name="Arc 36"/>
-          <p:cNvSpPr/>
-          <p:nvPr/>
-        </p:nvSpPr>
-        <p:spPr>
-          <a:xfrm>
-            <a:off x="3601415" y="3900302"/>
-            <a:ext cx="1127070" cy="1092971"/>
-          </a:xfrm>
-          <a:prstGeom prst="arc">
-            <a:avLst>
-              <a:gd name="adj1" fmla="val 17262820"/>
-              <a:gd name="adj2" fmla="val 4346483"/>
-            </a:avLst>
-          </a:prstGeom>
-          <a:ln>
-            <a:solidFill>
-              <a:schemeClr val="tx1"/>
-            </a:solidFill>
-          </a:ln>
-        </p:spPr>
-        <p:style>
-          <a:lnRef idx="1">
-            <a:schemeClr val="accent1"/>
-          </a:lnRef>
-          <a:fillRef idx="0">
-            <a:schemeClr val="accent1"/>
-          </a:fillRef>
-          <a:effectRef idx="0">
-            <a:schemeClr val="accent1"/>
-          </a:effectRef>
-          <a:fontRef idx="minor">
-            <a:schemeClr val="tx1"/>
-          </a:fontRef>
-        </p:style>
-        <p:txBody>
-          <a:bodyPr rtlCol="0" anchor="ctr"/>
-          <a:lstStyle/>
-          <a:p>
-            <a:pPr algn="ctr"/>
-            <a:endParaRPr lang="en-US" sz="2000">
-              <a:latin typeface="Century" charset="0"/>
-              <a:ea typeface="Century" charset="0"/>
-              <a:cs typeface="Century" charset="0"/>
-            </a:endParaRPr>
-          </a:p>
-        </p:txBody>
-      </p:sp>
-      <p:sp>
-        <p:nvSpPr>
-          <p:cNvPr id="38" name="Arc 37"/>
-          <p:cNvSpPr/>
-          <p:nvPr/>
-        </p:nvSpPr>
-        <p:spPr>
-          <a:xfrm rot="10800000">
-            <a:off x="3410597" y="3900302"/>
-            <a:ext cx="1127070" cy="1092971"/>
-          </a:xfrm>
-          <a:prstGeom prst="arc">
-            <a:avLst>
-              <a:gd name="adj1" fmla="val 17262820"/>
-              <a:gd name="adj2" fmla="val 4346483"/>
-            </a:avLst>
-          </a:prstGeom>
-          <a:ln>
-            <a:solidFill>
-              <a:schemeClr val="tx1"/>
-            </a:solidFill>
-          </a:ln>
-        </p:spPr>
-        <p:style>
-          <a:lnRef idx="1">
-            <a:schemeClr val="accent1"/>
-          </a:lnRef>
-          <a:fillRef idx="0">
-            <a:schemeClr val="accent1"/>
-          </a:fillRef>
-          <a:effectRef idx="0">
-            <a:schemeClr val="accent1"/>
-          </a:effectRef>
-          <a:fontRef idx="minor">
-            <a:schemeClr val="tx1"/>
-          </a:fontRef>
-        </p:style>
-        <p:txBody>
-          <a:bodyPr rtlCol="0" anchor="ctr"/>
-          <a:lstStyle/>
-          <a:p>
-            <a:pPr algn="ctr"/>
-            <a:endParaRPr lang="en-US" sz="2000">
-              <a:latin typeface="Century" charset="0"/>
-              <a:ea typeface="Century" charset="0"/>
-              <a:cs typeface="Century" charset="0"/>
-            </a:endParaRPr>
-          </a:p>
-        </p:txBody>
-      </p:sp>
-      <p:sp>
-        <p:nvSpPr>
-          <p:cNvPr id="39" name="Oval 38"/>
-          <p:cNvSpPr/>
-          <p:nvPr/>
-        </p:nvSpPr>
-        <p:spPr>
-          <a:xfrm>
-            <a:off x="1530087" y="3434378"/>
-            <a:ext cx="2009945" cy="1087941"/>
-          </a:xfrm>
-          <a:prstGeom prst="ellipse">
-            <a:avLst/>
-          </a:prstGeom>
-          <a:noFill/>
-          <a:ln w="38100">
-            <a:solidFill>
-              <a:srgbClr val="FF0000"/>
-            </a:solidFill>
-          </a:ln>
-        </p:spPr>
-        <p:style>
-          <a:lnRef idx="2">
-            <a:schemeClr val="accent1">
-              <a:shade val="50000"/>
-            </a:schemeClr>
-          </a:lnRef>
-          <a:fillRef idx="1">
-            <a:schemeClr val="accent1"/>
-          </a:fillRef>
-          <a:effectRef idx="0">
-            <a:schemeClr val="accent1"/>
-          </a:effectRef>
-          <a:fontRef idx="minor">
-            <a:schemeClr val="lt1"/>
-          </a:fontRef>
-        </p:style>
-        <p:txBody>
-          <a:bodyPr rtlCol="0" anchor="ctr"/>
-          <a:lstStyle/>
-          <a:p>
-            <a:pPr algn="ctr"/>
-            <a:endParaRPr lang="en-US"/>
-          </a:p>
-        </p:txBody>
-      </p:sp>
+      </p:pic>
     </p:spTree>
     <p:extLst>
       <p:ext uri="{BB962C8B-B14F-4D97-AF65-F5344CB8AC3E}">
-        <p14:creationId xmlns:p14="http://schemas.microsoft.com/office/powerpoint/2010/main" val="3019595556"/>
+        <p14:creationId xmlns:p14="http://schemas.microsoft.com/office/powerpoint/2010/main" val="1449334460"/>
       </p:ext>
     </p:extLst>
   </p:cSld>
@@ -6312,501 +5103,9 @@
   <p:timing>
     <p:tnLst>
       <p:par>
-        <p:cTn id="1" dur="indefinite" restart="never" nodeType="tmRoot">
-          <p:childTnLst>
-            <p:seq concurrent="1" nextAc="seek">
-              <p:cTn id="2" dur="indefinite" nodeType="mainSeq">
-                <p:childTnLst>
-                  <p:par>
-                    <p:cTn id="3" fill="hold">
-                      <p:stCondLst>
-                        <p:cond delay="indefinite"/>
-                      </p:stCondLst>
-                      <p:childTnLst>
-                        <p:par>
-                          <p:cTn id="4" fill="hold">
-                            <p:stCondLst>
-                              <p:cond delay="0"/>
-                            </p:stCondLst>
-                            <p:childTnLst>
-                              <p:par>
-                                <p:cTn id="5" presetID="1" presetClass="entr" presetSubtype="0" fill="hold" nodeType="clickEffect">
-                                  <p:stCondLst>
-                                    <p:cond delay="0"/>
-                                  </p:stCondLst>
-                                  <p:childTnLst>
-                                    <p:set>
-                                      <p:cBhvr>
-                                        <p:cTn id="6" dur="1" fill="hold">
-                                          <p:stCondLst>
-                                            <p:cond delay="0"/>
-                                          </p:stCondLst>
-                                        </p:cTn>
-                                        <p:tgtEl>
-                                          <p:spTgt spid="3">
-                                            <p:txEl>
-                                              <p:pRg st="1" end="1"/>
-                                            </p:txEl>
-                                          </p:spTgt>
-                                        </p:tgtEl>
-                                        <p:attrNameLst>
-                                          <p:attrName>style.visibility</p:attrName>
-                                        </p:attrNameLst>
-                                      </p:cBhvr>
-                                      <p:to>
-                                        <p:strVal val="visible"/>
-                                      </p:to>
-                                    </p:set>
-                                  </p:childTnLst>
-                                </p:cTn>
-                              </p:par>
-                            </p:childTnLst>
-                          </p:cTn>
-                        </p:par>
-                      </p:childTnLst>
-                    </p:cTn>
-                  </p:par>
-                  <p:par>
-                    <p:cTn id="7" fill="hold">
-                      <p:stCondLst>
-                        <p:cond delay="indefinite"/>
-                      </p:stCondLst>
-                      <p:childTnLst>
-                        <p:par>
-                          <p:cTn id="8" fill="hold">
-                            <p:stCondLst>
-                              <p:cond delay="0"/>
-                            </p:stCondLst>
-                            <p:childTnLst>
-                              <p:par>
-                                <p:cTn id="9" presetID="1" presetClass="entr" presetSubtype="0" fill="hold" nodeType="clickEffect">
-                                  <p:stCondLst>
-                                    <p:cond delay="0"/>
-                                  </p:stCondLst>
-                                  <p:childTnLst>
-                                    <p:set>
-                                      <p:cBhvr>
-                                        <p:cTn id="10" dur="1" fill="hold">
-                                          <p:stCondLst>
-                                            <p:cond delay="0"/>
-                                          </p:stCondLst>
-                                        </p:cTn>
-                                        <p:tgtEl>
-                                          <p:spTgt spid="4"/>
-                                        </p:tgtEl>
-                                        <p:attrNameLst>
-                                          <p:attrName>style.visibility</p:attrName>
-                                        </p:attrNameLst>
-                                      </p:cBhvr>
-                                      <p:to>
-                                        <p:strVal val="visible"/>
-                                      </p:to>
-                                    </p:set>
-                                  </p:childTnLst>
-                                </p:cTn>
-                              </p:par>
-                              <p:par>
-                                <p:cTn id="11" presetID="1" presetClass="entr" presetSubtype="0" fill="hold" nodeType="withEffect">
-                                  <p:stCondLst>
-                                    <p:cond delay="0"/>
-                                  </p:stCondLst>
-                                  <p:childTnLst>
-                                    <p:set>
-                                      <p:cBhvr>
-                                        <p:cTn id="12" dur="1" fill="hold">
-                                          <p:stCondLst>
-                                            <p:cond delay="0"/>
-                                          </p:stCondLst>
-                                        </p:cTn>
-                                        <p:tgtEl>
-                                          <p:spTgt spid="24"/>
-                                        </p:tgtEl>
-                                        <p:attrNameLst>
-                                          <p:attrName>style.visibility</p:attrName>
-                                        </p:attrNameLst>
-                                      </p:cBhvr>
-                                      <p:to>
-                                        <p:strVal val="visible"/>
-                                      </p:to>
-                                    </p:set>
-                                  </p:childTnLst>
-                                </p:cTn>
-                              </p:par>
-                              <p:par>
-                                <p:cTn id="13" presetID="1" presetClass="entr" presetSubtype="0" fill="hold" grpId="0" nodeType="withEffect">
-                                  <p:stCondLst>
-                                    <p:cond delay="0"/>
-                                  </p:stCondLst>
-                                  <p:childTnLst>
-                                    <p:set>
-                                      <p:cBhvr>
-                                        <p:cTn id="14" dur="1" fill="hold">
-                                          <p:stCondLst>
-                                            <p:cond delay="0"/>
-                                          </p:stCondLst>
-                                        </p:cTn>
-                                        <p:tgtEl>
-                                          <p:spTgt spid="25"/>
-                                        </p:tgtEl>
-                                        <p:attrNameLst>
-                                          <p:attrName>style.visibility</p:attrName>
-                                        </p:attrNameLst>
-                                      </p:cBhvr>
-                                      <p:to>
-                                        <p:strVal val="visible"/>
-                                      </p:to>
-                                    </p:set>
-                                  </p:childTnLst>
-                                </p:cTn>
-                              </p:par>
-                              <p:par>
-                                <p:cTn id="15" presetID="1" presetClass="entr" presetSubtype="0" fill="hold" grpId="0" nodeType="withEffect">
-                                  <p:stCondLst>
-                                    <p:cond delay="0"/>
-                                  </p:stCondLst>
-                                  <p:childTnLst>
-                                    <p:set>
-                                      <p:cBhvr>
-                                        <p:cTn id="16" dur="1" fill="hold">
-                                          <p:stCondLst>
-                                            <p:cond delay="0"/>
-                                          </p:stCondLst>
-                                        </p:cTn>
-                                        <p:tgtEl>
-                                          <p:spTgt spid="26"/>
-                                        </p:tgtEl>
-                                        <p:attrNameLst>
-                                          <p:attrName>style.visibility</p:attrName>
-                                        </p:attrNameLst>
-                                      </p:cBhvr>
-                                      <p:to>
-                                        <p:strVal val="visible"/>
-                                      </p:to>
-                                    </p:set>
-                                  </p:childTnLst>
-                                </p:cTn>
-                              </p:par>
-                              <p:par>
-                                <p:cTn id="17" presetID="1" presetClass="entr" presetSubtype="0" fill="hold" grpId="0" nodeType="withEffect">
-                                  <p:stCondLst>
-                                    <p:cond delay="0"/>
-                                  </p:stCondLst>
-                                  <p:childTnLst>
-                                    <p:set>
-                                      <p:cBhvr>
-                                        <p:cTn id="18" dur="1" fill="hold">
-                                          <p:stCondLst>
-                                            <p:cond delay="0"/>
-                                          </p:stCondLst>
-                                        </p:cTn>
-                                        <p:tgtEl>
-                                          <p:spTgt spid="27"/>
-                                        </p:tgtEl>
-                                        <p:attrNameLst>
-                                          <p:attrName>style.visibility</p:attrName>
-                                        </p:attrNameLst>
-                                      </p:cBhvr>
-                                      <p:to>
-                                        <p:strVal val="visible"/>
-                                      </p:to>
-                                    </p:set>
-                                  </p:childTnLst>
-                                </p:cTn>
-                              </p:par>
-                              <p:par>
-                                <p:cTn id="19" presetID="1" presetClass="entr" presetSubtype="0" fill="hold" grpId="0" nodeType="withEffect">
-                                  <p:stCondLst>
-                                    <p:cond delay="0"/>
-                                  </p:stCondLst>
-                                  <p:childTnLst>
-                                    <p:set>
-                                      <p:cBhvr>
-                                        <p:cTn id="20" dur="1" fill="hold">
-                                          <p:stCondLst>
-                                            <p:cond delay="0"/>
-                                          </p:stCondLst>
-                                        </p:cTn>
-                                        <p:tgtEl>
-                                          <p:spTgt spid="28"/>
-                                        </p:tgtEl>
-                                        <p:attrNameLst>
-                                          <p:attrName>style.visibility</p:attrName>
-                                        </p:attrNameLst>
-                                      </p:cBhvr>
-                                      <p:to>
-                                        <p:strVal val="visible"/>
-                                      </p:to>
-                                    </p:set>
-                                  </p:childTnLst>
-                                </p:cTn>
-                              </p:par>
-                              <p:par>
-                                <p:cTn id="21" presetID="1" presetClass="entr" presetSubtype="0" fill="hold" nodeType="withEffect">
-                                  <p:stCondLst>
-                                    <p:cond delay="0"/>
-                                  </p:stCondLst>
-                                  <p:childTnLst>
-                                    <p:set>
-                                      <p:cBhvr>
-                                        <p:cTn id="22" dur="1" fill="hold">
-                                          <p:stCondLst>
-                                            <p:cond delay="0"/>
-                                          </p:stCondLst>
-                                        </p:cTn>
-                                        <p:tgtEl>
-                                          <p:spTgt spid="34"/>
-                                        </p:tgtEl>
-                                        <p:attrNameLst>
-                                          <p:attrName>style.visibility</p:attrName>
-                                        </p:attrNameLst>
-                                      </p:cBhvr>
-                                      <p:to>
-                                        <p:strVal val="visible"/>
-                                      </p:to>
-                                    </p:set>
-                                  </p:childTnLst>
-                                </p:cTn>
-                              </p:par>
-                              <p:par>
-                                <p:cTn id="23" presetID="1" presetClass="entr" presetSubtype="0" fill="hold" grpId="0" nodeType="withEffect">
-                                  <p:stCondLst>
-                                    <p:cond delay="0"/>
-                                  </p:stCondLst>
-                                  <p:childTnLst>
-                                    <p:set>
-                                      <p:cBhvr>
-                                        <p:cTn id="24" dur="1" fill="hold">
-                                          <p:stCondLst>
-                                            <p:cond delay="0"/>
-                                          </p:stCondLst>
-                                        </p:cTn>
-                                        <p:tgtEl>
-                                          <p:spTgt spid="35"/>
-                                        </p:tgtEl>
-                                        <p:attrNameLst>
-                                          <p:attrName>style.visibility</p:attrName>
-                                        </p:attrNameLst>
-                                      </p:cBhvr>
-                                      <p:to>
-                                        <p:strVal val="visible"/>
-                                      </p:to>
-                                    </p:set>
-                                  </p:childTnLst>
-                                </p:cTn>
-                              </p:par>
-                              <p:par>
-                                <p:cTn id="25" presetID="1" presetClass="entr" presetSubtype="0" fill="hold" grpId="0" nodeType="withEffect">
-                                  <p:stCondLst>
-                                    <p:cond delay="0"/>
-                                  </p:stCondLst>
-                                  <p:childTnLst>
-                                    <p:set>
-                                      <p:cBhvr>
-                                        <p:cTn id="26" dur="1" fill="hold">
-                                          <p:stCondLst>
-                                            <p:cond delay="0"/>
-                                          </p:stCondLst>
-                                        </p:cTn>
-                                        <p:tgtEl>
-                                          <p:spTgt spid="36"/>
-                                        </p:tgtEl>
-                                        <p:attrNameLst>
-                                          <p:attrName>style.visibility</p:attrName>
-                                        </p:attrNameLst>
-                                      </p:cBhvr>
-                                      <p:to>
-                                        <p:strVal val="visible"/>
-                                      </p:to>
-                                    </p:set>
-                                  </p:childTnLst>
-                                </p:cTn>
-                              </p:par>
-                              <p:par>
-                                <p:cTn id="27" presetID="1" presetClass="entr" presetSubtype="0" fill="hold" grpId="0" nodeType="withEffect">
-                                  <p:stCondLst>
-                                    <p:cond delay="0"/>
-                                  </p:stCondLst>
-                                  <p:childTnLst>
-                                    <p:set>
-                                      <p:cBhvr>
-                                        <p:cTn id="28" dur="1" fill="hold">
-                                          <p:stCondLst>
-                                            <p:cond delay="0"/>
-                                          </p:stCondLst>
-                                        </p:cTn>
-                                        <p:tgtEl>
-                                          <p:spTgt spid="37"/>
-                                        </p:tgtEl>
-                                        <p:attrNameLst>
-                                          <p:attrName>style.visibility</p:attrName>
-                                        </p:attrNameLst>
-                                      </p:cBhvr>
-                                      <p:to>
-                                        <p:strVal val="visible"/>
-                                      </p:to>
-                                    </p:set>
-                                  </p:childTnLst>
-                                </p:cTn>
-                              </p:par>
-                              <p:par>
-                                <p:cTn id="29" presetID="1" presetClass="entr" presetSubtype="0" fill="hold" grpId="0" nodeType="withEffect">
-                                  <p:stCondLst>
-                                    <p:cond delay="0"/>
-                                  </p:stCondLst>
-                                  <p:childTnLst>
-                                    <p:set>
-                                      <p:cBhvr>
-                                        <p:cTn id="30" dur="1" fill="hold">
-                                          <p:stCondLst>
-                                            <p:cond delay="0"/>
-                                          </p:stCondLst>
-                                        </p:cTn>
-                                        <p:tgtEl>
-                                          <p:spTgt spid="38"/>
-                                        </p:tgtEl>
-                                        <p:attrNameLst>
-                                          <p:attrName>style.visibility</p:attrName>
-                                        </p:attrNameLst>
-                                      </p:cBhvr>
-                                      <p:to>
-                                        <p:strVal val="visible"/>
-                                      </p:to>
-                                    </p:set>
-                                  </p:childTnLst>
-                                </p:cTn>
-                              </p:par>
-                            </p:childTnLst>
-                          </p:cTn>
-                        </p:par>
-                      </p:childTnLst>
-                    </p:cTn>
-                  </p:par>
-                  <p:par>
-                    <p:cTn id="31" fill="hold">
-                      <p:stCondLst>
-                        <p:cond delay="indefinite"/>
-                      </p:stCondLst>
-                      <p:childTnLst>
-                        <p:par>
-                          <p:cTn id="32" fill="hold">
-                            <p:stCondLst>
-                              <p:cond delay="0"/>
-                            </p:stCondLst>
-                            <p:childTnLst>
-                              <p:par>
-                                <p:cTn id="33" presetID="1" presetClass="entr" presetSubtype="0" fill="hold" grpId="0" nodeType="clickEffect">
-                                  <p:stCondLst>
-                                    <p:cond delay="0"/>
-                                  </p:stCondLst>
-                                  <p:childTnLst>
-                                    <p:set>
-                                      <p:cBhvr>
-                                        <p:cTn id="34" dur="1" fill="hold">
-                                          <p:stCondLst>
-                                            <p:cond delay="0"/>
-                                          </p:stCondLst>
-                                        </p:cTn>
-                                        <p:tgtEl>
-                                          <p:spTgt spid="39"/>
-                                        </p:tgtEl>
-                                        <p:attrNameLst>
-                                          <p:attrName>style.visibility</p:attrName>
-                                        </p:attrNameLst>
-                                      </p:cBhvr>
-                                      <p:to>
-                                        <p:strVal val="visible"/>
-                                      </p:to>
-                                    </p:set>
-                                  </p:childTnLst>
-                                </p:cTn>
-                              </p:par>
-                            </p:childTnLst>
-                          </p:cTn>
-                        </p:par>
-                      </p:childTnLst>
-                    </p:cTn>
-                  </p:par>
-                  <p:par>
-                    <p:cTn id="35" fill="hold">
-                      <p:stCondLst>
-                        <p:cond delay="indefinite"/>
-                      </p:stCondLst>
-                      <p:childTnLst>
-                        <p:par>
-                          <p:cTn id="36" fill="hold">
-                            <p:stCondLst>
-                              <p:cond delay="0"/>
-                            </p:stCondLst>
-                            <p:childTnLst>
-                              <p:par>
-                                <p:cTn id="37" presetID="1" presetClass="entr" presetSubtype="0" fill="hold" nodeType="clickEffect">
-                                  <p:stCondLst>
-                                    <p:cond delay="0"/>
-                                  </p:stCondLst>
-                                  <p:childTnLst>
-                                    <p:set>
-                                      <p:cBhvr>
-                                        <p:cTn id="38" dur="1" fill="hold">
-                                          <p:stCondLst>
-                                            <p:cond delay="0"/>
-                                          </p:stCondLst>
-                                        </p:cTn>
-                                        <p:tgtEl>
-                                          <p:spTgt spid="3">
-                                            <p:txEl>
-                                              <p:pRg st="10" end="10"/>
-                                            </p:txEl>
-                                          </p:spTgt>
-                                        </p:tgtEl>
-                                        <p:attrNameLst>
-                                          <p:attrName>style.visibility</p:attrName>
-                                        </p:attrNameLst>
-                                      </p:cBhvr>
-                                      <p:to>
-                                        <p:strVal val="visible"/>
-                                      </p:to>
-                                    </p:set>
-                                  </p:childTnLst>
-                                </p:cTn>
-                              </p:par>
-                            </p:childTnLst>
-                          </p:cTn>
-                        </p:par>
-                      </p:childTnLst>
-                    </p:cTn>
-                  </p:par>
-                </p:childTnLst>
-              </p:cTn>
-              <p:prevCondLst>
-                <p:cond evt="onPrev" delay="0">
-                  <p:tgtEl>
-                    <p:sldTgt/>
-                  </p:tgtEl>
-                </p:cond>
-              </p:prevCondLst>
-              <p:nextCondLst>
-                <p:cond evt="onNext" delay="0">
-                  <p:tgtEl>
-                    <p:sldTgt/>
-                  </p:tgtEl>
-                </p:cond>
-              </p:nextCondLst>
-            </p:seq>
-          </p:childTnLst>
-        </p:cTn>
+        <p:cTn id="1" dur="indefinite" restart="never" nodeType="tmRoot"/>
       </p:par>
     </p:tnLst>
-    <p:bldLst>
-      <p:bldP spid="25" grpId="0" animBg="1"/>
-      <p:bldP spid="26" grpId="0" animBg="1"/>
-      <p:bldP spid="27" grpId="0" animBg="1"/>
-      <p:bldP spid="28" grpId="0" animBg="1"/>
-      <p:bldP spid="35" grpId="0" animBg="1"/>
-      <p:bldP spid="36" grpId="0" animBg="1"/>
-      <p:bldP spid="37" grpId="0" animBg="1"/>
-      <p:bldP spid="38" grpId="0" animBg="1"/>
-      <p:bldP spid="39" grpId="0" animBg="1"/>
-    </p:bldLst>
   </p:timing>
 </p:sld>
 </file>
@@ -6843,104 +5142,43 @@
           <a:bodyPr/>
           <a:lstStyle/>
           <a:p>
-            <a:r>
-              <a:rPr lang="en-US" dirty="0" smtClean="0"/>
-              <a:t>Conditioning for +-+-/++--</a:t>
-            </a:r>
-            <a:endParaRPr lang="en-US" dirty="0"/>
+            <a:endParaRPr lang="en-US"/>
           </a:p>
         </p:txBody>
       </p:sp>
-      <p:sp>
-        <p:nvSpPr>
-          <p:cNvPr id="3" name="Content Placeholder 2"/>
-          <p:cNvSpPr>
-            <a:spLocks noGrp="1"/>
-          </p:cNvSpPr>
+      <p:pic>
+        <p:nvPicPr>
+          <p:cNvPr id="4" name="Content Placeholder 3"/>
+          <p:cNvPicPr>
+            <a:picLocks noGrp="1" noChangeAspect="1"/>
+          </p:cNvPicPr>
           <p:nvPr>
             <p:ph idx="1"/>
           </p:nvPr>
-        </p:nvSpPr>
+        </p:nvPicPr>
+        <p:blipFill>
+          <a:blip r:embed="rId2">
+            <a:extLst>
+              <a:ext uri="{28A0092B-C50C-407E-A947-70E740481C1C}">
+                <a14:useLocalDpi xmlns:a14="http://schemas.microsoft.com/office/drawing/2010/main" val="0"/>
+              </a:ext>
+            </a:extLst>
+          </a:blip>
+          <a:stretch>
+            <a:fillRect/>
+          </a:stretch>
+        </p:blipFill>
         <p:spPr>
           <a:xfrm>
-            <a:off x="838200" y="1825625"/>
-            <a:ext cx="10515600" cy="4924310"/>
+            <a:off x="-284943" y="-90152"/>
+            <a:ext cx="12476942" cy="7271629"/>
           </a:xfrm>
         </p:spPr>
-        <p:txBody>
-          <a:bodyPr>
-            <a:normAutofit/>
-          </a:bodyPr>
-          <a:lstStyle/>
-          <a:p>
-            <a:r>
-              <a:rPr lang="en-US" dirty="0" smtClean="0"/>
-              <a:t>Surface Quality:</a:t>
-            </a:r>
-          </a:p>
-          <a:p>
-            <a:pPr lvl="1"/>
-            <a:r>
-              <a:rPr lang="en-US" dirty="0" smtClean="0"/>
-              <a:t>Best side of pins are pointing towards each other.</a:t>
-            </a:r>
-          </a:p>
-          <a:p>
-            <a:pPr lvl="1"/>
-            <a:r>
-              <a:rPr lang="en-US" dirty="0" smtClean="0"/>
-              <a:t>Worst parts are pointed away.</a:t>
-            </a:r>
-          </a:p>
-          <a:p>
-            <a:pPr lvl="1"/>
-            <a:r>
-              <a:rPr lang="en-US" dirty="0" smtClean="0"/>
-              <a:t>Sides of pins are somewhere in between.</a:t>
-            </a:r>
-          </a:p>
-          <a:p>
-            <a:r>
-              <a:rPr lang="en-US" dirty="0" smtClean="0"/>
-              <a:t>Spacing:</a:t>
-            </a:r>
-          </a:p>
-          <a:p>
-            <a:pPr lvl="1"/>
-            <a:r>
-              <a:rPr lang="en-US" dirty="0" smtClean="0"/>
-              <a:t>Some inaccuracies in pin-pair spacing. Some may be as close as 1.5 mm to one another.</a:t>
-            </a:r>
-          </a:p>
-          <a:p>
-            <a:r>
-              <a:rPr lang="en-US" dirty="0" smtClean="0"/>
-              <a:t>Overlap:</a:t>
-            </a:r>
-          </a:p>
-          <a:p>
-            <a:pPr lvl="1"/>
-            <a:r>
-              <a:rPr lang="en-US" dirty="0" smtClean="0"/>
-              <a:t>Much smaller than normal configuration, by more than an order.</a:t>
-            </a:r>
-          </a:p>
-          <a:p>
-            <a:pPr lvl="1"/>
-            <a:endParaRPr lang="en-US" dirty="0"/>
-          </a:p>
-          <a:p>
-            <a:r>
-              <a:rPr lang="en-US" dirty="0" smtClean="0"/>
-              <a:t>We could just try it.</a:t>
-            </a:r>
-          </a:p>
-        </p:txBody>
-      </p:sp>
+      </p:pic>
     </p:spTree>
     <p:extLst>
       <p:ext uri="{BB962C8B-B14F-4D97-AF65-F5344CB8AC3E}">
-        <p14:creationId xmlns:p14="http://schemas.microsoft.com/office/powerpoint/2010/main" val="695280685"/>
+        <p14:creationId xmlns:p14="http://schemas.microsoft.com/office/powerpoint/2010/main" val="1324276923"/>
       </p:ext>
     </p:extLst>
   </p:cSld>
@@ -6950,381 +5188,7 @@
   <p:timing>
     <p:tnLst>
       <p:par>
-        <p:cTn id="1" dur="indefinite" restart="never" nodeType="tmRoot">
-          <p:childTnLst>
-            <p:seq concurrent="1" nextAc="seek">
-              <p:cTn id="2" dur="indefinite" nodeType="mainSeq">
-                <p:childTnLst>
-                  <p:par>
-                    <p:cTn id="3" fill="hold">
-                      <p:stCondLst>
-                        <p:cond delay="indefinite"/>
-                      </p:stCondLst>
-                      <p:childTnLst>
-                        <p:par>
-                          <p:cTn id="4" fill="hold">
-                            <p:stCondLst>
-                              <p:cond delay="0"/>
-                            </p:stCondLst>
-                            <p:childTnLst>
-                              <p:par>
-                                <p:cTn id="5" presetID="1" presetClass="entr" presetSubtype="0" fill="hold" nodeType="clickEffect">
-                                  <p:stCondLst>
-                                    <p:cond delay="0"/>
-                                  </p:stCondLst>
-                                  <p:childTnLst>
-                                    <p:set>
-                                      <p:cBhvr>
-                                        <p:cTn id="6" dur="1" fill="hold">
-                                          <p:stCondLst>
-                                            <p:cond delay="0"/>
-                                          </p:stCondLst>
-                                        </p:cTn>
-                                        <p:tgtEl>
-                                          <p:spTgt spid="3">
-                                            <p:txEl>
-                                              <p:pRg st="0" end="0"/>
-                                            </p:txEl>
-                                          </p:spTgt>
-                                        </p:tgtEl>
-                                        <p:attrNameLst>
-                                          <p:attrName>style.visibility</p:attrName>
-                                        </p:attrNameLst>
-                                      </p:cBhvr>
-                                      <p:to>
-                                        <p:strVal val="visible"/>
-                                      </p:to>
-                                    </p:set>
-                                  </p:childTnLst>
-                                </p:cTn>
-                              </p:par>
-                              <p:par>
-                                <p:cTn id="7" presetID="1" presetClass="entr" presetSubtype="0" fill="hold" nodeType="withEffect">
-                                  <p:stCondLst>
-                                    <p:cond delay="0"/>
-                                  </p:stCondLst>
-                                  <p:childTnLst>
-                                    <p:set>
-                                      <p:cBhvr>
-                                        <p:cTn id="8" dur="1" fill="hold">
-                                          <p:stCondLst>
-                                            <p:cond delay="0"/>
-                                          </p:stCondLst>
-                                        </p:cTn>
-                                        <p:tgtEl>
-                                          <p:spTgt spid="3">
-                                            <p:txEl>
-                                              <p:pRg st="1" end="1"/>
-                                            </p:txEl>
-                                          </p:spTgt>
-                                        </p:tgtEl>
-                                        <p:attrNameLst>
-                                          <p:attrName>style.visibility</p:attrName>
-                                        </p:attrNameLst>
-                                      </p:cBhvr>
-                                      <p:to>
-                                        <p:strVal val="visible"/>
-                                      </p:to>
-                                    </p:set>
-                                  </p:childTnLst>
-                                </p:cTn>
-                              </p:par>
-                              <p:par>
-                                <p:cTn id="9" presetID="1" presetClass="entr" presetSubtype="0" fill="hold" nodeType="withEffect">
-                                  <p:stCondLst>
-                                    <p:cond delay="0"/>
-                                  </p:stCondLst>
-                                  <p:childTnLst>
-                                    <p:set>
-                                      <p:cBhvr>
-                                        <p:cTn id="10" dur="1" fill="hold">
-                                          <p:stCondLst>
-                                            <p:cond delay="0"/>
-                                          </p:stCondLst>
-                                        </p:cTn>
-                                        <p:tgtEl>
-                                          <p:spTgt spid="3">
-                                            <p:txEl>
-                                              <p:pRg st="2" end="2"/>
-                                            </p:txEl>
-                                          </p:spTgt>
-                                        </p:tgtEl>
-                                        <p:attrNameLst>
-                                          <p:attrName>style.visibility</p:attrName>
-                                        </p:attrNameLst>
-                                      </p:cBhvr>
-                                      <p:to>
-                                        <p:strVal val="visible"/>
-                                      </p:to>
-                                    </p:set>
-                                  </p:childTnLst>
-                                </p:cTn>
-                              </p:par>
-                              <p:par>
-                                <p:cTn id="11" presetID="1" presetClass="entr" presetSubtype="0" fill="hold" nodeType="withEffect">
-                                  <p:stCondLst>
-                                    <p:cond delay="0"/>
-                                  </p:stCondLst>
-                                  <p:childTnLst>
-                                    <p:set>
-                                      <p:cBhvr>
-                                        <p:cTn id="12" dur="1" fill="hold">
-                                          <p:stCondLst>
-                                            <p:cond delay="0"/>
-                                          </p:stCondLst>
-                                        </p:cTn>
-                                        <p:tgtEl>
-                                          <p:spTgt spid="3">
-                                            <p:txEl>
-                                              <p:pRg st="3" end="3"/>
-                                            </p:txEl>
-                                          </p:spTgt>
-                                        </p:tgtEl>
-                                        <p:attrNameLst>
-                                          <p:attrName>style.visibility</p:attrName>
-                                        </p:attrNameLst>
-                                      </p:cBhvr>
-                                      <p:to>
-                                        <p:strVal val="visible"/>
-                                      </p:to>
-                                    </p:set>
-                                  </p:childTnLst>
-                                </p:cTn>
-                              </p:par>
-                            </p:childTnLst>
-                          </p:cTn>
-                        </p:par>
-                      </p:childTnLst>
-                    </p:cTn>
-                  </p:par>
-                  <p:par>
-                    <p:cTn id="13" fill="hold">
-                      <p:stCondLst>
-                        <p:cond delay="indefinite"/>
-                      </p:stCondLst>
-                      <p:childTnLst>
-                        <p:par>
-                          <p:cTn id="14" fill="hold">
-                            <p:stCondLst>
-                              <p:cond delay="0"/>
-                            </p:stCondLst>
-                            <p:childTnLst>
-                              <p:par>
-                                <p:cTn id="15" presetID="1" presetClass="entr" presetSubtype="0" fill="hold" nodeType="clickEffect">
-                                  <p:stCondLst>
-                                    <p:cond delay="0"/>
-                                  </p:stCondLst>
-                                  <p:childTnLst>
-                                    <p:set>
-                                      <p:cBhvr>
-                                        <p:cTn id="16" dur="1" fill="hold">
-                                          <p:stCondLst>
-                                            <p:cond delay="0"/>
-                                          </p:stCondLst>
-                                        </p:cTn>
-                                        <p:tgtEl>
-                                          <p:spTgt spid="3">
-                                            <p:txEl>
-                                              <p:pRg st="4" end="4"/>
-                                            </p:txEl>
-                                          </p:spTgt>
-                                        </p:tgtEl>
-                                        <p:attrNameLst>
-                                          <p:attrName>style.visibility</p:attrName>
-                                        </p:attrNameLst>
-                                      </p:cBhvr>
-                                      <p:to>
-                                        <p:strVal val="visible"/>
-                                      </p:to>
-                                    </p:set>
-                                  </p:childTnLst>
-                                </p:cTn>
-                              </p:par>
-                              <p:par>
-                                <p:cTn id="17" presetID="1" presetClass="entr" presetSubtype="0" fill="hold" nodeType="withEffect">
-                                  <p:stCondLst>
-                                    <p:cond delay="0"/>
-                                  </p:stCondLst>
-                                  <p:childTnLst>
-                                    <p:set>
-                                      <p:cBhvr>
-                                        <p:cTn id="18" dur="1" fill="hold">
-                                          <p:stCondLst>
-                                            <p:cond delay="0"/>
-                                          </p:stCondLst>
-                                        </p:cTn>
-                                        <p:tgtEl>
-                                          <p:spTgt spid="3">
-                                            <p:txEl>
-                                              <p:pRg st="5" end="5"/>
-                                            </p:txEl>
-                                          </p:spTgt>
-                                        </p:tgtEl>
-                                        <p:attrNameLst>
-                                          <p:attrName>style.visibility</p:attrName>
-                                        </p:attrNameLst>
-                                      </p:cBhvr>
-                                      <p:to>
-                                        <p:strVal val="visible"/>
-                                      </p:to>
-                                    </p:set>
-                                  </p:childTnLst>
-                                </p:cTn>
-                              </p:par>
-                            </p:childTnLst>
-                          </p:cTn>
-                        </p:par>
-                      </p:childTnLst>
-                    </p:cTn>
-                  </p:par>
-                  <p:par>
-                    <p:cTn id="19" fill="hold">
-                      <p:stCondLst>
-                        <p:cond delay="indefinite"/>
-                      </p:stCondLst>
-                      <p:childTnLst>
-                        <p:par>
-                          <p:cTn id="20" fill="hold">
-                            <p:stCondLst>
-                              <p:cond delay="0"/>
-                            </p:stCondLst>
-                            <p:childTnLst>
-                              <p:par>
-                                <p:cTn id="21" presetID="1" presetClass="entr" presetSubtype="0" fill="hold" nodeType="clickEffect">
-                                  <p:stCondLst>
-                                    <p:cond delay="0"/>
-                                  </p:stCondLst>
-                                  <p:childTnLst>
-                                    <p:set>
-                                      <p:cBhvr>
-                                        <p:cTn id="22" dur="1" fill="hold">
-                                          <p:stCondLst>
-                                            <p:cond delay="0"/>
-                                          </p:stCondLst>
-                                        </p:cTn>
-                                        <p:tgtEl>
-                                          <p:spTgt spid="3">
-                                            <p:txEl>
-                                              <p:pRg st="6" end="6"/>
-                                            </p:txEl>
-                                          </p:spTgt>
-                                        </p:tgtEl>
-                                        <p:attrNameLst>
-                                          <p:attrName>style.visibility</p:attrName>
-                                        </p:attrNameLst>
-                                      </p:cBhvr>
-                                      <p:to>
-                                        <p:strVal val="visible"/>
-                                      </p:to>
-                                    </p:set>
-                                  </p:childTnLst>
-                                </p:cTn>
-                              </p:par>
-                              <p:par>
-                                <p:cTn id="23" presetID="1" presetClass="entr" presetSubtype="0" fill="hold" nodeType="withEffect">
-                                  <p:stCondLst>
-                                    <p:cond delay="0"/>
-                                  </p:stCondLst>
-                                  <p:childTnLst>
-                                    <p:set>
-                                      <p:cBhvr>
-                                        <p:cTn id="24" dur="1" fill="hold">
-                                          <p:stCondLst>
-                                            <p:cond delay="0"/>
-                                          </p:stCondLst>
-                                        </p:cTn>
-                                        <p:tgtEl>
-                                          <p:spTgt spid="3">
-                                            <p:txEl>
-                                              <p:pRg st="7" end="7"/>
-                                            </p:txEl>
-                                          </p:spTgt>
-                                        </p:tgtEl>
-                                        <p:attrNameLst>
-                                          <p:attrName>style.visibility</p:attrName>
-                                        </p:attrNameLst>
-                                      </p:cBhvr>
-                                      <p:to>
-                                        <p:strVal val="visible"/>
-                                      </p:to>
-                                    </p:set>
-                                  </p:childTnLst>
-                                </p:cTn>
-                              </p:par>
-                            </p:childTnLst>
-                          </p:cTn>
-                        </p:par>
-                      </p:childTnLst>
-                    </p:cTn>
-                  </p:par>
-                  <p:par>
-                    <p:cTn id="25" fill="hold">
-                      <p:stCondLst>
-                        <p:cond delay="indefinite"/>
-                      </p:stCondLst>
-                      <p:childTnLst>
-                        <p:par>
-                          <p:cTn id="26" fill="hold">
-                            <p:stCondLst>
-                              <p:cond delay="0"/>
-                            </p:stCondLst>
-                            <p:childTnLst>
-                              <p:par>
-                                <p:cTn id="27" presetID="1" presetClass="entr" presetSubtype="0" fill="hold" nodeType="clickEffect">
-                                  <p:stCondLst>
-                                    <p:cond delay="0"/>
-                                  </p:stCondLst>
-                                  <p:childTnLst>
-                                    <p:set>
-                                      <p:cBhvr>
-                                        <p:cTn id="28" dur="1" fill="hold">
-                                          <p:stCondLst>
-                                            <p:cond delay="0"/>
-                                          </p:stCondLst>
-                                        </p:cTn>
-                                        <p:tgtEl>
-                                          <p:spTgt spid="3">
-                                            <p:txEl>
-                                              <p:pRg st="9" end="9"/>
-                                            </p:txEl>
-                                          </p:spTgt>
-                                        </p:tgtEl>
-                                        <p:attrNameLst>
-                                          <p:attrName>style.visibility</p:attrName>
-                                        </p:attrNameLst>
-                                      </p:cBhvr>
-                                      <p:to>
-                                        <p:strVal val="visible"/>
-                                      </p:to>
-                                    </p:set>
-                                  </p:childTnLst>
-                                </p:cTn>
-                              </p:par>
-                            </p:childTnLst>
-                          </p:cTn>
-                        </p:par>
-                      </p:childTnLst>
-                    </p:cTn>
-                  </p:par>
-                </p:childTnLst>
-              </p:cTn>
-              <p:prevCondLst>
-                <p:cond evt="onPrev" delay="0">
-                  <p:tgtEl>
-                    <p:sldTgt/>
-                  </p:tgtEl>
-                </p:cond>
-              </p:prevCondLst>
-              <p:nextCondLst>
-                <p:cond evt="onNext" delay="0">
-                  <p:tgtEl>
-                    <p:sldTgt/>
-                  </p:tgtEl>
-                </p:cond>
-              </p:nextCondLst>
-            </p:seq>
-          </p:childTnLst>
-        </p:cTn>
+        <p:cTn id="1" dur="indefinite" restart="never" nodeType="tmRoot"/>
       </p:par>
     </p:tnLst>
   </p:timing>
@@ -12659,6 +10523,3191 @@
 </p:sld>
 </file>
 
+<file path=ppt/slides/slide20.xml><?xml version="1.0" encoding="utf-8"?>
+<p:sld xmlns:a="http://schemas.openxmlformats.org/drawingml/2006/main" xmlns:r="http://schemas.openxmlformats.org/officeDocument/2006/relationships" xmlns:p="http://schemas.openxmlformats.org/presentationml/2006/main">
+  <p:cSld>
+    <p:spTree>
+      <p:nvGrpSpPr>
+        <p:cNvPr id="1" name=""/>
+        <p:cNvGrpSpPr/>
+        <p:nvPr/>
+      </p:nvGrpSpPr>
+      <p:grpSpPr>
+        <a:xfrm>
+          <a:off x="0" y="0"/>
+          <a:ext cx="0" cy="0"/>
+          <a:chOff x="0" y="0"/>
+          <a:chExt cx="0" cy="0"/>
+        </a:xfrm>
+      </p:grpSpPr>
+      <p:sp>
+        <p:nvSpPr>
+          <p:cNvPr id="2" name="Title 1"/>
+          <p:cNvSpPr>
+            <a:spLocks noGrp="1"/>
+          </p:cNvSpPr>
+          <p:nvPr>
+            <p:ph type="title"/>
+          </p:nvPr>
+        </p:nvSpPr>
+        <p:spPr/>
+        <p:txBody>
+          <a:bodyPr/>
+          <a:lstStyle/>
+          <a:p>
+            <a:r>
+              <a:rPr lang="en-US" dirty="0" smtClean="0"/>
+              <a:t>VVSF2</a:t>
+            </a:r>
+            <a:endParaRPr lang="en-US" dirty="0"/>
+          </a:p>
+        </p:txBody>
+      </p:sp>
+      <p:sp>
+        <p:nvSpPr>
+          <p:cNvPr id="3" name="Content Placeholder 2"/>
+          <p:cNvSpPr>
+            <a:spLocks noGrp="1"/>
+          </p:cNvSpPr>
+          <p:nvPr>
+            <p:ph idx="1"/>
+          </p:nvPr>
+        </p:nvSpPr>
+        <p:spPr/>
+        <p:txBody>
+          <a:bodyPr/>
+          <a:lstStyle/>
+          <a:p>
+            <a:r>
+              <a:rPr lang="en-US" dirty="0" smtClean="0"/>
+              <a:t>Corroborate with Simulation</a:t>
+            </a:r>
+            <a:r>
+              <a:rPr lang="en-US" dirty="0" smtClean="0"/>
+              <a:t>:</a:t>
+            </a:r>
+          </a:p>
+          <a:p>
+            <a:pPr lvl="1"/>
+            <a:r>
+              <a:rPr lang="en-US" dirty="0" smtClean="0"/>
+              <a:t>Slightly worse than VVSF, due to reduced Z-PSD.</a:t>
+            </a:r>
+          </a:p>
+          <a:p>
+            <a:pPr lvl="1"/>
+            <a:r>
+              <a:rPr lang="en-US" dirty="0" smtClean="0"/>
+              <a:t>Stronger negative effect at the lowest speeds for VVSF2 than VVSF.</a:t>
+            </a:r>
+          </a:p>
+          <a:p>
+            <a:pPr lvl="1"/>
+            <a:r>
+              <a:rPr lang="en-US" dirty="0" smtClean="0"/>
+              <a:t>Behaves worse than VSF with 8mm free flight to laser.</a:t>
+            </a:r>
+          </a:p>
+          <a:p>
+            <a:pPr lvl="1"/>
+            <a:r>
+              <a:rPr lang="en-US" dirty="0" smtClean="0"/>
+              <a:t>Not necessarily worse for trap loading.</a:t>
+            </a:r>
+          </a:p>
+          <a:p>
+            <a:r>
+              <a:rPr lang="en-US" dirty="0" smtClean="0"/>
+              <a:t>A hybrid setup for the last few stages?</a:t>
+            </a:r>
+          </a:p>
+          <a:p>
+            <a:pPr lvl="1"/>
+            <a:r>
+              <a:rPr lang="en-US" dirty="0" smtClean="0"/>
+              <a:t>Could avoid defocusing +-+- configuration.</a:t>
+            </a:r>
+          </a:p>
+          <a:p>
+            <a:pPr lvl="1"/>
+            <a:r>
+              <a:rPr lang="en-US" dirty="0" smtClean="0"/>
+              <a:t>Maybe ++-- is </a:t>
+            </a:r>
+            <a:r>
+              <a:rPr lang="en-US" dirty="0" err="1" smtClean="0"/>
+              <a:t>overfocusing</a:t>
+            </a:r>
+            <a:r>
+              <a:rPr lang="en-US" dirty="0" smtClean="0"/>
+              <a:t> at the lowest speeds. </a:t>
+            </a:r>
+          </a:p>
+        </p:txBody>
+      </p:sp>
+    </p:spTree>
+    <p:extLst>
+      <p:ext uri="{BB962C8B-B14F-4D97-AF65-F5344CB8AC3E}">
+        <p14:creationId xmlns:p14="http://schemas.microsoft.com/office/powerpoint/2010/main" val="1297586059"/>
+      </p:ext>
+    </p:extLst>
+  </p:cSld>
+  <p:clrMapOvr>
+    <a:masterClrMapping/>
+  </p:clrMapOvr>
+  <p:timing>
+    <p:tnLst>
+      <p:par>
+        <p:cTn id="1" dur="indefinite" restart="never" nodeType="tmRoot">
+          <p:childTnLst>
+            <p:seq concurrent="1" nextAc="seek">
+              <p:cTn id="2" dur="indefinite" nodeType="mainSeq">
+                <p:childTnLst>
+                  <p:par>
+                    <p:cTn id="3" fill="hold">
+                      <p:stCondLst>
+                        <p:cond delay="indefinite"/>
+                      </p:stCondLst>
+                      <p:childTnLst>
+                        <p:par>
+                          <p:cTn id="4" fill="hold">
+                            <p:stCondLst>
+                              <p:cond delay="0"/>
+                            </p:stCondLst>
+                            <p:childTnLst>
+                              <p:par>
+                                <p:cTn id="5" presetID="1" presetClass="entr" presetSubtype="0" fill="hold" nodeType="clickEffect">
+                                  <p:stCondLst>
+                                    <p:cond delay="0"/>
+                                  </p:stCondLst>
+                                  <p:childTnLst>
+                                    <p:set>
+                                      <p:cBhvr>
+                                        <p:cTn id="6" dur="1" fill="hold">
+                                          <p:stCondLst>
+                                            <p:cond delay="0"/>
+                                          </p:stCondLst>
+                                        </p:cTn>
+                                        <p:tgtEl>
+                                          <p:spTgt spid="3">
+                                            <p:txEl>
+                                              <p:pRg st="1" end="1"/>
+                                            </p:txEl>
+                                          </p:spTgt>
+                                        </p:tgtEl>
+                                        <p:attrNameLst>
+                                          <p:attrName>style.visibility</p:attrName>
+                                        </p:attrNameLst>
+                                      </p:cBhvr>
+                                      <p:to>
+                                        <p:strVal val="visible"/>
+                                      </p:to>
+                                    </p:set>
+                                  </p:childTnLst>
+                                </p:cTn>
+                              </p:par>
+                            </p:childTnLst>
+                          </p:cTn>
+                        </p:par>
+                      </p:childTnLst>
+                    </p:cTn>
+                  </p:par>
+                  <p:par>
+                    <p:cTn id="7" fill="hold">
+                      <p:stCondLst>
+                        <p:cond delay="indefinite"/>
+                      </p:stCondLst>
+                      <p:childTnLst>
+                        <p:par>
+                          <p:cTn id="8" fill="hold">
+                            <p:stCondLst>
+                              <p:cond delay="0"/>
+                            </p:stCondLst>
+                            <p:childTnLst>
+                              <p:par>
+                                <p:cTn id="9" presetID="1" presetClass="entr" presetSubtype="0" fill="hold" nodeType="clickEffect">
+                                  <p:stCondLst>
+                                    <p:cond delay="0"/>
+                                  </p:stCondLst>
+                                  <p:childTnLst>
+                                    <p:set>
+                                      <p:cBhvr>
+                                        <p:cTn id="10" dur="1" fill="hold">
+                                          <p:stCondLst>
+                                            <p:cond delay="0"/>
+                                          </p:stCondLst>
+                                        </p:cTn>
+                                        <p:tgtEl>
+                                          <p:spTgt spid="3">
+                                            <p:txEl>
+                                              <p:pRg st="2" end="2"/>
+                                            </p:txEl>
+                                          </p:spTgt>
+                                        </p:tgtEl>
+                                        <p:attrNameLst>
+                                          <p:attrName>style.visibility</p:attrName>
+                                        </p:attrNameLst>
+                                      </p:cBhvr>
+                                      <p:to>
+                                        <p:strVal val="visible"/>
+                                      </p:to>
+                                    </p:set>
+                                  </p:childTnLst>
+                                </p:cTn>
+                              </p:par>
+                            </p:childTnLst>
+                          </p:cTn>
+                        </p:par>
+                      </p:childTnLst>
+                    </p:cTn>
+                  </p:par>
+                  <p:par>
+                    <p:cTn id="11" fill="hold">
+                      <p:stCondLst>
+                        <p:cond delay="indefinite"/>
+                      </p:stCondLst>
+                      <p:childTnLst>
+                        <p:par>
+                          <p:cTn id="12" fill="hold">
+                            <p:stCondLst>
+                              <p:cond delay="0"/>
+                            </p:stCondLst>
+                            <p:childTnLst>
+                              <p:par>
+                                <p:cTn id="13" presetID="1" presetClass="entr" presetSubtype="0" fill="hold" nodeType="clickEffect">
+                                  <p:stCondLst>
+                                    <p:cond delay="0"/>
+                                  </p:stCondLst>
+                                  <p:childTnLst>
+                                    <p:set>
+                                      <p:cBhvr>
+                                        <p:cTn id="14" dur="1" fill="hold">
+                                          <p:stCondLst>
+                                            <p:cond delay="0"/>
+                                          </p:stCondLst>
+                                        </p:cTn>
+                                        <p:tgtEl>
+                                          <p:spTgt spid="3">
+                                            <p:txEl>
+                                              <p:pRg st="3" end="3"/>
+                                            </p:txEl>
+                                          </p:spTgt>
+                                        </p:tgtEl>
+                                        <p:attrNameLst>
+                                          <p:attrName>style.visibility</p:attrName>
+                                        </p:attrNameLst>
+                                      </p:cBhvr>
+                                      <p:to>
+                                        <p:strVal val="visible"/>
+                                      </p:to>
+                                    </p:set>
+                                  </p:childTnLst>
+                                </p:cTn>
+                              </p:par>
+                            </p:childTnLst>
+                          </p:cTn>
+                        </p:par>
+                      </p:childTnLst>
+                    </p:cTn>
+                  </p:par>
+                  <p:par>
+                    <p:cTn id="15" fill="hold">
+                      <p:stCondLst>
+                        <p:cond delay="indefinite"/>
+                      </p:stCondLst>
+                      <p:childTnLst>
+                        <p:par>
+                          <p:cTn id="16" fill="hold">
+                            <p:stCondLst>
+                              <p:cond delay="0"/>
+                            </p:stCondLst>
+                            <p:childTnLst>
+                              <p:par>
+                                <p:cTn id="17" presetID="1" presetClass="entr" presetSubtype="0" fill="hold" nodeType="clickEffect">
+                                  <p:stCondLst>
+                                    <p:cond delay="0"/>
+                                  </p:stCondLst>
+                                  <p:childTnLst>
+                                    <p:set>
+                                      <p:cBhvr>
+                                        <p:cTn id="18" dur="1" fill="hold">
+                                          <p:stCondLst>
+                                            <p:cond delay="0"/>
+                                          </p:stCondLst>
+                                        </p:cTn>
+                                        <p:tgtEl>
+                                          <p:spTgt spid="3">
+                                            <p:txEl>
+                                              <p:pRg st="4" end="4"/>
+                                            </p:txEl>
+                                          </p:spTgt>
+                                        </p:tgtEl>
+                                        <p:attrNameLst>
+                                          <p:attrName>style.visibility</p:attrName>
+                                        </p:attrNameLst>
+                                      </p:cBhvr>
+                                      <p:to>
+                                        <p:strVal val="visible"/>
+                                      </p:to>
+                                    </p:set>
+                                  </p:childTnLst>
+                                </p:cTn>
+                              </p:par>
+                            </p:childTnLst>
+                          </p:cTn>
+                        </p:par>
+                      </p:childTnLst>
+                    </p:cTn>
+                  </p:par>
+                  <p:par>
+                    <p:cTn id="19" fill="hold">
+                      <p:stCondLst>
+                        <p:cond delay="indefinite"/>
+                      </p:stCondLst>
+                      <p:childTnLst>
+                        <p:par>
+                          <p:cTn id="20" fill="hold">
+                            <p:stCondLst>
+                              <p:cond delay="0"/>
+                            </p:stCondLst>
+                            <p:childTnLst>
+                              <p:par>
+                                <p:cTn id="21" presetID="1" presetClass="entr" presetSubtype="0" fill="hold" nodeType="clickEffect">
+                                  <p:stCondLst>
+                                    <p:cond delay="0"/>
+                                  </p:stCondLst>
+                                  <p:childTnLst>
+                                    <p:set>
+                                      <p:cBhvr>
+                                        <p:cTn id="22" dur="1" fill="hold">
+                                          <p:stCondLst>
+                                            <p:cond delay="0"/>
+                                          </p:stCondLst>
+                                        </p:cTn>
+                                        <p:tgtEl>
+                                          <p:spTgt spid="3">
+                                            <p:txEl>
+                                              <p:pRg st="5" end="5"/>
+                                            </p:txEl>
+                                          </p:spTgt>
+                                        </p:tgtEl>
+                                        <p:attrNameLst>
+                                          <p:attrName>style.visibility</p:attrName>
+                                        </p:attrNameLst>
+                                      </p:cBhvr>
+                                      <p:to>
+                                        <p:strVal val="visible"/>
+                                      </p:to>
+                                    </p:set>
+                                  </p:childTnLst>
+                                </p:cTn>
+                              </p:par>
+                            </p:childTnLst>
+                          </p:cTn>
+                        </p:par>
+                      </p:childTnLst>
+                    </p:cTn>
+                  </p:par>
+                  <p:par>
+                    <p:cTn id="23" fill="hold">
+                      <p:stCondLst>
+                        <p:cond delay="indefinite"/>
+                      </p:stCondLst>
+                      <p:childTnLst>
+                        <p:par>
+                          <p:cTn id="24" fill="hold">
+                            <p:stCondLst>
+                              <p:cond delay="0"/>
+                            </p:stCondLst>
+                            <p:childTnLst>
+                              <p:par>
+                                <p:cTn id="25" presetID="1" presetClass="entr" presetSubtype="0" fill="hold" nodeType="clickEffect">
+                                  <p:stCondLst>
+                                    <p:cond delay="0"/>
+                                  </p:stCondLst>
+                                  <p:childTnLst>
+                                    <p:set>
+                                      <p:cBhvr>
+                                        <p:cTn id="26" dur="1" fill="hold">
+                                          <p:stCondLst>
+                                            <p:cond delay="0"/>
+                                          </p:stCondLst>
+                                        </p:cTn>
+                                        <p:tgtEl>
+                                          <p:spTgt spid="3">
+                                            <p:txEl>
+                                              <p:pRg st="6" end="6"/>
+                                            </p:txEl>
+                                          </p:spTgt>
+                                        </p:tgtEl>
+                                        <p:attrNameLst>
+                                          <p:attrName>style.visibility</p:attrName>
+                                        </p:attrNameLst>
+                                      </p:cBhvr>
+                                      <p:to>
+                                        <p:strVal val="visible"/>
+                                      </p:to>
+                                    </p:set>
+                                  </p:childTnLst>
+                                </p:cTn>
+                              </p:par>
+                            </p:childTnLst>
+                          </p:cTn>
+                        </p:par>
+                      </p:childTnLst>
+                    </p:cTn>
+                  </p:par>
+                  <p:par>
+                    <p:cTn id="27" fill="hold">
+                      <p:stCondLst>
+                        <p:cond delay="indefinite"/>
+                      </p:stCondLst>
+                      <p:childTnLst>
+                        <p:par>
+                          <p:cTn id="28" fill="hold">
+                            <p:stCondLst>
+                              <p:cond delay="0"/>
+                            </p:stCondLst>
+                            <p:childTnLst>
+                              <p:par>
+                                <p:cTn id="29" presetID="1" presetClass="entr" presetSubtype="0" fill="hold" nodeType="clickEffect">
+                                  <p:stCondLst>
+                                    <p:cond delay="0"/>
+                                  </p:stCondLst>
+                                  <p:childTnLst>
+                                    <p:set>
+                                      <p:cBhvr>
+                                        <p:cTn id="30" dur="1" fill="hold">
+                                          <p:stCondLst>
+                                            <p:cond delay="0"/>
+                                          </p:stCondLst>
+                                        </p:cTn>
+                                        <p:tgtEl>
+                                          <p:spTgt spid="3">
+                                            <p:txEl>
+                                              <p:pRg st="7" end="7"/>
+                                            </p:txEl>
+                                          </p:spTgt>
+                                        </p:tgtEl>
+                                        <p:attrNameLst>
+                                          <p:attrName>style.visibility</p:attrName>
+                                        </p:attrNameLst>
+                                      </p:cBhvr>
+                                      <p:to>
+                                        <p:strVal val="visible"/>
+                                      </p:to>
+                                    </p:set>
+                                  </p:childTnLst>
+                                </p:cTn>
+                              </p:par>
+                            </p:childTnLst>
+                          </p:cTn>
+                        </p:par>
+                      </p:childTnLst>
+                    </p:cTn>
+                  </p:par>
+                </p:childTnLst>
+              </p:cTn>
+              <p:prevCondLst>
+                <p:cond evt="onPrev" delay="0">
+                  <p:tgtEl>
+                    <p:sldTgt/>
+                  </p:tgtEl>
+                </p:cond>
+              </p:prevCondLst>
+              <p:nextCondLst>
+                <p:cond evt="onNext" delay="0">
+                  <p:tgtEl>
+                    <p:sldTgt/>
+                  </p:tgtEl>
+                </p:cond>
+              </p:nextCondLst>
+            </p:seq>
+          </p:childTnLst>
+        </p:cTn>
+      </p:par>
+    </p:tnLst>
+  </p:timing>
+</p:sld>
+</file>
+
+<file path=ppt/slides/slide21.xml><?xml version="1.0" encoding="utf-8"?>
+<p:sld xmlns:a="http://schemas.openxmlformats.org/drawingml/2006/main" xmlns:r="http://schemas.openxmlformats.org/officeDocument/2006/relationships" xmlns:p="http://schemas.openxmlformats.org/presentationml/2006/main">
+  <p:cSld>
+    <p:spTree>
+      <p:nvGrpSpPr>
+        <p:cNvPr id="1" name=""/>
+        <p:cNvGrpSpPr/>
+        <p:nvPr/>
+      </p:nvGrpSpPr>
+      <p:grpSpPr>
+        <a:xfrm>
+          <a:off x="0" y="0"/>
+          <a:ext cx="0" cy="0"/>
+          <a:chOff x="0" y="0"/>
+          <a:chExt cx="0" cy="0"/>
+        </a:xfrm>
+      </p:grpSpPr>
+      <p:sp>
+        <p:nvSpPr>
+          <p:cNvPr id="2" name="Title 1"/>
+          <p:cNvSpPr>
+            <a:spLocks noGrp="1"/>
+          </p:cNvSpPr>
+          <p:nvPr>
+            <p:ph type="title"/>
+          </p:nvPr>
+        </p:nvSpPr>
+        <p:spPr/>
+        <p:txBody>
+          <a:bodyPr/>
+          <a:lstStyle/>
+          <a:p>
+            <a:r>
+              <a:rPr lang="en-US" dirty="0" smtClean="0"/>
+              <a:t>Alternative to VSF Mode: VSF2</a:t>
+            </a:r>
+            <a:endParaRPr lang="en-US" dirty="0"/>
+          </a:p>
+        </p:txBody>
+      </p:sp>
+      <p:sp>
+        <p:nvSpPr>
+          <p:cNvPr id="3" name="Content Placeholder 2"/>
+          <p:cNvSpPr>
+            <a:spLocks noGrp="1"/>
+          </p:cNvSpPr>
+          <p:nvPr>
+            <p:ph idx="1"/>
+          </p:nvPr>
+        </p:nvSpPr>
+        <p:spPr>
+          <a:xfrm>
+            <a:off x="838200" y="1825625"/>
+            <a:ext cx="10515600" cy="4924310"/>
+          </a:xfrm>
+        </p:spPr>
+        <p:txBody>
+          <a:bodyPr>
+            <a:normAutofit/>
+          </a:bodyPr>
+          <a:lstStyle/>
+          <a:p>
+            <a:r>
+              <a:rPr lang="en-US" dirty="0" smtClean="0"/>
+              <a:t>BUT!</a:t>
+            </a:r>
+          </a:p>
+          <a:p>
+            <a:pPr lvl="1"/>
+            <a:r>
+              <a:rPr lang="en-US" dirty="0" smtClean="0"/>
+              <a:t>Running VVSF/VVSF2 puts full voltage across adjacent pin pairs.</a:t>
+            </a:r>
+          </a:p>
+          <a:p>
+            <a:pPr lvl="1"/>
+            <a:endParaRPr lang="en-US" dirty="0"/>
+          </a:p>
+          <a:p>
+            <a:pPr lvl="1"/>
+            <a:endParaRPr lang="en-US" dirty="0" smtClean="0"/>
+          </a:p>
+          <a:p>
+            <a:pPr lvl="1"/>
+            <a:endParaRPr lang="en-US" dirty="0"/>
+          </a:p>
+          <a:p>
+            <a:pPr lvl="1"/>
+            <a:endParaRPr lang="en-US" dirty="0" smtClean="0"/>
+          </a:p>
+          <a:p>
+            <a:pPr lvl="1"/>
+            <a:endParaRPr lang="en-US" dirty="0"/>
+          </a:p>
+          <a:p>
+            <a:pPr lvl="1"/>
+            <a:endParaRPr lang="en-US" dirty="0" smtClean="0"/>
+          </a:p>
+          <a:p>
+            <a:pPr lvl="1"/>
+            <a:endParaRPr lang="en-US" dirty="0"/>
+          </a:p>
+          <a:p>
+            <a:pPr lvl="1"/>
+            <a:endParaRPr lang="en-US" dirty="0" smtClean="0"/>
+          </a:p>
+          <a:p>
+            <a:r>
+              <a:rPr lang="en-US" dirty="0" smtClean="0"/>
+              <a:t>Maybe we can condition for this configuration…</a:t>
+            </a:r>
+            <a:endParaRPr lang="en-US" dirty="0"/>
+          </a:p>
+        </p:txBody>
+      </p:sp>
+      <p:grpSp>
+        <p:nvGrpSpPr>
+          <p:cNvPr id="4" name="Group 3"/>
+          <p:cNvGrpSpPr/>
+          <p:nvPr/>
+        </p:nvGrpSpPr>
+        <p:grpSpPr>
+          <a:xfrm>
+            <a:off x="1742543" y="3061265"/>
+            <a:ext cx="4353457" cy="2308151"/>
+            <a:chOff x="67232" y="-43223"/>
+            <a:chExt cx="4353457" cy="2308151"/>
+          </a:xfrm>
+        </p:grpSpPr>
+        <p:sp>
+          <p:nvSpPr>
+            <p:cNvPr id="5" name="Arc 4"/>
+            <p:cNvSpPr/>
+            <p:nvPr/>
+          </p:nvSpPr>
+          <p:spPr>
+            <a:xfrm flipH="1">
+              <a:off x="3222854" y="789974"/>
+              <a:ext cx="1197835" cy="1199187"/>
+            </a:xfrm>
+            <a:prstGeom prst="arc">
+              <a:avLst>
+                <a:gd name="adj1" fmla="val 19484426"/>
+                <a:gd name="adj2" fmla="val 2089572"/>
+              </a:avLst>
+            </a:prstGeom>
+            <a:ln>
+              <a:solidFill>
+                <a:schemeClr val="tx1"/>
+              </a:solidFill>
+            </a:ln>
+          </p:spPr>
+          <p:style>
+            <a:lnRef idx="1">
+              <a:schemeClr val="accent1"/>
+            </a:lnRef>
+            <a:fillRef idx="0">
+              <a:schemeClr val="accent1"/>
+            </a:fillRef>
+            <a:effectRef idx="0">
+              <a:schemeClr val="accent1"/>
+            </a:effectRef>
+            <a:fontRef idx="minor">
+              <a:schemeClr val="tx1"/>
+            </a:fontRef>
+          </p:style>
+          <p:txBody>
+            <a:bodyPr rtlCol="0" anchor="ctr"/>
+            <a:lstStyle/>
+            <a:p>
+              <a:pPr algn="ctr"/>
+              <a:endParaRPr lang="en-US" sz="2000">
+                <a:latin typeface="Century" charset="0"/>
+                <a:ea typeface="Century" charset="0"/>
+                <a:cs typeface="Century" charset="0"/>
+              </a:endParaRPr>
+            </a:p>
+          </p:txBody>
+        </p:sp>
+        <p:sp>
+          <p:nvSpPr>
+            <p:cNvPr id="6" name="Oval 5"/>
+            <p:cNvSpPr/>
+            <p:nvPr/>
+          </p:nvSpPr>
+          <p:spPr>
+            <a:xfrm>
+              <a:off x="67232" y="614482"/>
+              <a:ext cx="475488" cy="471054"/>
+            </a:xfrm>
+            <a:prstGeom prst="ellipse">
+              <a:avLst/>
+            </a:prstGeom>
+            <a:noFill/>
+            <a:ln w="28575">
+              <a:solidFill>
+                <a:schemeClr val="tx1"/>
+              </a:solidFill>
+            </a:ln>
+          </p:spPr>
+          <p:style>
+            <a:lnRef idx="2">
+              <a:schemeClr val="accent1">
+                <a:shade val="50000"/>
+              </a:schemeClr>
+            </a:lnRef>
+            <a:fillRef idx="1">
+              <a:schemeClr val="accent1"/>
+            </a:fillRef>
+            <a:effectRef idx="0">
+              <a:schemeClr val="accent1"/>
+            </a:effectRef>
+            <a:fontRef idx="minor">
+              <a:schemeClr val="lt1"/>
+            </a:fontRef>
+          </p:style>
+          <p:txBody>
+            <a:bodyPr rtlCol="0" anchor="ctr"/>
+            <a:lstStyle/>
+            <a:p>
+              <a:pPr algn="ctr"/>
+              <a:r>
+                <a:rPr lang="en-US" sz="3000" dirty="0" smtClean="0">
+                  <a:solidFill>
+                    <a:schemeClr val="tx1"/>
+                  </a:solidFill>
+                  <a:latin typeface="Century" charset="0"/>
+                  <a:ea typeface="Century" charset="0"/>
+                  <a:cs typeface="Century" charset="0"/>
+                </a:rPr>
+                <a:t>-</a:t>
+              </a:r>
+              <a:endParaRPr lang="en-US" sz="3000" dirty="0">
+                <a:solidFill>
+                  <a:schemeClr val="tx1"/>
+                </a:solidFill>
+                <a:latin typeface="Century" charset="0"/>
+                <a:ea typeface="Century" charset="0"/>
+                <a:cs typeface="Century" charset="0"/>
+              </a:endParaRPr>
+            </a:p>
+          </p:txBody>
+        </p:sp>
+        <p:sp>
+          <p:nvSpPr>
+            <p:cNvPr id="7" name="Oval 6"/>
+            <p:cNvSpPr/>
+            <p:nvPr/>
+          </p:nvSpPr>
+          <p:spPr>
+            <a:xfrm>
+              <a:off x="67232" y="1693598"/>
+              <a:ext cx="475488" cy="471054"/>
+            </a:xfrm>
+            <a:prstGeom prst="ellipse">
+              <a:avLst/>
+            </a:prstGeom>
+            <a:noFill/>
+            <a:ln w="28575">
+              <a:solidFill>
+                <a:schemeClr val="tx1"/>
+              </a:solidFill>
+            </a:ln>
+          </p:spPr>
+          <p:style>
+            <a:lnRef idx="2">
+              <a:schemeClr val="accent1">
+                <a:shade val="50000"/>
+              </a:schemeClr>
+            </a:lnRef>
+            <a:fillRef idx="1">
+              <a:schemeClr val="accent1"/>
+            </a:fillRef>
+            <a:effectRef idx="0">
+              <a:schemeClr val="accent1"/>
+            </a:effectRef>
+            <a:fontRef idx="minor">
+              <a:schemeClr val="lt1"/>
+            </a:fontRef>
+          </p:style>
+          <p:txBody>
+            <a:bodyPr rtlCol="0" anchor="ctr"/>
+            <a:lstStyle/>
+            <a:p>
+              <a:pPr algn="ctr"/>
+              <a:r>
+                <a:rPr lang="en-US" sz="2000" dirty="0" smtClean="0">
+                  <a:solidFill>
+                    <a:schemeClr val="tx1"/>
+                  </a:solidFill>
+                  <a:latin typeface="Century" charset="0"/>
+                  <a:ea typeface="Century" charset="0"/>
+                  <a:cs typeface="Century" charset="0"/>
+                </a:rPr>
+                <a:t>+</a:t>
+              </a:r>
+              <a:endParaRPr lang="en-US" sz="2000" dirty="0">
+                <a:solidFill>
+                  <a:schemeClr val="tx1"/>
+                </a:solidFill>
+                <a:latin typeface="Century" charset="0"/>
+                <a:ea typeface="Century" charset="0"/>
+                <a:cs typeface="Century" charset="0"/>
+              </a:endParaRPr>
+            </a:p>
+          </p:txBody>
+        </p:sp>
+        <p:sp>
+          <p:nvSpPr>
+            <p:cNvPr id="8" name="Oval 7"/>
+            <p:cNvSpPr/>
+            <p:nvPr/>
+          </p:nvSpPr>
+          <p:spPr>
+            <a:xfrm>
+              <a:off x="1115568" y="514207"/>
+              <a:ext cx="475488" cy="571329"/>
+            </a:xfrm>
+            <a:prstGeom prst="ellipse">
+              <a:avLst/>
+            </a:prstGeom>
+            <a:noFill/>
+            <a:ln w="28575">
+              <a:solidFill>
+                <a:schemeClr val="tx1"/>
+              </a:solidFill>
+            </a:ln>
+          </p:spPr>
+          <p:style>
+            <a:lnRef idx="2">
+              <a:schemeClr val="accent1">
+                <a:shade val="50000"/>
+              </a:schemeClr>
+            </a:lnRef>
+            <a:fillRef idx="1">
+              <a:schemeClr val="accent1"/>
+            </a:fillRef>
+            <a:effectRef idx="0">
+              <a:schemeClr val="accent1"/>
+            </a:effectRef>
+            <a:fontRef idx="minor">
+              <a:schemeClr val="lt1"/>
+            </a:fontRef>
+          </p:style>
+          <p:txBody>
+            <a:bodyPr rtlCol="0" anchor="ctr"/>
+            <a:lstStyle/>
+            <a:p>
+              <a:pPr algn="ctr"/>
+              <a:r>
+                <a:rPr lang="en-US" sz="2000" dirty="0">
+                  <a:solidFill>
+                    <a:sysClr val="windowText" lastClr="000000"/>
+                  </a:solidFill>
+                  <a:latin typeface="Century" charset="0"/>
+                  <a:ea typeface="Century" charset="0"/>
+                  <a:cs typeface="Century" charset="0"/>
+                </a:rPr>
+                <a:t>+</a:t>
+              </a:r>
+            </a:p>
+          </p:txBody>
+        </p:sp>
+        <p:sp>
+          <p:nvSpPr>
+            <p:cNvPr id="9" name="Oval 8"/>
+            <p:cNvSpPr/>
+            <p:nvPr/>
+          </p:nvSpPr>
+          <p:spPr>
+            <a:xfrm>
+              <a:off x="1115568" y="1693598"/>
+              <a:ext cx="475488" cy="571330"/>
+            </a:xfrm>
+            <a:prstGeom prst="ellipse">
+              <a:avLst/>
+            </a:prstGeom>
+            <a:noFill/>
+            <a:ln w="28575">
+              <a:solidFill>
+                <a:schemeClr val="tx1"/>
+              </a:solidFill>
+            </a:ln>
+          </p:spPr>
+          <p:style>
+            <a:lnRef idx="2">
+              <a:schemeClr val="accent1">
+                <a:shade val="50000"/>
+              </a:schemeClr>
+            </a:lnRef>
+            <a:fillRef idx="1">
+              <a:schemeClr val="accent1"/>
+            </a:fillRef>
+            <a:effectRef idx="0">
+              <a:schemeClr val="accent1"/>
+            </a:effectRef>
+            <a:fontRef idx="minor">
+              <a:schemeClr val="lt1"/>
+            </a:fontRef>
+          </p:style>
+          <p:txBody>
+            <a:bodyPr rtlCol="0" anchor="ctr"/>
+            <a:lstStyle/>
+            <a:p>
+              <a:pPr algn="ctr"/>
+              <a:r>
+                <a:rPr lang="en-US" sz="3000" dirty="0">
+                  <a:solidFill>
+                    <a:schemeClr val="tx1"/>
+                  </a:solidFill>
+                  <a:latin typeface="Century" charset="0"/>
+                  <a:ea typeface="Century" charset="0"/>
+                  <a:cs typeface="Century" charset="0"/>
+                </a:rPr>
+                <a:t>-</a:t>
+              </a:r>
+            </a:p>
+          </p:txBody>
+        </p:sp>
+        <p:sp>
+          <p:nvSpPr>
+            <p:cNvPr id="10" name="Oval 9"/>
+            <p:cNvSpPr/>
+            <p:nvPr/>
+          </p:nvSpPr>
+          <p:spPr>
+            <a:xfrm>
+              <a:off x="2163888" y="614482"/>
+              <a:ext cx="475488" cy="471054"/>
+            </a:xfrm>
+            <a:prstGeom prst="ellipse">
+              <a:avLst/>
+            </a:prstGeom>
+            <a:noFill/>
+            <a:ln w="28575">
+              <a:solidFill>
+                <a:schemeClr val="tx1"/>
+              </a:solidFill>
+            </a:ln>
+          </p:spPr>
+          <p:style>
+            <a:lnRef idx="2">
+              <a:schemeClr val="accent1">
+                <a:shade val="50000"/>
+              </a:schemeClr>
+            </a:lnRef>
+            <a:fillRef idx="1">
+              <a:schemeClr val="accent1"/>
+            </a:fillRef>
+            <a:effectRef idx="0">
+              <a:schemeClr val="accent1"/>
+            </a:effectRef>
+            <a:fontRef idx="minor">
+              <a:schemeClr val="lt1"/>
+            </a:fontRef>
+          </p:style>
+          <p:txBody>
+            <a:bodyPr rtlCol="0" anchor="ctr"/>
+            <a:lstStyle/>
+            <a:p>
+              <a:pPr algn="ctr"/>
+              <a:r>
+                <a:rPr lang="en-US" sz="3000" dirty="0" smtClean="0">
+                  <a:solidFill>
+                    <a:schemeClr val="tx1"/>
+                  </a:solidFill>
+                  <a:latin typeface="Century" charset="0"/>
+                  <a:ea typeface="Century" charset="0"/>
+                  <a:cs typeface="Century" charset="0"/>
+                </a:rPr>
+                <a:t>-</a:t>
+              </a:r>
+              <a:endParaRPr lang="en-US" sz="3000" dirty="0">
+                <a:solidFill>
+                  <a:schemeClr val="tx1"/>
+                </a:solidFill>
+                <a:latin typeface="Century" charset="0"/>
+                <a:ea typeface="Century" charset="0"/>
+                <a:cs typeface="Century" charset="0"/>
+              </a:endParaRPr>
+            </a:p>
+          </p:txBody>
+        </p:sp>
+        <p:sp>
+          <p:nvSpPr>
+            <p:cNvPr id="11" name="Oval 10"/>
+            <p:cNvSpPr/>
+            <p:nvPr/>
+          </p:nvSpPr>
+          <p:spPr>
+            <a:xfrm>
+              <a:off x="2163888" y="1693598"/>
+              <a:ext cx="475488" cy="471054"/>
+            </a:xfrm>
+            <a:prstGeom prst="ellipse">
+              <a:avLst/>
+            </a:prstGeom>
+            <a:noFill/>
+            <a:ln w="28575">
+              <a:solidFill>
+                <a:schemeClr val="tx1"/>
+              </a:solidFill>
+            </a:ln>
+          </p:spPr>
+          <p:style>
+            <a:lnRef idx="2">
+              <a:schemeClr val="accent1">
+                <a:shade val="50000"/>
+              </a:schemeClr>
+            </a:lnRef>
+            <a:fillRef idx="1">
+              <a:schemeClr val="accent1"/>
+            </a:fillRef>
+            <a:effectRef idx="0">
+              <a:schemeClr val="accent1"/>
+            </a:effectRef>
+            <a:fontRef idx="minor">
+              <a:schemeClr val="lt1"/>
+            </a:fontRef>
+          </p:style>
+          <p:txBody>
+            <a:bodyPr rtlCol="0" anchor="ctr"/>
+            <a:lstStyle/>
+            <a:p>
+              <a:pPr algn="ctr"/>
+              <a:r>
+                <a:rPr lang="en-US" sz="2000" dirty="0" smtClean="0">
+                  <a:solidFill>
+                    <a:schemeClr val="tx1"/>
+                  </a:solidFill>
+                  <a:latin typeface="Century" charset="0"/>
+                  <a:ea typeface="Century" charset="0"/>
+                  <a:cs typeface="Century" charset="0"/>
+                </a:rPr>
+                <a:t>+</a:t>
+              </a:r>
+              <a:endParaRPr lang="en-US" sz="2000" dirty="0">
+                <a:solidFill>
+                  <a:schemeClr val="tx1"/>
+                </a:solidFill>
+                <a:latin typeface="Century" charset="0"/>
+                <a:ea typeface="Century" charset="0"/>
+                <a:cs typeface="Century" charset="0"/>
+              </a:endParaRPr>
+            </a:p>
+          </p:txBody>
+        </p:sp>
+        <p:sp>
+          <p:nvSpPr>
+            <p:cNvPr id="12" name="Oval 11"/>
+            <p:cNvSpPr/>
+            <p:nvPr/>
+          </p:nvSpPr>
+          <p:spPr>
+            <a:xfrm>
+              <a:off x="3218688" y="514207"/>
+              <a:ext cx="475488" cy="571329"/>
+            </a:xfrm>
+            <a:prstGeom prst="ellipse">
+              <a:avLst/>
+            </a:prstGeom>
+            <a:noFill/>
+            <a:ln w="28575">
+              <a:solidFill>
+                <a:schemeClr val="tx1"/>
+              </a:solidFill>
+            </a:ln>
+          </p:spPr>
+          <p:style>
+            <a:lnRef idx="2">
+              <a:schemeClr val="accent1">
+                <a:shade val="50000"/>
+              </a:schemeClr>
+            </a:lnRef>
+            <a:fillRef idx="1">
+              <a:schemeClr val="accent1"/>
+            </a:fillRef>
+            <a:effectRef idx="0">
+              <a:schemeClr val="accent1"/>
+            </a:effectRef>
+            <a:fontRef idx="minor">
+              <a:schemeClr val="lt1"/>
+            </a:fontRef>
+          </p:style>
+          <p:txBody>
+            <a:bodyPr rtlCol="0" anchor="ctr"/>
+            <a:lstStyle/>
+            <a:p>
+              <a:pPr algn="ctr"/>
+              <a:r>
+                <a:rPr lang="en-US" sz="2000" dirty="0">
+                  <a:solidFill>
+                    <a:schemeClr val="tx1"/>
+                  </a:solidFill>
+                  <a:latin typeface="Century" charset="0"/>
+                  <a:ea typeface="Century" charset="0"/>
+                  <a:cs typeface="Century" charset="0"/>
+                </a:rPr>
+                <a:t>+</a:t>
+              </a:r>
+            </a:p>
+          </p:txBody>
+        </p:sp>
+        <p:sp>
+          <p:nvSpPr>
+            <p:cNvPr id="13" name="Oval 12"/>
+            <p:cNvSpPr/>
+            <p:nvPr/>
+          </p:nvSpPr>
+          <p:spPr>
+            <a:xfrm>
+              <a:off x="3218688" y="1693598"/>
+              <a:ext cx="475488" cy="571330"/>
+            </a:xfrm>
+            <a:prstGeom prst="ellipse">
+              <a:avLst/>
+            </a:prstGeom>
+            <a:noFill/>
+            <a:ln w="28575">
+              <a:solidFill>
+                <a:schemeClr val="tx1"/>
+              </a:solidFill>
+            </a:ln>
+          </p:spPr>
+          <p:style>
+            <a:lnRef idx="2">
+              <a:schemeClr val="accent1">
+                <a:shade val="50000"/>
+              </a:schemeClr>
+            </a:lnRef>
+            <a:fillRef idx="1">
+              <a:schemeClr val="accent1"/>
+            </a:fillRef>
+            <a:effectRef idx="0">
+              <a:schemeClr val="accent1"/>
+            </a:effectRef>
+            <a:fontRef idx="minor">
+              <a:schemeClr val="lt1"/>
+            </a:fontRef>
+          </p:style>
+          <p:txBody>
+            <a:bodyPr rtlCol="0" anchor="ctr"/>
+            <a:lstStyle/>
+            <a:p>
+              <a:pPr algn="ctr"/>
+              <a:r>
+                <a:rPr lang="en-US" sz="3000" dirty="0">
+                  <a:solidFill>
+                    <a:schemeClr val="tx1"/>
+                  </a:solidFill>
+                  <a:latin typeface="Century" charset="0"/>
+                  <a:ea typeface="Century" charset="0"/>
+                  <a:cs typeface="Century" charset="0"/>
+                </a:rPr>
+                <a:t>-</a:t>
+              </a:r>
+            </a:p>
+          </p:txBody>
+        </p:sp>
+        <p:cxnSp>
+          <p:nvCxnSpPr>
+            <p:cNvPr id="14" name="Straight Connector 13"/>
+            <p:cNvCxnSpPr/>
+            <p:nvPr/>
+          </p:nvCxnSpPr>
+          <p:spPr>
+            <a:xfrm>
+              <a:off x="1343201" y="1085536"/>
+              <a:ext cx="0" cy="608062"/>
+            </a:xfrm>
+            <a:prstGeom prst="line">
+              <a:avLst/>
+            </a:prstGeom>
+            <a:ln>
+              <a:solidFill>
+                <a:schemeClr val="tx1"/>
+              </a:solidFill>
+            </a:ln>
+          </p:spPr>
+          <p:style>
+            <a:lnRef idx="1">
+              <a:schemeClr val="accent1"/>
+            </a:lnRef>
+            <a:fillRef idx="0">
+              <a:schemeClr val="accent1"/>
+            </a:fillRef>
+            <a:effectRef idx="0">
+              <a:schemeClr val="accent1"/>
+            </a:effectRef>
+            <a:fontRef idx="minor">
+              <a:schemeClr val="tx1"/>
+            </a:fontRef>
+          </p:style>
+        </p:cxnSp>
+        <p:sp>
+          <p:nvSpPr>
+            <p:cNvPr id="15" name="Arc 14"/>
+            <p:cNvSpPr/>
+            <p:nvPr/>
+          </p:nvSpPr>
+          <p:spPr>
+            <a:xfrm>
+              <a:off x="395612" y="789974"/>
+              <a:ext cx="1194569" cy="1199187"/>
+            </a:xfrm>
+            <a:prstGeom prst="arc">
+              <a:avLst>
+                <a:gd name="adj1" fmla="val 19484426"/>
+                <a:gd name="adj2" fmla="val 2089572"/>
+              </a:avLst>
+            </a:prstGeom>
+            <a:ln>
+              <a:solidFill>
+                <a:schemeClr val="tx1"/>
+              </a:solidFill>
+            </a:ln>
+          </p:spPr>
+          <p:style>
+            <a:lnRef idx="1">
+              <a:schemeClr val="accent1"/>
+            </a:lnRef>
+            <a:fillRef idx="0">
+              <a:schemeClr val="accent1"/>
+            </a:fillRef>
+            <a:effectRef idx="0">
+              <a:schemeClr val="accent1"/>
+            </a:effectRef>
+            <a:fontRef idx="minor">
+              <a:schemeClr val="tx1"/>
+            </a:fontRef>
+          </p:style>
+          <p:txBody>
+            <a:bodyPr rtlCol="0" anchor="ctr"/>
+            <a:lstStyle/>
+            <a:p>
+              <a:pPr algn="ctr"/>
+              <a:endParaRPr lang="en-US" sz="2000">
+                <a:latin typeface="Century" charset="0"/>
+                <a:ea typeface="Century" charset="0"/>
+                <a:cs typeface="Century" charset="0"/>
+              </a:endParaRPr>
+            </a:p>
+          </p:txBody>
+        </p:sp>
+        <p:sp>
+          <p:nvSpPr>
+            <p:cNvPr id="16" name="Arc 15"/>
+            <p:cNvSpPr/>
+            <p:nvPr/>
+          </p:nvSpPr>
+          <p:spPr>
+            <a:xfrm flipH="1">
+              <a:off x="1117586" y="789974"/>
+              <a:ext cx="1197835" cy="1199187"/>
+            </a:xfrm>
+            <a:prstGeom prst="arc">
+              <a:avLst>
+                <a:gd name="adj1" fmla="val 19484426"/>
+                <a:gd name="adj2" fmla="val 2089572"/>
+              </a:avLst>
+            </a:prstGeom>
+            <a:ln>
+              <a:solidFill>
+                <a:schemeClr val="tx1"/>
+              </a:solidFill>
+            </a:ln>
+          </p:spPr>
+          <p:style>
+            <a:lnRef idx="1">
+              <a:schemeClr val="accent1"/>
+            </a:lnRef>
+            <a:fillRef idx="0">
+              <a:schemeClr val="accent1"/>
+            </a:fillRef>
+            <a:effectRef idx="0">
+              <a:schemeClr val="accent1"/>
+            </a:effectRef>
+            <a:fontRef idx="minor">
+              <a:schemeClr val="tx1"/>
+            </a:fontRef>
+          </p:style>
+          <p:txBody>
+            <a:bodyPr rtlCol="0" anchor="ctr"/>
+            <a:lstStyle/>
+            <a:p>
+              <a:pPr algn="ctr"/>
+              <a:endParaRPr lang="en-US" sz="2000">
+                <a:latin typeface="Century" charset="0"/>
+                <a:ea typeface="Century" charset="0"/>
+                <a:cs typeface="Century" charset="0"/>
+              </a:endParaRPr>
+            </a:p>
+          </p:txBody>
+        </p:sp>
+        <p:sp>
+          <p:nvSpPr>
+            <p:cNvPr id="17" name="Arc 16"/>
+            <p:cNvSpPr/>
+            <p:nvPr/>
+          </p:nvSpPr>
+          <p:spPr>
+            <a:xfrm>
+              <a:off x="867086" y="816143"/>
+              <a:ext cx="1127070" cy="1092971"/>
+            </a:xfrm>
+            <a:prstGeom prst="arc">
+              <a:avLst>
+                <a:gd name="adj1" fmla="val 17262820"/>
+                <a:gd name="adj2" fmla="val 4346483"/>
+              </a:avLst>
+            </a:prstGeom>
+            <a:ln>
+              <a:solidFill>
+                <a:schemeClr val="tx1"/>
+              </a:solidFill>
+            </a:ln>
+          </p:spPr>
+          <p:style>
+            <a:lnRef idx="1">
+              <a:schemeClr val="accent1"/>
+            </a:lnRef>
+            <a:fillRef idx="0">
+              <a:schemeClr val="accent1"/>
+            </a:fillRef>
+            <a:effectRef idx="0">
+              <a:schemeClr val="accent1"/>
+            </a:effectRef>
+            <a:fontRef idx="minor">
+              <a:schemeClr val="tx1"/>
+            </a:fontRef>
+          </p:style>
+          <p:txBody>
+            <a:bodyPr rtlCol="0" anchor="ctr"/>
+            <a:lstStyle/>
+            <a:p>
+              <a:pPr algn="ctr"/>
+              <a:endParaRPr lang="en-US" sz="2000">
+                <a:latin typeface="Century" charset="0"/>
+                <a:ea typeface="Century" charset="0"/>
+                <a:cs typeface="Century" charset="0"/>
+              </a:endParaRPr>
+            </a:p>
+          </p:txBody>
+        </p:sp>
+        <p:sp>
+          <p:nvSpPr>
+            <p:cNvPr id="18" name="Arc 17"/>
+            <p:cNvSpPr/>
+            <p:nvPr/>
+          </p:nvSpPr>
+          <p:spPr>
+            <a:xfrm rot="10800000">
+              <a:off x="676268" y="816143"/>
+              <a:ext cx="1127070" cy="1092971"/>
+            </a:xfrm>
+            <a:prstGeom prst="arc">
+              <a:avLst>
+                <a:gd name="adj1" fmla="val 17262820"/>
+                <a:gd name="adj2" fmla="val 4346483"/>
+              </a:avLst>
+            </a:prstGeom>
+            <a:ln>
+              <a:solidFill>
+                <a:schemeClr val="tx1"/>
+              </a:solidFill>
+            </a:ln>
+          </p:spPr>
+          <p:style>
+            <a:lnRef idx="1">
+              <a:schemeClr val="accent1"/>
+            </a:lnRef>
+            <a:fillRef idx="0">
+              <a:schemeClr val="accent1"/>
+            </a:fillRef>
+            <a:effectRef idx="0">
+              <a:schemeClr val="accent1"/>
+            </a:effectRef>
+            <a:fontRef idx="minor">
+              <a:schemeClr val="tx1"/>
+            </a:fontRef>
+          </p:style>
+          <p:txBody>
+            <a:bodyPr rtlCol="0" anchor="ctr"/>
+            <a:lstStyle/>
+            <a:p>
+              <a:pPr algn="ctr"/>
+              <a:endParaRPr lang="en-US" sz="2000">
+                <a:latin typeface="Century" charset="0"/>
+                <a:ea typeface="Century" charset="0"/>
+                <a:cs typeface="Century" charset="0"/>
+              </a:endParaRPr>
+            </a:p>
+          </p:txBody>
+        </p:sp>
+        <p:cxnSp>
+          <p:nvCxnSpPr>
+            <p:cNvPr id="19" name="Straight Connector 18"/>
+            <p:cNvCxnSpPr>
+              <a:stCxn id="5" idx="4"/>
+              <a:endCxn id="21" idx="0"/>
+            </p:cNvCxnSpPr>
+            <p:nvPr/>
+          </p:nvCxnSpPr>
+          <p:spPr>
+            <a:xfrm>
+              <a:off x="3448469" y="1085536"/>
+              <a:ext cx="0" cy="608062"/>
+            </a:xfrm>
+            <a:prstGeom prst="line">
+              <a:avLst/>
+            </a:prstGeom>
+            <a:ln>
+              <a:solidFill>
+                <a:schemeClr val="tx1"/>
+              </a:solidFill>
+            </a:ln>
+          </p:spPr>
+          <p:style>
+            <a:lnRef idx="1">
+              <a:schemeClr val="accent1"/>
+            </a:lnRef>
+            <a:fillRef idx="0">
+              <a:schemeClr val="accent1"/>
+            </a:fillRef>
+            <a:effectRef idx="0">
+              <a:schemeClr val="accent1"/>
+            </a:effectRef>
+            <a:fontRef idx="minor">
+              <a:schemeClr val="tx1"/>
+            </a:fontRef>
+          </p:style>
+        </p:cxnSp>
+        <p:sp>
+          <p:nvSpPr>
+            <p:cNvPr id="20" name="Arc 19"/>
+            <p:cNvSpPr/>
+            <p:nvPr/>
+          </p:nvSpPr>
+          <p:spPr>
+            <a:xfrm>
+              <a:off x="2500880" y="789974"/>
+              <a:ext cx="1194569" cy="1199187"/>
+            </a:xfrm>
+            <a:prstGeom prst="arc">
+              <a:avLst>
+                <a:gd name="adj1" fmla="val 19484426"/>
+                <a:gd name="adj2" fmla="val 2089572"/>
+              </a:avLst>
+            </a:prstGeom>
+            <a:ln>
+              <a:solidFill>
+                <a:schemeClr val="tx1"/>
+              </a:solidFill>
+            </a:ln>
+          </p:spPr>
+          <p:style>
+            <a:lnRef idx="1">
+              <a:schemeClr val="accent1"/>
+            </a:lnRef>
+            <a:fillRef idx="0">
+              <a:schemeClr val="accent1"/>
+            </a:fillRef>
+            <a:effectRef idx="0">
+              <a:schemeClr val="accent1"/>
+            </a:effectRef>
+            <a:fontRef idx="minor">
+              <a:schemeClr val="tx1"/>
+            </a:fontRef>
+          </p:style>
+          <p:txBody>
+            <a:bodyPr rtlCol="0" anchor="ctr"/>
+            <a:lstStyle/>
+            <a:p>
+              <a:pPr algn="ctr"/>
+              <a:endParaRPr lang="en-US" sz="2000">
+                <a:latin typeface="Century" charset="0"/>
+                <a:ea typeface="Century" charset="0"/>
+                <a:cs typeface="Century" charset="0"/>
+              </a:endParaRPr>
+            </a:p>
+          </p:txBody>
+        </p:sp>
+        <p:sp>
+          <p:nvSpPr>
+            <p:cNvPr id="21" name="Arc 20"/>
+            <p:cNvSpPr/>
+            <p:nvPr/>
+          </p:nvSpPr>
+          <p:spPr>
+            <a:xfrm>
+              <a:off x="2972354" y="816143"/>
+              <a:ext cx="1127070" cy="1092971"/>
+            </a:xfrm>
+            <a:prstGeom prst="arc">
+              <a:avLst>
+                <a:gd name="adj1" fmla="val 17262820"/>
+                <a:gd name="adj2" fmla="val 4346483"/>
+              </a:avLst>
+            </a:prstGeom>
+            <a:ln>
+              <a:solidFill>
+                <a:schemeClr val="tx1"/>
+              </a:solidFill>
+            </a:ln>
+          </p:spPr>
+          <p:style>
+            <a:lnRef idx="1">
+              <a:schemeClr val="accent1"/>
+            </a:lnRef>
+            <a:fillRef idx="0">
+              <a:schemeClr val="accent1"/>
+            </a:fillRef>
+            <a:effectRef idx="0">
+              <a:schemeClr val="accent1"/>
+            </a:effectRef>
+            <a:fontRef idx="minor">
+              <a:schemeClr val="tx1"/>
+            </a:fontRef>
+          </p:style>
+          <p:txBody>
+            <a:bodyPr rtlCol="0" anchor="ctr"/>
+            <a:lstStyle/>
+            <a:p>
+              <a:pPr algn="ctr"/>
+              <a:endParaRPr lang="en-US" sz="2000">
+                <a:latin typeface="Century" charset="0"/>
+                <a:ea typeface="Century" charset="0"/>
+                <a:cs typeface="Century" charset="0"/>
+              </a:endParaRPr>
+            </a:p>
+          </p:txBody>
+        </p:sp>
+        <p:sp>
+          <p:nvSpPr>
+            <p:cNvPr id="22" name="Arc 21"/>
+            <p:cNvSpPr/>
+            <p:nvPr/>
+          </p:nvSpPr>
+          <p:spPr>
+            <a:xfrm rot="10800000">
+              <a:off x="2799465" y="816143"/>
+              <a:ext cx="1127070" cy="1092971"/>
+            </a:xfrm>
+            <a:prstGeom prst="arc">
+              <a:avLst>
+                <a:gd name="adj1" fmla="val 17262820"/>
+                <a:gd name="adj2" fmla="val 4346483"/>
+              </a:avLst>
+            </a:prstGeom>
+            <a:ln>
+              <a:solidFill>
+                <a:schemeClr val="tx1"/>
+              </a:solidFill>
+            </a:ln>
+          </p:spPr>
+          <p:style>
+            <a:lnRef idx="1">
+              <a:schemeClr val="accent1"/>
+            </a:lnRef>
+            <a:fillRef idx="0">
+              <a:schemeClr val="accent1"/>
+            </a:fillRef>
+            <a:effectRef idx="0">
+              <a:schemeClr val="accent1"/>
+            </a:effectRef>
+            <a:fontRef idx="minor">
+              <a:schemeClr val="tx1"/>
+            </a:fontRef>
+          </p:style>
+          <p:txBody>
+            <a:bodyPr rtlCol="0" anchor="ctr"/>
+            <a:lstStyle/>
+            <a:p>
+              <a:pPr algn="ctr"/>
+              <a:endParaRPr lang="en-US" sz="2000">
+                <a:latin typeface="Century" charset="0"/>
+                <a:ea typeface="Century" charset="0"/>
+                <a:cs typeface="Century" charset="0"/>
+              </a:endParaRPr>
+            </a:p>
+          </p:txBody>
+        </p:sp>
+        <p:sp>
+          <p:nvSpPr>
+            <p:cNvPr id="23" name="TextBox 22"/>
+            <p:cNvSpPr txBox="1"/>
+            <p:nvPr/>
+          </p:nvSpPr>
+          <p:spPr>
+            <a:xfrm>
+              <a:off x="376694" y="-43223"/>
+              <a:ext cx="3568958" cy="553998"/>
+            </a:xfrm>
+            <a:prstGeom prst="rect">
+              <a:avLst/>
+            </a:prstGeom>
+            <a:noFill/>
+          </p:spPr>
+          <p:txBody>
+            <a:bodyPr wrap="square" rtlCol="0">
+              <a:spAutoFit/>
+            </a:bodyPr>
+            <a:lstStyle/>
+            <a:p>
+              <a:r>
+                <a:rPr lang="en-US" sz="3000" dirty="0">
+                  <a:latin typeface="Century" charset="0"/>
+                  <a:ea typeface="Century" charset="0"/>
+                  <a:cs typeface="Century" charset="0"/>
+                </a:rPr>
+                <a:t>Configuration </a:t>
+              </a:r>
+              <a:r>
+                <a:rPr lang="en-US" sz="3000" dirty="0" smtClean="0">
+                  <a:latin typeface="Century" charset="0"/>
+                  <a:ea typeface="Century" charset="0"/>
+                  <a:cs typeface="Century" charset="0"/>
+                </a:rPr>
+                <a:t>+-+-</a:t>
+              </a:r>
+              <a:endParaRPr lang="en-US" sz="3000" dirty="0">
+                <a:latin typeface="Century" charset="0"/>
+                <a:ea typeface="Century" charset="0"/>
+                <a:cs typeface="Century" charset="0"/>
+              </a:endParaRPr>
+            </a:p>
+          </p:txBody>
+        </p:sp>
+      </p:grpSp>
+      <p:cxnSp>
+        <p:nvCxnSpPr>
+          <p:cNvPr id="24" name="Straight Connector 23"/>
+          <p:cNvCxnSpPr/>
+          <p:nvPr/>
+        </p:nvCxnSpPr>
+        <p:spPr>
+          <a:xfrm>
+            <a:off x="1980787" y="4188279"/>
+            <a:ext cx="0" cy="608062"/>
+          </a:xfrm>
+          <a:prstGeom prst="line">
+            <a:avLst/>
+          </a:prstGeom>
+          <a:ln>
+            <a:solidFill>
+              <a:schemeClr val="tx1"/>
+            </a:solidFill>
+          </a:ln>
+        </p:spPr>
+        <p:style>
+          <a:lnRef idx="1">
+            <a:schemeClr val="accent1"/>
+          </a:lnRef>
+          <a:fillRef idx="0">
+            <a:schemeClr val="accent1"/>
+          </a:fillRef>
+          <a:effectRef idx="0">
+            <a:schemeClr val="accent1"/>
+          </a:effectRef>
+          <a:fontRef idx="minor">
+            <a:schemeClr val="tx1"/>
+          </a:fontRef>
+        </p:style>
+      </p:cxnSp>
+      <p:sp>
+        <p:nvSpPr>
+          <p:cNvPr id="25" name="Arc 24"/>
+          <p:cNvSpPr/>
+          <p:nvPr/>
+        </p:nvSpPr>
+        <p:spPr>
+          <a:xfrm>
+            <a:off x="1033198" y="3892717"/>
+            <a:ext cx="1194569" cy="1199187"/>
+          </a:xfrm>
+          <a:prstGeom prst="arc">
+            <a:avLst>
+              <a:gd name="adj1" fmla="val 19484426"/>
+              <a:gd name="adj2" fmla="val 2089572"/>
+            </a:avLst>
+          </a:prstGeom>
+          <a:ln>
+            <a:solidFill>
+              <a:schemeClr val="tx1"/>
+            </a:solidFill>
+          </a:ln>
+        </p:spPr>
+        <p:style>
+          <a:lnRef idx="1">
+            <a:schemeClr val="accent1"/>
+          </a:lnRef>
+          <a:fillRef idx="0">
+            <a:schemeClr val="accent1"/>
+          </a:fillRef>
+          <a:effectRef idx="0">
+            <a:schemeClr val="accent1"/>
+          </a:effectRef>
+          <a:fontRef idx="minor">
+            <a:schemeClr val="tx1"/>
+          </a:fontRef>
+        </p:style>
+        <p:txBody>
+          <a:bodyPr rtlCol="0" anchor="ctr"/>
+          <a:lstStyle/>
+          <a:p>
+            <a:pPr algn="ctr"/>
+            <a:endParaRPr lang="en-US" sz="2000">
+              <a:latin typeface="Century" charset="0"/>
+              <a:ea typeface="Century" charset="0"/>
+              <a:cs typeface="Century" charset="0"/>
+            </a:endParaRPr>
+          </a:p>
+        </p:txBody>
+      </p:sp>
+      <p:sp>
+        <p:nvSpPr>
+          <p:cNvPr id="26" name="Arc 25"/>
+          <p:cNvSpPr/>
+          <p:nvPr/>
+        </p:nvSpPr>
+        <p:spPr>
+          <a:xfrm flipH="1">
+            <a:off x="1755172" y="3892717"/>
+            <a:ext cx="1197835" cy="1199187"/>
+          </a:xfrm>
+          <a:prstGeom prst="arc">
+            <a:avLst>
+              <a:gd name="adj1" fmla="val 19484426"/>
+              <a:gd name="adj2" fmla="val 2089572"/>
+            </a:avLst>
+          </a:prstGeom>
+          <a:ln>
+            <a:solidFill>
+              <a:schemeClr val="tx1"/>
+            </a:solidFill>
+          </a:ln>
+        </p:spPr>
+        <p:style>
+          <a:lnRef idx="1">
+            <a:schemeClr val="accent1"/>
+          </a:lnRef>
+          <a:fillRef idx="0">
+            <a:schemeClr val="accent1"/>
+          </a:fillRef>
+          <a:effectRef idx="0">
+            <a:schemeClr val="accent1"/>
+          </a:effectRef>
+          <a:fontRef idx="minor">
+            <a:schemeClr val="tx1"/>
+          </a:fontRef>
+        </p:style>
+        <p:txBody>
+          <a:bodyPr rtlCol="0" anchor="ctr"/>
+          <a:lstStyle/>
+          <a:p>
+            <a:pPr algn="ctr"/>
+            <a:endParaRPr lang="en-US" sz="2000">
+              <a:latin typeface="Century" charset="0"/>
+              <a:ea typeface="Century" charset="0"/>
+              <a:cs typeface="Century" charset="0"/>
+            </a:endParaRPr>
+          </a:p>
+        </p:txBody>
+      </p:sp>
+      <p:sp>
+        <p:nvSpPr>
+          <p:cNvPr id="27" name="Arc 26"/>
+          <p:cNvSpPr/>
+          <p:nvPr/>
+        </p:nvSpPr>
+        <p:spPr>
+          <a:xfrm>
+            <a:off x="1504672" y="3918886"/>
+            <a:ext cx="1127070" cy="1092971"/>
+          </a:xfrm>
+          <a:prstGeom prst="arc">
+            <a:avLst>
+              <a:gd name="adj1" fmla="val 17262820"/>
+              <a:gd name="adj2" fmla="val 4346483"/>
+            </a:avLst>
+          </a:prstGeom>
+          <a:ln>
+            <a:solidFill>
+              <a:schemeClr val="tx1"/>
+            </a:solidFill>
+          </a:ln>
+        </p:spPr>
+        <p:style>
+          <a:lnRef idx="1">
+            <a:schemeClr val="accent1"/>
+          </a:lnRef>
+          <a:fillRef idx="0">
+            <a:schemeClr val="accent1"/>
+          </a:fillRef>
+          <a:effectRef idx="0">
+            <a:schemeClr val="accent1"/>
+          </a:effectRef>
+          <a:fontRef idx="minor">
+            <a:schemeClr val="tx1"/>
+          </a:fontRef>
+        </p:style>
+        <p:txBody>
+          <a:bodyPr rtlCol="0" anchor="ctr"/>
+          <a:lstStyle/>
+          <a:p>
+            <a:pPr algn="ctr"/>
+            <a:endParaRPr lang="en-US" sz="2000">
+              <a:latin typeface="Century" charset="0"/>
+              <a:ea typeface="Century" charset="0"/>
+              <a:cs typeface="Century" charset="0"/>
+            </a:endParaRPr>
+          </a:p>
+        </p:txBody>
+      </p:sp>
+      <p:sp>
+        <p:nvSpPr>
+          <p:cNvPr id="28" name="Arc 27"/>
+          <p:cNvSpPr/>
+          <p:nvPr/>
+        </p:nvSpPr>
+        <p:spPr>
+          <a:xfrm rot="10800000">
+            <a:off x="1313854" y="3918886"/>
+            <a:ext cx="1127070" cy="1092971"/>
+          </a:xfrm>
+          <a:prstGeom prst="arc">
+            <a:avLst>
+              <a:gd name="adj1" fmla="val 17262820"/>
+              <a:gd name="adj2" fmla="val 4346483"/>
+            </a:avLst>
+          </a:prstGeom>
+          <a:ln>
+            <a:solidFill>
+              <a:schemeClr val="tx1"/>
+            </a:solidFill>
+          </a:ln>
+        </p:spPr>
+        <p:style>
+          <a:lnRef idx="1">
+            <a:schemeClr val="accent1"/>
+          </a:lnRef>
+          <a:fillRef idx="0">
+            <a:schemeClr val="accent1"/>
+          </a:fillRef>
+          <a:effectRef idx="0">
+            <a:schemeClr val="accent1"/>
+          </a:effectRef>
+          <a:fontRef idx="minor">
+            <a:schemeClr val="tx1"/>
+          </a:fontRef>
+        </p:style>
+        <p:txBody>
+          <a:bodyPr rtlCol="0" anchor="ctr"/>
+          <a:lstStyle/>
+          <a:p>
+            <a:pPr algn="ctr"/>
+            <a:endParaRPr lang="en-US" sz="2000">
+              <a:latin typeface="Century" charset="0"/>
+              <a:ea typeface="Century" charset="0"/>
+              <a:cs typeface="Century" charset="0"/>
+            </a:endParaRPr>
+          </a:p>
+        </p:txBody>
+      </p:sp>
+      <p:cxnSp>
+        <p:nvCxnSpPr>
+          <p:cNvPr id="34" name="Straight Connector 33"/>
+          <p:cNvCxnSpPr/>
+          <p:nvPr/>
+        </p:nvCxnSpPr>
+        <p:spPr>
+          <a:xfrm>
+            <a:off x="4077530" y="4169695"/>
+            <a:ext cx="0" cy="608062"/>
+          </a:xfrm>
+          <a:prstGeom prst="line">
+            <a:avLst/>
+          </a:prstGeom>
+          <a:ln>
+            <a:solidFill>
+              <a:schemeClr val="tx1"/>
+            </a:solidFill>
+          </a:ln>
+        </p:spPr>
+        <p:style>
+          <a:lnRef idx="1">
+            <a:schemeClr val="accent1"/>
+          </a:lnRef>
+          <a:fillRef idx="0">
+            <a:schemeClr val="accent1"/>
+          </a:fillRef>
+          <a:effectRef idx="0">
+            <a:schemeClr val="accent1"/>
+          </a:effectRef>
+          <a:fontRef idx="minor">
+            <a:schemeClr val="tx1"/>
+          </a:fontRef>
+        </p:style>
+      </p:cxnSp>
+      <p:sp>
+        <p:nvSpPr>
+          <p:cNvPr id="35" name="Arc 34"/>
+          <p:cNvSpPr/>
+          <p:nvPr/>
+        </p:nvSpPr>
+        <p:spPr>
+          <a:xfrm>
+            <a:off x="3129941" y="3874133"/>
+            <a:ext cx="1194569" cy="1199187"/>
+          </a:xfrm>
+          <a:prstGeom prst="arc">
+            <a:avLst>
+              <a:gd name="adj1" fmla="val 19484426"/>
+              <a:gd name="adj2" fmla="val 2089572"/>
+            </a:avLst>
+          </a:prstGeom>
+          <a:ln>
+            <a:solidFill>
+              <a:schemeClr val="tx1"/>
+            </a:solidFill>
+          </a:ln>
+        </p:spPr>
+        <p:style>
+          <a:lnRef idx="1">
+            <a:schemeClr val="accent1"/>
+          </a:lnRef>
+          <a:fillRef idx="0">
+            <a:schemeClr val="accent1"/>
+          </a:fillRef>
+          <a:effectRef idx="0">
+            <a:schemeClr val="accent1"/>
+          </a:effectRef>
+          <a:fontRef idx="minor">
+            <a:schemeClr val="tx1"/>
+          </a:fontRef>
+        </p:style>
+        <p:txBody>
+          <a:bodyPr rtlCol="0" anchor="ctr"/>
+          <a:lstStyle/>
+          <a:p>
+            <a:pPr algn="ctr"/>
+            <a:endParaRPr lang="en-US" sz="2000">
+              <a:latin typeface="Century" charset="0"/>
+              <a:ea typeface="Century" charset="0"/>
+              <a:cs typeface="Century" charset="0"/>
+            </a:endParaRPr>
+          </a:p>
+        </p:txBody>
+      </p:sp>
+      <p:sp>
+        <p:nvSpPr>
+          <p:cNvPr id="36" name="Arc 35"/>
+          <p:cNvSpPr/>
+          <p:nvPr/>
+        </p:nvSpPr>
+        <p:spPr>
+          <a:xfrm flipH="1">
+            <a:off x="3851915" y="3874133"/>
+            <a:ext cx="1197835" cy="1199187"/>
+          </a:xfrm>
+          <a:prstGeom prst="arc">
+            <a:avLst>
+              <a:gd name="adj1" fmla="val 19484426"/>
+              <a:gd name="adj2" fmla="val 2089572"/>
+            </a:avLst>
+          </a:prstGeom>
+          <a:ln>
+            <a:solidFill>
+              <a:schemeClr val="tx1"/>
+            </a:solidFill>
+          </a:ln>
+        </p:spPr>
+        <p:style>
+          <a:lnRef idx="1">
+            <a:schemeClr val="accent1"/>
+          </a:lnRef>
+          <a:fillRef idx="0">
+            <a:schemeClr val="accent1"/>
+          </a:fillRef>
+          <a:effectRef idx="0">
+            <a:schemeClr val="accent1"/>
+          </a:effectRef>
+          <a:fontRef idx="minor">
+            <a:schemeClr val="tx1"/>
+          </a:fontRef>
+        </p:style>
+        <p:txBody>
+          <a:bodyPr rtlCol="0" anchor="ctr"/>
+          <a:lstStyle/>
+          <a:p>
+            <a:pPr algn="ctr"/>
+            <a:endParaRPr lang="en-US" sz="2000">
+              <a:latin typeface="Century" charset="0"/>
+              <a:ea typeface="Century" charset="0"/>
+              <a:cs typeface="Century" charset="0"/>
+            </a:endParaRPr>
+          </a:p>
+        </p:txBody>
+      </p:sp>
+      <p:sp>
+        <p:nvSpPr>
+          <p:cNvPr id="37" name="Arc 36"/>
+          <p:cNvSpPr/>
+          <p:nvPr/>
+        </p:nvSpPr>
+        <p:spPr>
+          <a:xfrm>
+            <a:off x="3601415" y="3900302"/>
+            <a:ext cx="1127070" cy="1092971"/>
+          </a:xfrm>
+          <a:prstGeom prst="arc">
+            <a:avLst>
+              <a:gd name="adj1" fmla="val 17262820"/>
+              <a:gd name="adj2" fmla="val 4346483"/>
+            </a:avLst>
+          </a:prstGeom>
+          <a:ln>
+            <a:solidFill>
+              <a:schemeClr val="tx1"/>
+            </a:solidFill>
+          </a:ln>
+        </p:spPr>
+        <p:style>
+          <a:lnRef idx="1">
+            <a:schemeClr val="accent1"/>
+          </a:lnRef>
+          <a:fillRef idx="0">
+            <a:schemeClr val="accent1"/>
+          </a:fillRef>
+          <a:effectRef idx="0">
+            <a:schemeClr val="accent1"/>
+          </a:effectRef>
+          <a:fontRef idx="minor">
+            <a:schemeClr val="tx1"/>
+          </a:fontRef>
+        </p:style>
+        <p:txBody>
+          <a:bodyPr rtlCol="0" anchor="ctr"/>
+          <a:lstStyle/>
+          <a:p>
+            <a:pPr algn="ctr"/>
+            <a:endParaRPr lang="en-US" sz="2000">
+              <a:latin typeface="Century" charset="0"/>
+              <a:ea typeface="Century" charset="0"/>
+              <a:cs typeface="Century" charset="0"/>
+            </a:endParaRPr>
+          </a:p>
+        </p:txBody>
+      </p:sp>
+      <p:sp>
+        <p:nvSpPr>
+          <p:cNvPr id="38" name="Arc 37"/>
+          <p:cNvSpPr/>
+          <p:nvPr/>
+        </p:nvSpPr>
+        <p:spPr>
+          <a:xfrm rot="10800000">
+            <a:off x="3410597" y="3900302"/>
+            <a:ext cx="1127070" cy="1092971"/>
+          </a:xfrm>
+          <a:prstGeom prst="arc">
+            <a:avLst>
+              <a:gd name="adj1" fmla="val 17262820"/>
+              <a:gd name="adj2" fmla="val 4346483"/>
+            </a:avLst>
+          </a:prstGeom>
+          <a:ln>
+            <a:solidFill>
+              <a:schemeClr val="tx1"/>
+            </a:solidFill>
+          </a:ln>
+        </p:spPr>
+        <p:style>
+          <a:lnRef idx="1">
+            <a:schemeClr val="accent1"/>
+          </a:lnRef>
+          <a:fillRef idx="0">
+            <a:schemeClr val="accent1"/>
+          </a:fillRef>
+          <a:effectRef idx="0">
+            <a:schemeClr val="accent1"/>
+          </a:effectRef>
+          <a:fontRef idx="minor">
+            <a:schemeClr val="tx1"/>
+          </a:fontRef>
+        </p:style>
+        <p:txBody>
+          <a:bodyPr rtlCol="0" anchor="ctr"/>
+          <a:lstStyle/>
+          <a:p>
+            <a:pPr algn="ctr"/>
+            <a:endParaRPr lang="en-US" sz="2000">
+              <a:latin typeface="Century" charset="0"/>
+              <a:ea typeface="Century" charset="0"/>
+              <a:cs typeface="Century" charset="0"/>
+            </a:endParaRPr>
+          </a:p>
+        </p:txBody>
+      </p:sp>
+      <p:sp>
+        <p:nvSpPr>
+          <p:cNvPr id="39" name="Oval 38"/>
+          <p:cNvSpPr/>
+          <p:nvPr/>
+        </p:nvSpPr>
+        <p:spPr>
+          <a:xfrm>
+            <a:off x="1530087" y="3434378"/>
+            <a:ext cx="2009945" cy="1087941"/>
+          </a:xfrm>
+          <a:prstGeom prst="ellipse">
+            <a:avLst/>
+          </a:prstGeom>
+          <a:noFill/>
+          <a:ln w="38100">
+            <a:solidFill>
+              <a:srgbClr val="FF0000"/>
+            </a:solidFill>
+          </a:ln>
+        </p:spPr>
+        <p:style>
+          <a:lnRef idx="2">
+            <a:schemeClr val="accent1">
+              <a:shade val="50000"/>
+            </a:schemeClr>
+          </a:lnRef>
+          <a:fillRef idx="1">
+            <a:schemeClr val="accent1"/>
+          </a:fillRef>
+          <a:effectRef idx="0">
+            <a:schemeClr val="accent1"/>
+          </a:effectRef>
+          <a:fontRef idx="minor">
+            <a:schemeClr val="lt1"/>
+          </a:fontRef>
+        </p:style>
+        <p:txBody>
+          <a:bodyPr rtlCol="0" anchor="ctr"/>
+          <a:lstStyle/>
+          <a:p>
+            <a:pPr algn="ctr"/>
+            <a:endParaRPr lang="en-US"/>
+          </a:p>
+        </p:txBody>
+      </p:sp>
+    </p:spTree>
+    <p:extLst>
+      <p:ext uri="{BB962C8B-B14F-4D97-AF65-F5344CB8AC3E}">
+        <p14:creationId xmlns:p14="http://schemas.microsoft.com/office/powerpoint/2010/main" val="3019595556"/>
+      </p:ext>
+    </p:extLst>
+  </p:cSld>
+  <p:clrMapOvr>
+    <a:masterClrMapping/>
+  </p:clrMapOvr>
+  <p:timing>
+    <p:tnLst>
+      <p:par>
+        <p:cTn id="1" dur="indefinite" restart="never" nodeType="tmRoot">
+          <p:childTnLst>
+            <p:seq concurrent="1" nextAc="seek">
+              <p:cTn id="2" dur="indefinite" nodeType="mainSeq">
+                <p:childTnLst>
+                  <p:par>
+                    <p:cTn id="3" fill="hold">
+                      <p:stCondLst>
+                        <p:cond delay="indefinite"/>
+                      </p:stCondLst>
+                      <p:childTnLst>
+                        <p:par>
+                          <p:cTn id="4" fill="hold">
+                            <p:stCondLst>
+                              <p:cond delay="0"/>
+                            </p:stCondLst>
+                            <p:childTnLst>
+                              <p:par>
+                                <p:cTn id="5" presetID="1" presetClass="entr" presetSubtype="0" fill="hold" nodeType="clickEffect">
+                                  <p:stCondLst>
+                                    <p:cond delay="0"/>
+                                  </p:stCondLst>
+                                  <p:childTnLst>
+                                    <p:set>
+                                      <p:cBhvr>
+                                        <p:cTn id="6" dur="1" fill="hold">
+                                          <p:stCondLst>
+                                            <p:cond delay="0"/>
+                                          </p:stCondLst>
+                                        </p:cTn>
+                                        <p:tgtEl>
+                                          <p:spTgt spid="3">
+                                            <p:txEl>
+                                              <p:pRg st="1" end="1"/>
+                                            </p:txEl>
+                                          </p:spTgt>
+                                        </p:tgtEl>
+                                        <p:attrNameLst>
+                                          <p:attrName>style.visibility</p:attrName>
+                                        </p:attrNameLst>
+                                      </p:cBhvr>
+                                      <p:to>
+                                        <p:strVal val="visible"/>
+                                      </p:to>
+                                    </p:set>
+                                  </p:childTnLst>
+                                </p:cTn>
+                              </p:par>
+                            </p:childTnLst>
+                          </p:cTn>
+                        </p:par>
+                      </p:childTnLst>
+                    </p:cTn>
+                  </p:par>
+                  <p:par>
+                    <p:cTn id="7" fill="hold">
+                      <p:stCondLst>
+                        <p:cond delay="indefinite"/>
+                      </p:stCondLst>
+                      <p:childTnLst>
+                        <p:par>
+                          <p:cTn id="8" fill="hold">
+                            <p:stCondLst>
+                              <p:cond delay="0"/>
+                            </p:stCondLst>
+                            <p:childTnLst>
+                              <p:par>
+                                <p:cTn id="9" presetID="1" presetClass="entr" presetSubtype="0" fill="hold" nodeType="clickEffect">
+                                  <p:stCondLst>
+                                    <p:cond delay="0"/>
+                                  </p:stCondLst>
+                                  <p:childTnLst>
+                                    <p:set>
+                                      <p:cBhvr>
+                                        <p:cTn id="10" dur="1" fill="hold">
+                                          <p:stCondLst>
+                                            <p:cond delay="0"/>
+                                          </p:stCondLst>
+                                        </p:cTn>
+                                        <p:tgtEl>
+                                          <p:spTgt spid="4"/>
+                                        </p:tgtEl>
+                                        <p:attrNameLst>
+                                          <p:attrName>style.visibility</p:attrName>
+                                        </p:attrNameLst>
+                                      </p:cBhvr>
+                                      <p:to>
+                                        <p:strVal val="visible"/>
+                                      </p:to>
+                                    </p:set>
+                                  </p:childTnLst>
+                                </p:cTn>
+                              </p:par>
+                              <p:par>
+                                <p:cTn id="11" presetID="1" presetClass="entr" presetSubtype="0" fill="hold" nodeType="withEffect">
+                                  <p:stCondLst>
+                                    <p:cond delay="0"/>
+                                  </p:stCondLst>
+                                  <p:childTnLst>
+                                    <p:set>
+                                      <p:cBhvr>
+                                        <p:cTn id="12" dur="1" fill="hold">
+                                          <p:stCondLst>
+                                            <p:cond delay="0"/>
+                                          </p:stCondLst>
+                                        </p:cTn>
+                                        <p:tgtEl>
+                                          <p:spTgt spid="24"/>
+                                        </p:tgtEl>
+                                        <p:attrNameLst>
+                                          <p:attrName>style.visibility</p:attrName>
+                                        </p:attrNameLst>
+                                      </p:cBhvr>
+                                      <p:to>
+                                        <p:strVal val="visible"/>
+                                      </p:to>
+                                    </p:set>
+                                  </p:childTnLst>
+                                </p:cTn>
+                              </p:par>
+                              <p:par>
+                                <p:cTn id="13" presetID="1" presetClass="entr" presetSubtype="0" fill="hold" grpId="0" nodeType="withEffect">
+                                  <p:stCondLst>
+                                    <p:cond delay="0"/>
+                                  </p:stCondLst>
+                                  <p:childTnLst>
+                                    <p:set>
+                                      <p:cBhvr>
+                                        <p:cTn id="14" dur="1" fill="hold">
+                                          <p:stCondLst>
+                                            <p:cond delay="0"/>
+                                          </p:stCondLst>
+                                        </p:cTn>
+                                        <p:tgtEl>
+                                          <p:spTgt spid="25"/>
+                                        </p:tgtEl>
+                                        <p:attrNameLst>
+                                          <p:attrName>style.visibility</p:attrName>
+                                        </p:attrNameLst>
+                                      </p:cBhvr>
+                                      <p:to>
+                                        <p:strVal val="visible"/>
+                                      </p:to>
+                                    </p:set>
+                                  </p:childTnLst>
+                                </p:cTn>
+                              </p:par>
+                              <p:par>
+                                <p:cTn id="15" presetID="1" presetClass="entr" presetSubtype="0" fill="hold" grpId="0" nodeType="withEffect">
+                                  <p:stCondLst>
+                                    <p:cond delay="0"/>
+                                  </p:stCondLst>
+                                  <p:childTnLst>
+                                    <p:set>
+                                      <p:cBhvr>
+                                        <p:cTn id="16" dur="1" fill="hold">
+                                          <p:stCondLst>
+                                            <p:cond delay="0"/>
+                                          </p:stCondLst>
+                                        </p:cTn>
+                                        <p:tgtEl>
+                                          <p:spTgt spid="26"/>
+                                        </p:tgtEl>
+                                        <p:attrNameLst>
+                                          <p:attrName>style.visibility</p:attrName>
+                                        </p:attrNameLst>
+                                      </p:cBhvr>
+                                      <p:to>
+                                        <p:strVal val="visible"/>
+                                      </p:to>
+                                    </p:set>
+                                  </p:childTnLst>
+                                </p:cTn>
+                              </p:par>
+                              <p:par>
+                                <p:cTn id="17" presetID="1" presetClass="entr" presetSubtype="0" fill="hold" grpId="0" nodeType="withEffect">
+                                  <p:stCondLst>
+                                    <p:cond delay="0"/>
+                                  </p:stCondLst>
+                                  <p:childTnLst>
+                                    <p:set>
+                                      <p:cBhvr>
+                                        <p:cTn id="18" dur="1" fill="hold">
+                                          <p:stCondLst>
+                                            <p:cond delay="0"/>
+                                          </p:stCondLst>
+                                        </p:cTn>
+                                        <p:tgtEl>
+                                          <p:spTgt spid="27"/>
+                                        </p:tgtEl>
+                                        <p:attrNameLst>
+                                          <p:attrName>style.visibility</p:attrName>
+                                        </p:attrNameLst>
+                                      </p:cBhvr>
+                                      <p:to>
+                                        <p:strVal val="visible"/>
+                                      </p:to>
+                                    </p:set>
+                                  </p:childTnLst>
+                                </p:cTn>
+                              </p:par>
+                              <p:par>
+                                <p:cTn id="19" presetID="1" presetClass="entr" presetSubtype="0" fill="hold" grpId="0" nodeType="withEffect">
+                                  <p:stCondLst>
+                                    <p:cond delay="0"/>
+                                  </p:stCondLst>
+                                  <p:childTnLst>
+                                    <p:set>
+                                      <p:cBhvr>
+                                        <p:cTn id="20" dur="1" fill="hold">
+                                          <p:stCondLst>
+                                            <p:cond delay="0"/>
+                                          </p:stCondLst>
+                                        </p:cTn>
+                                        <p:tgtEl>
+                                          <p:spTgt spid="28"/>
+                                        </p:tgtEl>
+                                        <p:attrNameLst>
+                                          <p:attrName>style.visibility</p:attrName>
+                                        </p:attrNameLst>
+                                      </p:cBhvr>
+                                      <p:to>
+                                        <p:strVal val="visible"/>
+                                      </p:to>
+                                    </p:set>
+                                  </p:childTnLst>
+                                </p:cTn>
+                              </p:par>
+                              <p:par>
+                                <p:cTn id="21" presetID="1" presetClass="entr" presetSubtype="0" fill="hold" nodeType="withEffect">
+                                  <p:stCondLst>
+                                    <p:cond delay="0"/>
+                                  </p:stCondLst>
+                                  <p:childTnLst>
+                                    <p:set>
+                                      <p:cBhvr>
+                                        <p:cTn id="22" dur="1" fill="hold">
+                                          <p:stCondLst>
+                                            <p:cond delay="0"/>
+                                          </p:stCondLst>
+                                        </p:cTn>
+                                        <p:tgtEl>
+                                          <p:spTgt spid="34"/>
+                                        </p:tgtEl>
+                                        <p:attrNameLst>
+                                          <p:attrName>style.visibility</p:attrName>
+                                        </p:attrNameLst>
+                                      </p:cBhvr>
+                                      <p:to>
+                                        <p:strVal val="visible"/>
+                                      </p:to>
+                                    </p:set>
+                                  </p:childTnLst>
+                                </p:cTn>
+                              </p:par>
+                              <p:par>
+                                <p:cTn id="23" presetID="1" presetClass="entr" presetSubtype="0" fill="hold" grpId="0" nodeType="withEffect">
+                                  <p:stCondLst>
+                                    <p:cond delay="0"/>
+                                  </p:stCondLst>
+                                  <p:childTnLst>
+                                    <p:set>
+                                      <p:cBhvr>
+                                        <p:cTn id="24" dur="1" fill="hold">
+                                          <p:stCondLst>
+                                            <p:cond delay="0"/>
+                                          </p:stCondLst>
+                                        </p:cTn>
+                                        <p:tgtEl>
+                                          <p:spTgt spid="35"/>
+                                        </p:tgtEl>
+                                        <p:attrNameLst>
+                                          <p:attrName>style.visibility</p:attrName>
+                                        </p:attrNameLst>
+                                      </p:cBhvr>
+                                      <p:to>
+                                        <p:strVal val="visible"/>
+                                      </p:to>
+                                    </p:set>
+                                  </p:childTnLst>
+                                </p:cTn>
+                              </p:par>
+                              <p:par>
+                                <p:cTn id="25" presetID="1" presetClass="entr" presetSubtype="0" fill="hold" grpId="0" nodeType="withEffect">
+                                  <p:stCondLst>
+                                    <p:cond delay="0"/>
+                                  </p:stCondLst>
+                                  <p:childTnLst>
+                                    <p:set>
+                                      <p:cBhvr>
+                                        <p:cTn id="26" dur="1" fill="hold">
+                                          <p:stCondLst>
+                                            <p:cond delay="0"/>
+                                          </p:stCondLst>
+                                        </p:cTn>
+                                        <p:tgtEl>
+                                          <p:spTgt spid="36"/>
+                                        </p:tgtEl>
+                                        <p:attrNameLst>
+                                          <p:attrName>style.visibility</p:attrName>
+                                        </p:attrNameLst>
+                                      </p:cBhvr>
+                                      <p:to>
+                                        <p:strVal val="visible"/>
+                                      </p:to>
+                                    </p:set>
+                                  </p:childTnLst>
+                                </p:cTn>
+                              </p:par>
+                              <p:par>
+                                <p:cTn id="27" presetID="1" presetClass="entr" presetSubtype="0" fill="hold" grpId="0" nodeType="withEffect">
+                                  <p:stCondLst>
+                                    <p:cond delay="0"/>
+                                  </p:stCondLst>
+                                  <p:childTnLst>
+                                    <p:set>
+                                      <p:cBhvr>
+                                        <p:cTn id="28" dur="1" fill="hold">
+                                          <p:stCondLst>
+                                            <p:cond delay="0"/>
+                                          </p:stCondLst>
+                                        </p:cTn>
+                                        <p:tgtEl>
+                                          <p:spTgt spid="37"/>
+                                        </p:tgtEl>
+                                        <p:attrNameLst>
+                                          <p:attrName>style.visibility</p:attrName>
+                                        </p:attrNameLst>
+                                      </p:cBhvr>
+                                      <p:to>
+                                        <p:strVal val="visible"/>
+                                      </p:to>
+                                    </p:set>
+                                  </p:childTnLst>
+                                </p:cTn>
+                              </p:par>
+                              <p:par>
+                                <p:cTn id="29" presetID="1" presetClass="entr" presetSubtype="0" fill="hold" grpId="0" nodeType="withEffect">
+                                  <p:stCondLst>
+                                    <p:cond delay="0"/>
+                                  </p:stCondLst>
+                                  <p:childTnLst>
+                                    <p:set>
+                                      <p:cBhvr>
+                                        <p:cTn id="30" dur="1" fill="hold">
+                                          <p:stCondLst>
+                                            <p:cond delay="0"/>
+                                          </p:stCondLst>
+                                        </p:cTn>
+                                        <p:tgtEl>
+                                          <p:spTgt spid="38"/>
+                                        </p:tgtEl>
+                                        <p:attrNameLst>
+                                          <p:attrName>style.visibility</p:attrName>
+                                        </p:attrNameLst>
+                                      </p:cBhvr>
+                                      <p:to>
+                                        <p:strVal val="visible"/>
+                                      </p:to>
+                                    </p:set>
+                                  </p:childTnLst>
+                                </p:cTn>
+                              </p:par>
+                            </p:childTnLst>
+                          </p:cTn>
+                        </p:par>
+                      </p:childTnLst>
+                    </p:cTn>
+                  </p:par>
+                  <p:par>
+                    <p:cTn id="31" fill="hold">
+                      <p:stCondLst>
+                        <p:cond delay="indefinite"/>
+                      </p:stCondLst>
+                      <p:childTnLst>
+                        <p:par>
+                          <p:cTn id="32" fill="hold">
+                            <p:stCondLst>
+                              <p:cond delay="0"/>
+                            </p:stCondLst>
+                            <p:childTnLst>
+                              <p:par>
+                                <p:cTn id="33" presetID="1" presetClass="entr" presetSubtype="0" fill="hold" grpId="0" nodeType="clickEffect">
+                                  <p:stCondLst>
+                                    <p:cond delay="0"/>
+                                  </p:stCondLst>
+                                  <p:childTnLst>
+                                    <p:set>
+                                      <p:cBhvr>
+                                        <p:cTn id="34" dur="1" fill="hold">
+                                          <p:stCondLst>
+                                            <p:cond delay="0"/>
+                                          </p:stCondLst>
+                                        </p:cTn>
+                                        <p:tgtEl>
+                                          <p:spTgt spid="39"/>
+                                        </p:tgtEl>
+                                        <p:attrNameLst>
+                                          <p:attrName>style.visibility</p:attrName>
+                                        </p:attrNameLst>
+                                      </p:cBhvr>
+                                      <p:to>
+                                        <p:strVal val="visible"/>
+                                      </p:to>
+                                    </p:set>
+                                  </p:childTnLst>
+                                </p:cTn>
+                              </p:par>
+                            </p:childTnLst>
+                          </p:cTn>
+                        </p:par>
+                      </p:childTnLst>
+                    </p:cTn>
+                  </p:par>
+                  <p:par>
+                    <p:cTn id="35" fill="hold">
+                      <p:stCondLst>
+                        <p:cond delay="indefinite"/>
+                      </p:stCondLst>
+                      <p:childTnLst>
+                        <p:par>
+                          <p:cTn id="36" fill="hold">
+                            <p:stCondLst>
+                              <p:cond delay="0"/>
+                            </p:stCondLst>
+                            <p:childTnLst>
+                              <p:par>
+                                <p:cTn id="37" presetID="1" presetClass="entr" presetSubtype="0" fill="hold" nodeType="clickEffect">
+                                  <p:stCondLst>
+                                    <p:cond delay="0"/>
+                                  </p:stCondLst>
+                                  <p:childTnLst>
+                                    <p:set>
+                                      <p:cBhvr>
+                                        <p:cTn id="38" dur="1" fill="hold">
+                                          <p:stCondLst>
+                                            <p:cond delay="0"/>
+                                          </p:stCondLst>
+                                        </p:cTn>
+                                        <p:tgtEl>
+                                          <p:spTgt spid="3">
+                                            <p:txEl>
+                                              <p:pRg st="10" end="10"/>
+                                            </p:txEl>
+                                          </p:spTgt>
+                                        </p:tgtEl>
+                                        <p:attrNameLst>
+                                          <p:attrName>style.visibility</p:attrName>
+                                        </p:attrNameLst>
+                                      </p:cBhvr>
+                                      <p:to>
+                                        <p:strVal val="visible"/>
+                                      </p:to>
+                                    </p:set>
+                                  </p:childTnLst>
+                                </p:cTn>
+                              </p:par>
+                            </p:childTnLst>
+                          </p:cTn>
+                        </p:par>
+                      </p:childTnLst>
+                    </p:cTn>
+                  </p:par>
+                </p:childTnLst>
+              </p:cTn>
+              <p:prevCondLst>
+                <p:cond evt="onPrev" delay="0">
+                  <p:tgtEl>
+                    <p:sldTgt/>
+                  </p:tgtEl>
+                </p:cond>
+              </p:prevCondLst>
+              <p:nextCondLst>
+                <p:cond evt="onNext" delay="0">
+                  <p:tgtEl>
+                    <p:sldTgt/>
+                  </p:tgtEl>
+                </p:cond>
+              </p:nextCondLst>
+            </p:seq>
+          </p:childTnLst>
+        </p:cTn>
+      </p:par>
+    </p:tnLst>
+    <p:bldLst>
+      <p:bldP spid="25" grpId="0" animBg="1"/>
+      <p:bldP spid="26" grpId="0" animBg="1"/>
+      <p:bldP spid="27" grpId="0" animBg="1"/>
+      <p:bldP spid="28" grpId="0" animBg="1"/>
+      <p:bldP spid="35" grpId="0" animBg="1"/>
+      <p:bldP spid="36" grpId="0" animBg="1"/>
+      <p:bldP spid="37" grpId="0" animBg="1"/>
+      <p:bldP spid="38" grpId="0" animBg="1"/>
+      <p:bldP spid="39" grpId="0" animBg="1"/>
+    </p:bldLst>
+  </p:timing>
+</p:sld>
+</file>
+
+<file path=ppt/slides/slide22.xml><?xml version="1.0" encoding="utf-8"?>
+<p:sld xmlns:a="http://schemas.openxmlformats.org/drawingml/2006/main" xmlns:r="http://schemas.openxmlformats.org/officeDocument/2006/relationships" xmlns:p="http://schemas.openxmlformats.org/presentationml/2006/main">
+  <p:cSld>
+    <p:spTree>
+      <p:nvGrpSpPr>
+        <p:cNvPr id="1" name=""/>
+        <p:cNvGrpSpPr/>
+        <p:nvPr/>
+      </p:nvGrpSpPr>
+      <p:grpSpPr>
+        <a:xfrm>
+          <a:off x="0" y="0"/>
+          <a:ext cx="0" cy="0"/>
+          <a:chOff x="0" y="0"/>
+          <a:chExt cx="0" cy="0"/>
+        </a:xfrm>
+      </p:grpSpPr>
+      <p:sp>
+        <p:nvSpPr>
+          <p:cNvPr id="2" name="Title 1"/>
+          <p:cNvSpPr>
+            <a:spLocks noGrp="1"/>
+          </p:cNvSpPr>
+          <p:nvPr>
+            <p:ph type="title"/>
+          </p:nvPr>
+        </p:nvSpPr>
+        <p:spPr/>
+        <p:txBody>
+          <a:bodyPr/>
+          <a:lstStyle/>
+          <a:p>
+            <a:r>
+              <a:rPr lang="en-US" dirty="0" smtClean="0"/>
+              <a:t>Conditioning for +-+-/++--</a:t>
+            </a:r>
+            <a:endParaRPr lang="en-US" dirty="0"/>
+          </a:p>
+        </p:txBody>
+      </p:sp>
+      <p:sp>
+        <p:nvSpPr>
+          <p:cNvPr id="3" name="Content Placeholder 2"/>
+          <p:cNvSpPr>
+            <a:spLocks noGrp="1"/>
+          </p:cNvSpPr>
+          <p:nvPr>
+            <p:ph idx="1"/>
+          </p:nvPr>
+        </p:nvSpPr>
+        <p:spPr>
+          <a:xfrm>
+            <a:off x="838200" y="1825625"/>
+            <a:ext cx="10515600" cy="4924310"/>
+          </a:xfrm>
+        </p:spPr>
+        <p:txBody>
+          <a:bodyPr>
+            <a:normAutofit/>
+          </a:bodyPr>
+          <a:lstStyle/>
+          <a:p>
+            <a:r>
+              <a:rPr lang="en-US" dirty="0" smtClean="0"/>
+              <a:t>Surface Quality:</a:t>
+            </a:r>
+          </a:p>
+          <a:p>
+            <a:pPr lvl="1"/>
+            <a:r>
+              <a:rPr lang="en-US" dirty="0" smtClean="0"/>
+              <a:t>Best side of pins are pointing towards each other.</a:t>
+            </a:r>
+          </a:p>
+          <a:p>
+            <a:pPr lvl="1"/>
+            <a:r>
+              <a:rPr lang="en-US" dirty="0" smtClean="0"/>
+              <a:t>Worst parts are pointed away.</a:t>
+            </a:r>
+          </a:p>
+          <a:p>
+            <a:pPr lvl="1"/>
+            <a:r>
+              <a:rPr lang="en-US" dirty="0" smtClean="0"/>
+              <a:t>Sides of pins are somewhere in between.</a:t>
+            </a:r>
+          </a:p>
+          <a:p>
+            <a:r>
+              <a:rPr lang="en-US" dirty="0" smtClean="0"/>
+              <a:t>Spacing:</a:t>
+            </a:r>
+          </a:p>
+          <a:p>
+            <a:pPr lvl="1"/>
+            <a:r>
+              <a:rPr lang="en-US" dirty="0" smtClean="0"/>
+              <a:t>Some inaccuracies in pin-pair spacing. Some may be as close as 1.5 mm to one another.</a:t>
+            </a:r>
+          </a:p>
+          <a:p>
+            <a:r>
+              <a:rPr lang="en-US" dirty="0" smtClean="0"/>
+              <a:t>Overlap:</a:t>
+            </a:r>
+          </a:p>
+          <a:p>
+            <a:pPr lvl="1"/>
+            <a:r>
+              <a:rPr lang="en-US" dirty="0" smtClean="0"/>
+              <a:t>Much smaller than normal configuration, by more than an order.</a:t>
+            </a:r>
+          </a:p>
+          <a:p>
+            <a:pPr lvl="1"/>
+            <a:endParaRPr lang="en-US" dirty="0"/>
+          </a:p>
+          <a:p>
+            <a:r>
+              <a:rPr lang="en-US" dirty="0" smtClean="0"/>
+              <a:t>We could just try it.</a:t>
+            </a:r>
+          </a:p>
+        </p:txBody>
+      </p:sp>
+    </p:spTree>
+    <p:extLst>
+      <p:ext uri="{BB962C8B-B14F-4D97-AF65-F5344CB8AC3E}">
+        <p14:creationId xmlns:p14="http://schemas.microsoft.com/office/powerpoint/2010/main" val="695280685"/>
+      </p:ext>
+    </p:extLst>
+  </p:cSld>
+  <p:clrMapOvr>
+    <a:masterClrMapping/>
+  </p:clrMapOvr>
+  <p:timing>
+    <p:tnLst>
+      <p:par>
+        <p:cTn id="1" dur="indefinite" restart="never" nodeType="tmRoot">
+          <p:childTnLst>
+            <p:seq concurrent="1" nextAc="seek">
+              <p:cTn id="2" dur="indefinite" nodeType="mainSeq">
+                <p:childTnLst>
+                  <p:par>
+                    <p:cTn id="3" fill="hold">
+                      <p:stCondLst>
+                        <p:cond delay="indefinite"/>
+                      </p:stCondLst>
+                      <p:childTnLst>
+                        <p:par>
+                          <p:cTn id="4" fill="hold">
+                            <p:stCondLst>
+                              <p:cond delay="0"/>
+                            </p:stCondLst>
+                            <p:childTnLst>
+                              <p:par>
+                                <p:cTn id="5" presetID="1" presetClass="entr" presetSubtype="0" fill="hold" nodeType="clickEffect">
+                                  <p:stCondLst>
+                                    <p:cond delay="0"/>
+                                  </p:stCondLst>
+                                  <p:childTnLst>
+                                    <p:set>
+                                      <p:cBhvr>
+                                        <p:cTn id="6" dur="1" fill="hold">
+                                          <p:stCondLst>
+                                            <p:cond delay="0"/>
+                                          </p:stCondLst>
+                                        </p:cTn>
+                                        <p:tgtEl>
+                                          <p:spTgt spid="3">
+                                            <p:txEl>
+                                              <p:pRg st="0" end="0"/>
+                                            </p:txEl>
+                                          </p:spTgt>
+                                        </p:tgtEl>
+                                        <p:attrNameLst>
+                                          <p:attrName>style.visibility</p:attrName>
+                                        </p:attrNameLst>
+                                      </p:cBhvr>
+                                      <p:to>
+                                        <p:strVal val="visible"/>
+                                      </p:to>
+                                    </p:set>
+                                  </p:childTnLst>
+                                </p:cTn>
+                              </p:par>
+                              <p:par>
+                                <p:cTn id="7" presetID="1" presetClass="entr" presetSubtype="0" fill="hold" nodeType="withEffect">
+                                  <p:stCondLst>
+                                    <p:cond delay="0"/>
+                                  </p:stCondLst>
+                                  <p:childTnLst>
+                                    <p:set>
+                                      <p:cBhvr>
+                                        <p:cTn id="8" dur="1" fill="hold">
+                                          <p:stCondLst>
+                                            <p:cond delay="0"/>
+                                          </p:stCondLst>
+                                        </p:cTn>
+                                        <p:tgtEl>
+                                          <p:spTgt spid="3">
+                                            <p:txEl>
+                                              <p:pRg st="1" end="1"/>
+                                            </p:txEl>
+                                          </p:spTgt>
+                                        </p:tgtEl>
+                                        <p:attrNameLst>
+                                          <p:attrName>style.visibility</p:attrName>
+                                        </p:attrNameLst>
+                                      </p:cBhvr>
+                                      <p:to>
+                                        <p:strVal val="visible"/>
+                                      </p:to>
+                                    </p:set>
+                                  </p:childTnLst>
+                                </p:cTn>
+                              </p:par>
+                              <p:par>
+                                <p:cTn id="9" presetID="1" presetClass="entr" presetSubtype="0" fill="hold" nodeType="withEffect">
+                                  <p:stCondLst>
+                                    <p:cond delay="0"/>
+                                  </p:stCondLst>
+                                  <p:childTnLst>
+                                    <p:set>
+                                      <p:cBhvr>
+                                        <p:cTn id="10" dur="1" fill="hold">
+                                          <p:stCondLst>
+                                            <p:cond delay="0"/>
+                                          </p:stCondLst>
+                                        </p:cTn>
+                                        <p:tgtEl>
+                                          <p:spTgt spid="3">
+                                            <p:txEl>
+                                              <p:pRg st="2" end="2"/>
+                                            </p:txEl>
+                                          </p:spTgt>
+                                        </p:tgtEl>
+                                        <p:attrNameLst>
+                                          <p:attrName>style.visibility</p:attrName>
+                                        </p:attrNameLst>
+                                      </p:cBhvr>
+                                      <p:to>
+                                        <p:strVal val="visible"/>
+                                      </p:to>
+                                    </p:set>
+                                  </p:childTnLst>
+                                </p:cTn>
+                              </p:par>
+                              <p:par>
+                                <p:cTn id="11" presetID="1" presetClass="entr" presetSubtype="0" fill="hold" nodeType="withEffect">
+                                  <p:stCondLst>
+                                    <p:cond delay="0"/>
+                                  </p:stCondLst>
+                                  <p:childTnLst>
+                                    <p:set>
+                                      <p:cBhvr>
+                                        <p:cTn id="12" dur="1" fill="hold">
+                                          <p:stCondLst>
+                                            <p:cond delay="0"/>
+                                          </p:stCondLst>
+                                        </p:cTn>
+                                        <p:tgtEl>
+                                          <p:spTgt spid="3">
+                                            <p:txEl>
+                                              <p:pRg st="3" end="3"/>
+                                            </p:txEl>
+                                          </p:spTgt>
+                                        </p:tgtEl>
+                                        <p:attrNameLst>
+                                          <p:attrName>style.visibility</p:attrName>
+                                        </p:attrNameLst>
+                                      </p:cBhvr>
+                                      <p:to>
+                                        <p:strVal val="visible"/>
+                                      </p:to>
+                                    </p:set>
+                                  </p:childTnLst>
+                                </p:cTn>
+                              </p:par>
+                            </p:childTnLst>
+                          </p:cTn>
+                        </p:par>
+                      </p:childTnLst>
+                    </p:cTn>
+                  </p:par>
+                  <p:par>
+                    <p:cTn id="13" fill="hold">
+                      <p:stCondLst>
+                        <p:cond delay="indefinite"/>
+                      </p:stCondLst>
+                      <p:childTnLst>
+                        <p:par>
+                          <p:cTn id="14" fill="hold">
+                            <p:stCondLst>
+                              <p:cond delay="0"/>
+                            </p:stCondLst>
+                            <p:childTnLst>
+                              <p:par>
+                                <p:cTn id="15" presetID="1" presetClass="entr" presetSubtype="0" fill="hold" nodeType="clickEffect">
+                                  <p:stCondLst>
+                                    <p:cond delay="0"/>
+                                  </p:stCondLst>
+                                  <p:childTnLst>
+                                    <p:set>
+                                      <p:cBhvr>
+                                        <p:cTn id="16" dur="1" fill="hold">
+                                          <p:stCondLst>
+                                            <p:cond delay="0"/>
+                                          </p:stCondLst>
+                                        </p:cTn>
+                                        <p:tgtEl>
+                                          <p:spTgt spid="3">
+                                            <p:txEl>
+                                              <p:pRg st="4" end="4"/>
+                                            </p:txEl>
+                                          </p:spTgt>
+                                        </p:tgtEl>
+                                        <p:attrNameLst>
+                                          <p:attrName>style.visibility</p:attrName>
+                                        </p:attrNameLst>
+                                      </p:cBhvr>
+                                      <p:to>
+                                        <p:strVal val="visible"/>
+                                      </p:to>
+                                    </p:set>
+                                  </p:childTnLst>
+                                </p:cTn>
+                              </p:par>
+                              <p:par>
+                                <p:cTn id="17" presetID="1" presetClass="entr" presetSubtype="0" fill="hold" nodeType="withEffect">
+                                  <p:stCondLst>
+                                    <p:cond delay="0"/>
+                                  </p:stCondLst>
+                                  <p:childTnLst>
+                                    <p:set>
+                                      <p:cBhvr>
+                                        <p:cTn id="18" dur="1" fill="hold">
+                                          <p:stCondLst>
+                                            <p:cond delay="0"/>
+                                          </p:stCondLst>
+                                        </p:cTn>
+                                        <p:tgtEl>
+                                          <p:spTgt spid="3">
+                                            <p:txEl>
+                                              <p:pRg st="5" end="5"/>
+                                            </p:txEl>
+                                          </p:spTgt>
+                                        </p:tgtEl>
+                                        <p:attrNameLst>
+                                          <p:attrName>style.visibility</p:attrName>
+                                        </p:attrNameLst>
+                                      </p:cBhvr>
+                                      <p:to>
+                                        <p:strVal val="visible"/>
+                                      </p:to>
+                                    </p:set>
+                                  </p:childTnLst>
+                                </p:cTn>
+                              </p:par>
+                            </p:childTnLst>
+                          </p:cTn>
+                        </p:par>
+                      </p:childTnLst>
+                    </p:cTn>
+                  </p:par>
+                  <p:par>
+                    <p:cTn id="19" fill="hold">
+                      <p:stCondLst>
+                        <p:cond delay="indefinite"/>
+                      </p:stCondLst>
+                      <p:childTnLst>
+                        <p:par>
+                          <p:cTn id="20" fill="hold">
+                            <p:stCondLst>
+                              <p:cond delay="0"/>
+                            </p:stCondLst>
+                            <p:childTnLst>
+                              <p:par>
+                                <p:cTn id="21" presetID="1" presetClass="entr" presetSubtype="0" fill="hold" nodeType="clickEffect">
+                                  <p:stCondLst>
+                                    <p:cond delay="0"/>
+                                  </p:stCondLst>
+                                  <p:childTnLst>
+                                    <p:set>
+                                      <p:cBhvr>
+                                        <p:cTn id="22" dur="1" fill="hold">
+                                          <p:stCondLst>
+                                            <p:cond delay="0"/>
+                                          </p:stCondLst>
+                                        </p:cTn>
+                                        <p:tgtEl>
+                                          <p:spTgt spid="3">
+                                            <p:txEl>
+                                              <p:pRg st="6" end="6"/>
+                                            </p:txEl>
+                                          </p:spTgt>
+                                        </p:tgtEl>
+                                        <p:attrNameLst>
+                                          <p:attrName>style.visibility</p:attrName>
+                                        </p:attrNameLst>
+                                      </p:cBhvr>
+                                      <p:to>
+                                        <p:strVal val="visible"/>
+                                      </p:to>
+                                    </p:set>
+                                  </p:childTnLst>
+                                </p:cTn>
+                              </p:par>
+                              <p:par>
+                                <p:cTn id="23" presetID="1" presetClass="entr" presetSubtype="0" fill="hold" nodeType="withEffect">
+                                  <p:stCondLst>
+                                    <p:cond delay="0"/>
+                                  </p:stCondLst>
+                                  <p:childTnLst>
+                                    <p:set>
+                                      <p:cBhvr>
+                                        <p:cTn id="24" dur="1" fill="hold">
+                                          <p:stCondLst>
+                                            <p:cond delay="0"/>
+                                          </p:stCondLst>
+                                        </p:cTn>
+                                        <p:tgtEl>
+                                          <p:spTgt spid="3">
+                                            <p:txEl>
+                                              <p:pRg st="7" end="7"/>
+                                            </p:txEl>
+                                          </p:spTgt>
+                                        </p:tgtEl>
+                                        <p:attrNameLst>
+                                          <p:attrName>style.visibility</p:attrName>
+                                        </p:attrNameLst>
+                                      </p:cBhvr>
+                                      <p:to>
+                                        <p:strVal val="visible"/>
+                                      </p:to>
+                                    </p:set>
+                                  </p:childTnLst>
+                                </p:cTn>
+                              </p:par>
+                            </p:childTnLst>
+                          </p:cTn>
+                        </p:par>
+                      </p:childTnLst>
+                    </p:cTn>
+                  </p:par>
+                  <p:par>
+                    <p:cTn id="25" fill="hold">
+                      <p:stCondLst>
+                        <p:cond delay="indefinite"/>
+                      </p:stCondLst>
+                      <p:childTnLst>
+                        <p:par>
+                          <p:cTn id="26" fill="hold">
+                            <p:stCondLst>
+                              <p:cond delay="0"/>
+                            </p:stCondLst>
+                            <p:childTnLst>
+                              <p:par>
+                                <p:cTn id="27" presetID="1" presetClass="entr" presetSubtype="0" fill="hold" nodeType="clickEffect">
+                                  <p:stCondLst>
+                                    <p:cond delay="0"/>
+                                  </p:stCondLst>
+                                  <p:childTnLst>
+                                    <p:set>
+                                      <p:cBhvr>
+                                        <p:cTn id="28" dur="1" fill="hold">
+                                          <p:stCondLst>
+                                            <p:cond delay="0"/>
+                                          </p:stCondLst>
+                                        </p:cTn>
+                                        <p:tgtEl>
+                                          <p:spTgt spid="3">
+                                            <p:txEl>
+                                              <p:pRg st="9" end="9"/>
+                                            </p:txEl>
+                                          </p:spTgt>
+                                        </p:tgtEl>
+                                        <p:attrNameLst>
+                                          <p:attrName>style.visibility</p:attrName>
+                                        </p:attrNameLst>
+                                      </p:cBhvr>
+                                      <p:to>
+                                        <p:strVal val="visible"/>
+                                      </p:to>
+                                    </p:set>
+                                  </p:childTnLst>
+                                </p:cTn>
+                              </p:par>
+                            </p:childTnLst>
+                          </p:cTn>
+                        </p:par>
+                      </p:childTnLst>
+                    </p:cTn>
+                  </p:par>
+                </p:childTnLst>
+              </p:cTn>
+              <p:prevCondLst>
+                <p:cond evt="onPrev" delay="0">
+                  <p:tgtEl>
+                    <p:sldTgt/>
+                  </p:tgtEl>
+                </p:cond>
+              </p:prevCondLst>
+              <p:nextCondLst>
+                <p:cond evt="onNext" delay="0">
+                  <p:tgtEl>
+                    <p:sldTgt/>
+                  </p:tgtEl>
+                </p:cond>
+              </p:nextCondLst>
+            </p:seq>
+          </p:childTnLst>
+        </p:cTn>
+      </p:par>
+    </p:tnLst>
+  </p:timing>
+</p:sld>
+</file>
+
 <file path=ppt/slides/slide3.xml><?xml version="1.0" encoding="utf-8"?>
 <p:sld xmlns:a="http://schemas.openxmlformats.org/drawingml/2006/main" xmlns:r="http://schemas.openxmlformats.org/officeDocument/2006/relationships" xmlns:p="http://schemas.openxmlformats.org/presentationml/2006/main">
   <p:cSld>
@@ -13246,8 +14295,8 @@
           </a:p>
         </p:txBody>
       </p:sp>
-      <mc:AlternateContent xmlns:mc="http://schemas.openxmlformats.org/markup-compatibility/2006">
-        <mc:Choice xmlns:a14="http://schemas.microsoft.com/office/drawing/2010/main" Requires="a14">
+      <mc:AlternateContent xmlns:mc="http://schemas.openxmlformats.org/markup-compatibility/2006" xmlns:a14="http://schemas.microsoft.com/office/drawing/2010/main">
+        <mc:Choice Requires="a14">
           <p:sp>
             <p:nvSpPr>
               <p:cNvPr id="9" name="TextBox 8"/>
@@ -13297,7 +14346,7 @@
             </p:txBody>
           </p:sp>
         </mc:Choice>
-        <mc:Fallback>
+        <mc:Fallback xmlns="">
           <p:sp>
             <p:nvSpPr>
               <p:cNvPr id="9" name="TextBox 8"/>
@@ -13780,7 +14829,6 @@
               <a:rPr lang="en-US" dirty="0" smtClean="0"/>
               <a:t>Why? Maybe the asymmetry of VSF2.5 increases ergodicity, more molecules escape than in SF, VSF.</a:t>
             </a:r>
-            <a:endParaRPr lang="en-US" dirty="0" smtClean="0"/>
           </a:p>
           <a:p>
             <a:pPr lvl="1"/>
@@ -14519,4 +15567,265 @@
     </a:ext>
   </a:extLst>
 </a:theme>
+</file>
+
+<file path=ppt/theme/theme2.xml><?xml version="1.0" encoding="utf-8"?>
+<a:theme xmlns:a="http://schemas.openxmlformats.org/drawingml/2006/main" name="Office Theme">
+  <a:themeElements>
+    <a:clrScheme name="Office">
+      <a:dk1>
+        <a:sysClr val="windowText" lastClr="000000"/>
+      </a:dk1>
+      <a:lt1>
+        <a:sysClr val="window" lastClr="FFFFFF"/>
+      </a:lt1>
+      <a:dk2>
+        <a:srgbClr val="44546A"/>
+      </a:dk2>
+      <a:lt2>
+        <a:srgbClr val="E7E6E6"/>
+      </a:lt2>
+      <a:accent1>
+        <a:srgbClr val="4472C4"/>
+      </a:accent1>
+      <a:accent2>
+        <a:srgbClr val="ED7D31"/>
+      </a:accent2>
+      <a:accent3>
+        <a:srgbClr val="A5A5A5"/>
+      </a:accent3>
+      <a:accent4>
+        <a:srgbClr val="FFC000"/>
+      </a:accent4>
+      <a:accent5>
+        <a:srgbClr val="5B9BD5"/>
+      </a:accent5>
+      <a:accent6>
+        <a:srgbClr val="70AD47"/>
+      </a:accent6>
+      <a:hlink>
+        <a:srgbClr val="0563C1"/>
+      </a:hlink>
+      <a:folHlink>
+        <a:srgbClr val="954F72"/>
+      </a:folHlink>
+    </a:clrScheme>
+    <a:fontScheme name="Office">
+      <a:majorFont>
+        <a:latin typeface="Calibri Light" panose="020F0302020204030204"/>
+        <a:ea typeface=""/>
+        <a:cs typeface=""/>
+        <a:font script="Jpan" typeface="Yu Gothic Light"/>
+        <a:font script="Hang" typeface="맑은 고딕"/>
+        <a:font script="Hans" typeface="DengXian Light"/>
+        <a:font script="Hant" typeface="新細明體"/>
+        <a:font script="Arab" typeface="Times New Roman"/>
+        <a:font script="Hebr" typeface="Times New Roman"/>
+        <a:font script="Thai" typeface="Angsana New"/>
+        <a:font script="Ethi" typeface="Nyala"/>
+        <a:font script="Beng" typeface="Vrinda"/>
+        <a:font script="Gujr" typeface="Shruti"/>
+        <a:font script="Khmr" typeface="MoolBoran"/>
+        <a:font script="Knda" typeface="Tunga"/>
+        <a:font script="Guru" typeface="Raavi"/>
+        <a:font script="Cans" typeface="Euphemia"/>
+        <a:font script="Cher" typeface="Plantagenet Cherokee"/>
+        <a:font script="Yiii" typeface="Microsoft Yi Baiti"/>
+        <a:font script="Tibt" typeface="Microsoft Himalaya"/>
+        <a:font script="Thaa" typeface="MV Boli"/>
+        <a:font script="Deva" typeface="Mangal"/>
+        <a:font script="Telu" typeface="Gautami"/>
+        <a:font script="Taml" typeface="Latha"/>
+        <a:font script="Syrc" typeface="Estrangelo Edessa"/>
+        <a:font script="Orya" typeface="Kalinga"/>
+        <a:font script="Mlym" typeface="Kartika"/>
+        <a:font script="Laoo" typeface="DokChampa"/>
+        <a:font script="Sinh" typeface="Iskoola Pota"/>
+        <a:font script="Mong" typeface="Mongolian Baiti"/>
+        <a:font script="Viet" typeface="Times New Roman"/>
+        <a:font script="Uigh" typeface="Microsoft Uighur"/>
+        <a:font script="Geor" typeface="Sylfaen"/>
+      </a:majorFont>
+      <a:minorFont>
+        <a:latin typeface="Calibri" panose="020F0502020204030204"/>
+        <a:ea typeface=""/>
+        <a:cs typeface=""/>
+        <a:font script="Jpan" typeface="Yu Gothic"/>
+        <a:font script="Hang" typeface="맑은 고딕"/>
+        <a:font script="Hans" typeface="DengXian"/>
+        <a:font script="Hant" typeface="新細明體"/>
+        <a:font script="Arab" typeface="Arial"/>
+        <a:font script="Hebr" typeface="Arial"/>
+        <a:font script="Thai" typeface="Cordia New"/>
+        <a:font script="Ethi" typeface="Nyala"/>
+        <a:font script="Beng" typeface="Vrinda"/>
+        <a:font script="Gujr" typeface="Shruti"/>
+        <a:font script="Khmr" typeface="DaunPenh"/>
+        <a:font script="Knda" typeface="Tunga"/>
+        <a:font script="Guru" typeface="Raavi"/>
+        <a:font script="Cans" typeface="Euphemia"/>
+        <a:font script="Cher" typeface="Plantagenet Cherokee"/>
+        <a:font script="Yiii" typeface="Microsoft Yi Baiti"/>
+        <a:font script="Tibt" typeface="Microsoft Himalaya"/>
+        <a:font script="Thaa" typeface="MV Boli"/>
+        <a:font script="Deva" typeface="Mangal"/>
+        <a:font script="Telu" typeface="Gautami"/>
+        <a:font script="Taml" typeface="Latha"/>
+        <a:font script="Syrc" typeface="Estrangelo Edessa"/>
+        <a:font script="Orya" typeface="Kalinga"/>
+        <a:font script="Mlym" typeface="Kartika"/>
+        <a:font script="Laoo" typeface="DokChampa"/>
+        <a:font script="Sinh" typeface="Iskoola Pota"/>
+        <a:font script="Mong" typeface="Mongolian Baiti"/>
+        <a:font script="Viet" typeface="Arial"/>
+        <a:font script="Uigh" typeface="Microsoft Uighur"/>
+        <a:font script="Geor" typeface="Sylfaen"/>
+      </a:minorFont>
+    </a:fontScheme>
+    <a:fmtScheme name="Office">
+      <a:fillStyleLst>
+        <a:solidFill>
+          <a:schemeClr val="phClr"/>
+        </a:solidFill>
+        <a:gradFill rotWithShape="1">
+          <a:gsLst>
+            <a:gs pos="0">
+              <a:schemeClr val="phClr">
+                <a:lumMod val="110000"/>
+                <a:satMod val="105000"/>
+                <a:tint val="67000"/>
+              </a:schemeClr>
+            </a:gs>
+            <a:gs pos="50000">
+              <a:schemeClr val="phClr">
+                <a:lumMod val="105000"/>
+                <a:satMod val="103000"/>
+                <a:tint val="73000"/>
+              </a:schemeClr>
+            </a:gs>
+            <a:gs pos="100000">
+              <a:schemeClr val="phClr">
+                <a:lumMod val="105000"/>
+                <a:satMod val="109000"/>
+                <a:tint val="81000"/>
+              </a:schemeClr>
+            </a:gs>
+          </a:gsLst>
+          <a:lin ang="5400000" scaled="0"/>
+        </a:gradFill>
+        <a:gradFill rotWithShape="1">
+          <a:gsLst>
+            <a:gs pos="0">
+              <a:schemeClr val="phClr">
+                <a:satMod val="103000"/>
+                <a:lumMod val="102000"/>
+                <a:tint val="94000"/>
+              </a:schemeClr>
+            </a:gs>
+            <a:gs pos="50000">
+              <a:schemeClr val="phClr">
+                <a:satMod val="110000"/>
+                <a:lumMod val="100000"/>
+                <a:shade val="100000"/>
+              </a:schemeClr>
+            </a:gs>
+            <a:gs pos="100000">
+              <a:schemeClr val="phClr">
+                <a:lumMod val="99000"/>
+                <a:satMod val="120000"/>
+                <a:shade val="78000"/>
+              </a:schemeClr>
+            </a:gs>
+          </a:gsLst>
+          <a:lin ang="5400000" scaled="0"/>
+        </a:gradFill>
+      </a:fillStyleLst>
+      <a:lnStyleLst>
+        <a:ln w="6350" cap="flat" cmpd="sng" algn="ctr">
+          <a:solidFill>
+            <a:schemeClr val="phClr"/>
+          </a:solidFill>
+          <a:prstDash val="solid"/>
+          <a:miter lim="800000"/>
+        </a:ln>
+        <a:ln w="12700" cap="flat" cmpd="sng" algn="ctr">
+          <a:solidFill>
+            <a:schemeClr val="phClr"/>
+          </a:solidFill>
+          <a:prstDash val="solid"/>
+          <a:miter lim="800000"/>
+        </a:ln>
+        <a:ln w="19050" cap="flat" cmpd="sng" algn="ctr">
+          <a:solidFill>
+            <a:schemeClr val="phClr"/>
+          </a:solidFill>
+          <a:prstDash val="solid"/>
+          <a:miter lim="800000"/>
+        </a:ln>
+      </a:lnStyleLst>
+      <a:effectStyleLst>
+        <a:effectStyle>
+          <a:effectLst/>
+        </a:effectStyle>
+        <a:effectStyle>
+          <a:effectLst/>
+        </a:effectStyle>
+        <a:effectStyle>
+          <a:effectLst>
+            <a:outerShdw blurRad="57150" dist="19050" dir="5400000" algn="ctr" rotWithShape="0">
+              <a:srgbClr val="000000">
+                <a:alpha val="63000"/>
+              </a:srgbClr>
+            </a:outerShdw>
+          </a:effectLst>
+        </a:effectStyle>
+      </a:effectStyleLst>
+      <a:bgFillStyleLst>
+        <a:solidFill>
+          <a:schemeClr val="phClr"/>
+        </a:solidFill>
+        <a:solidFill>
+          <a:schemeClr val="phClr">
+            <a:tint val="95000"/>
+            <a:satMod val="170000"/>
+          </a:schemeClr>
+        </a:solidFill>
+        <a:gradFill rotWithShape="1">
+          <a:gsLst>
+            <a:gs pos="0">
+              <a:schemeClr val="phClr">
+                <a:tint val="93000"/>
+                <a:satMod val="150000"/>
+                <a:shade val="98000"/>
+                <a:lumMod val="102000"/>
+              </a:schemeClr>
+            </a:gs>
+            <a:gs pos="50000">
+              <a:schemeClr val="phClr">
+                <a:tint val="98000"/>
+                <a:satMod val="130000"/>
+                <a:shade val="90000"/>
+                <a:lumMod val="103000"/>
+              </a:schemeClr>
+            </a:gs>
+            <a:gs pos="100000">
+              <a:schemeClr val="phClr">
+                <a:shade val="63000"/>
+                <a:satMod val="120000"/>
+              </a:schemeClr>
+            </a:gs>
+          </a:gsLst>
+          <a:lin ang="5400000" scaled="0"/>
+        </a:gradFill>
+      </a:bgFillStyleLst>
+    </a:fmtScheme>
+  </a:themeElements>
+  <a:objectDefaults/>
+  <a:extraClrSchemeLst/>
+  <a:extLst>
+    <a:ext uri="{05A4C25C-085E-4340-85A3-A5531E510DB2}">
+      <thm15:themeFamily xmlns:thm15="http://schemas.microsoft.com/office/thememl/2012/main" name="Office Theme" id="{62F939B6-93AF-4DB8-9C6B-D6C7DFDC589F}" vid="{4A3C46E8-61CC-4603-A589-7422A47A8E4A}"/>
+    </a:ext>
+  </a:extLst>
+</a:theme>
 </file>